--- a/CISC848/Implementation/Presentation/CvssEquationRecasting.pptx
+++ b/CISC848/Implementation/Presentation/CvssEquationRecasting.pptx
@@ -5,7 +5,7 @@
     <p:sldMasterId id="2147483696" r:id="rId1"/>
   </p:sldMasterIdLst>
   <p:notesMasterIdLst>
-    <p:notesMasterId r:id="rId28"/>
+    <p:notesMasterId r:id="rId29"/>
   </p:notesMasterIdLst>
   <p:sldIdLst>
     <p:sldId id="256" r:id="rId2"/>
@@ -15,25 +15,26 @@
     <p:sldId id="261" r:id="rId6"/>
     <p:sldId id="262" r:id="rId7"/>
     <p:sldId id="263" r:id="rId8"/>
-    <p:sldId id="265" r:id="rId9"/>
-    <p:sldId id="267" r:id="rId10"/>
-    <p:sldId id="269" r:id="rId11"/>
-    <p:sldId id="280" r:id="rId12"/>
-    <p:sldId id="270" r:id="rId13"/>
-    <p:sldId id="271" r:id="rId14"/>
-    <p:sldId id="273" r:id="rId15"/>
-    <p:sldId id="274" r:id="rId16"/>
-    <p:sldId id="275" r:id="rId17"/>
-    <p:sldId id="276" r:id="rId18"/>
-    <p:sldId id="277" r:id="rId19"/>
-    <p:sldId id="278" r:id="rId20"/>
-    <p:sldId id="279" r:id="rId21"/>
-    <p:sldId id="282" r:id="rId22"/>
-    <p:sldId id="281" r:id="rId23"/>
-    <p:sldId id="283" r:id="rId24"/>
-    <p:sldId id="284" r:id="rId25"/>
-    <p:sldId id="285" r:id="rId26"/>
-    <p:sldId id="266" r:id="rId27"/>
+    <p:sldId id="286" r:id="rId9"/>
+    <p:sldId id="265" r:id="rId10"/>
+    <p:sldId id="267" r:id="rId11"/>
+    <p:sldId id="269" r:id="rId12"/>
+    <p:sldId id="280" r:id="rId13"/>
+    <p:sldId id="270" r:id="rId14"/>
+    <p:sldId id="271" r:id="rId15"/>
+    <p:sldId id="273" r:id="rId16"/>
+    <p:sldId id="274" r:id="rId17"/>
+    <p:sldId id="275" r:id="rId18"/>
+    <p:sldId id="276" r:id="rId19"/>
+    <p:sldId id="277" r:id="rId20"/>
+    <p:sldId id="278" r:id="rId21"/>
+    <p:sldId id="279" r:id="rId22"/>
+    <p:sldId id="282" r:id="rId23"/>
+    <p:sldId id="281" r:id="rId24"/>
+    <p:sldId id="283" r:id="rId25"/>
+    <p:sldId id="284" r:id="rId26"/>
+    <p:sldId id="285" r:id="rId27"/>
+    <p:sldId id="266" r:id="rId28"/>
   </p:sldIdLst>
   <p:sldSz cx="12192000" cy="6858000"/>
   <p:notesSz cx="6858000" cy="9144000"/>
@@ -222,7 +223,7 @@
           <a:p>
             <a:fld id="{5300BFCF-99AA-4D87-9F55-3A672CE3ED50}" type="datetimeFigureOut">
               <a:rPr lang="en-CA" smtClean="0"/>
-              <a:t>2017-03-21</a:t>
+              <a:t>2017-03-23</a:t>
             </a:fld>
             <a:endParaRPr lang="en-CA"/>
           </a:p>
@@ -555,7 +556,7 @@
           <a:p>
             <a:fld id="{0AB3370E-83B4-4864-B523-9AC079E4A65D}" type="slidenum">
               <a:rPr lang="en-CA" smtClean="0"/>
-              <a:t>17</a:t>
+              <a:t>18</a:t>
             </a:fld>
             <a:endParaRPr lang="en-CA"/>
           </a:p>
@@ -1076,7 +1077,7 @@
           <a:p>
             <a:fld id="{E34C66BC-298D-495F-A52C-BC7ECC5CE82F}" type="datetimeFigureOut">
               <a:rPr lang="en-CA" smtClean="0"/>
-              <a:t>2017-03-21</a:t>
+              <a:t>2017-03-23</a:t>
             </a:fld>
             <a:endParaRPr lang="en-CA"/>
           </a:p>
@@ -1372,7 +1373,7 @@
           <a:p>
             <a:fld id="{E34C66BC-298D-495F-A52C-BC7ECC5CE82F}" type="datetimeFigureOut">
               <a:rPr lang="en-CA" smtClean="0"/>
-              <a:t>2017-03-21</a:t>
+              <a:t>2017-03-23</a:t>
             </a:fld>
             <a:endParaRPr lang="en-CA"/>
           </a:p>
@@ -1620,7 +1621,7 @@
           <a:p>
             <a:fld id="{E34C66BC-298D-495F-A52C-BC7ECC5CE82F}" type="datetimeFigureOut">
               <a:rPr lang="en-CA" smtClean="0"/>
-              <a:t>2017-03-21</a:t>
+              <a:t>2017-03-23</a:t>
             </a:fld>
             <a:endParaRPr lang="en-CA"/>
           </a:p>
@@ -2160,7 +2161,7 @@
           <a:p>
             <a:fld id="{E34C66BC-298D-495F-A52C-BC7ECC5CE82F}" type="datetimeFigureOut">
               <a:rPr lang="en-CA" smtClean="0"/>
-              <a:t>2017-03-21</a:t>
+              <a:t>2017-03-23</a:t>
             </a:fld>
             <a:endParaRPr lang="en-CA"/>
           </a:p>
@@ -2408,7 +2409,7 @@
           <a:p>
             <a:fld id="{E34C66BC-298D-495F-A52C-BC7ECC5CE82F}" type="datetimeFigureOut">
               <a:rPr lang="en-CA" smtClean="0"/>
-              <a:t>2017-03-21</a:t>
+              <a:t>2017-03-23</a:t>
             </a:fld>
             <a:endParaRPr lang="en-CA"/>
           </a:p>
@@ -2940,7 +2941,7 @@
           <a:p>
             <a:fld id="{E34C66BC-298D-495F-A52C-BC7ECC5CE82F}" type="datetimeFigureOut">
               <a:rPr lang="en-CA" smtClean="0"/>
-              <a:t>2017-03-21</a:t>
+              <a:t>2017-03-23</a:t>
             </a:fld>
             <a:endParaRPr lang="en-CA"/>
           </a:p>
@@ -3237,7 +3238,7 @@
           <a:p>
             <a:fld id="{E34C66BC-298D-495F-A52C-BC7ECC5CE82F}" type="datetimeFigureOut">
               <a:rPr lang="en-CA" smtClean="0"/>
-              <a:t>2017-03-21</a:t>
+              <a:t>2017-03-23</a:t>
             </a:fld>
             <a:endParaRPr lang="en-CA"/>
           </a:p>
@@ -3411,7 +3412,7 @@
           <a:p>
             <a:fld id="{E34C66BC-298D-495F-A52C-BC7ECC5CE82F}" type="datetimeFigureOut">
               <a:rPr lang="en-CA" smtClean="0"/>
-              <a:t>2017-03-21</a:t>
+              <a:t>2017-03-23</a:t>
             </a:fld>
             <a:endParaRPr lang="en-CA"/>
           </a:p>
@@ -3591,7 +3592,7 @@
           <a:p>
             <a:fld id="{E34C66BC-298D-495F-A52C-BC7ECC5CE82F}" type="datetimeFigureOut">
               <a:rPr lang="en-CA" smtClean="0"/>
-              <a:t>2017-03-21</a:t>
+              <a:t>2017-03-23</a:t>
             </a:fld>
             <a:endParaRPr lang="en-CA"/>
           </a:p>
@@ -3761,7 +3762,7 @@
           <a:p>
             <a:fld id="{E34C66BC-298D-495F-A52C-BC7ECC5CE82F}" type="datetimeFigureOut">
               <a:rPr lang="en-CA" smtClean="0"/>
-              <a:t>2017-03-21</a:t>
+              <a:t>2017-03-23</a:t>
             </a:fld>
             <a:endParaRPr lang="en-CA"/>
           </a:p>
@@ -4012,7 +4013,7 @@
           <a:p>
             <a:fld id="{E34C66BC-298D-495F-A52C-BC7ECC5CE82F}" type="datetimeFigureOut">
               <a:rPr lang="en-CA" smtClean="0"/>
-              <a:t>2017-03-21</a:t>
+              <a:t>2017-03-23</a:t>
             </a:fld>
             <a:endParaRPr lang="en-CA"/>
           </a:p>
@@ -4309,7 +4310,7 @@
           <a:p>
             <a:fld id="{E34C66BC-298D-495F-A52C-BC7ECC5CE82F}" type="datetimeFigureOut">
               <a:rPr lang="en-CA" smtClean="0"/>
-              <a:t>2017-03-21</a:t>
+              <a:t>2017-03-23</a:t>
             </a:fld>
             <a:endParaRPr lang="en-CA"/>
           </a:p>
@@ -4751,7 +4752,7 @@
           <a:p>
             <a:fld id="{E34C66BC-298D-495F-A52C-BC7ECC5CE82F}" type="datetimeFigureOut">
               <a:rPr lang="en-CA" smtClean="0"/>
-              <a:t>2017-03-21</a:t>
+              <a:t>2017-03-23</a:t>
             </a:fld>
             <a:endParaRPr lang="en-CA"/>
           </a:p>
@@ -4869,7 +4870,7 @@
           <a:p>
             <a:fld id="{E34C66BC-298D-495F-A52C-BC7ECC5CE82F}" type="datetimeFigureOut">
               <a:rPr lang="en-CA" smtClean="0"/>
-              <a:t>2017-03-21</a:t>
+              <a:t>2017-03-23</a:t>
             </a:fld>
             <a:endParaRPr lang="en-CA"/>
           </a:p>
@@ -4964,7 +4965,7 @@
           <a:p>
             <a:fld id="{E34C66BC-298D-495F-A52C-BC7ECC5CE82F}" type="datetimeFigureOut">
               <a:rPr lang="en-CA" smtClean="0"/>
-              <a:t>2017-03-21</a:t>
+              <a:t>2017-03-23</a:t>
             </a:fld>
             <a:endParaRPr lang="en-CA"/>
           </a:p>
@@ -5247,7 +5248,7 @@
           <a:p>
             <a:fld id="{E34C66BC-298D-495F-A52C-BC7ECC5CE82F}" type="datetimeFigureOut">
               <a:rPr lang="en-CA" smtClean="0"/>
-              <a:t>2017-03-21</a:t>
+              <a:t>2017-03-23</a:t>
             </a:fld>
             <a:endParaRPr lang="en-CA"/>
           </a:p>
@@ -5538,7 +5539,7 @@
           <a:p>
             <a:fld id="{E34C66BC-298D-495F-A52C-BC7ECC5CE82F}" type="datetimeFigureOut">
               <a:rPr lang="en-CA" smtClean="0"/>
-              <a:t>2017-03-21</a:t>
+              <a:t>2017-03-23</a:t>
             </a:fld>
             <a:endParaRPr lang="en-CA"/>
           </a:p>
@@ -6068,7 +6069,7 @@
           <a:p>
             <a:fld id="{E34C66BC-298D-495F-A52C-BC7ECC5CE82F}" type="datetimeFigureOut">
               <a:rPr lang="en-CA" smtClean="0"/>
-              <a:t>2017-03-21</a:t>
+              <a:t>2017-03-23</a:t>
             </a:fld>
             <a:endParaRPr lang="en-CA"/>
           </a:p>
@@ -6611,8 +6612,8 @@
         </p:nvSpPr>
         <p:spPr>
           <a:xfrm>
-            <a:off x="1550126" y="1380068"/>
-            <a:ext cx="9952897" cy="2616199"/>
+            <a:off x="949234" y="1380068"/>
+            <a:ext cx="10553789" cy="2616199"/>
           </a:xfrm>
         </p:spPr>
         <p:txBody>
@@ -6622,10 +6623,18 @@
           <a:lstStyle/>
           <a:p>
             <a:r>
-              <a:rPr lang="en-US" dirty="0" smtClean="0"/>
-              <a:t>Improved exploit prediction with recast CVSS equation</a:t>
-            </a:r>
-            <a:endParaRPr lang="en-CA" dirty="0"/>
+              <a:rPr lang="en-US" sz="5800" dirty="0" smtClean="0"/>
+              <a:t>Improved exploit prediction with </a:t>
+            </a:r>
+            <a:r>
+              <a:rPr lang="en-US" sz="5800" dirty="0" smtClean="0"/>
+              <a:t>optimized CVSS </a:t>
+            </a:r>
+            <a:r>
+              <a:rPr lang="en-US" sz="5800" dirty="0" smtClean="0"/>
+              <a:t>equation</a:t>
+            </a:r>
+            <a:endParaRPr lang="en-CA" sz="5800" dirty="0"/>
           </a:p>
         </p:txBody>
       </p:sp>
@@ -6708,7 +6717,7 @@
           <a:p>
             <a:r>
               <a:rPr lang="en-US" sz="6000" dirty="0" smtClean="0"/>
-              <a:t>Contribution</a:t>
+              <a:t>Intro – CVSS Issues</a:t>
             </a:r>
             <a:endParaRPr lang="en-CA" dirty="0"/>
           </a:p>
@@ -6727,7 +6736,7 @@
         <p:spPr>
           <a:xfrm>
             <a:off x="1484308" y="1314994"/>
-            <a:ext cx="6588537" cy="4981303"/>
+            <a:ext cx="8826641" cy="4981303"/>
           </a:xfrm>
         </p:spPr>
         <p:txBody>
@@ -6736,35 +6745,36 @@
           </a:bodyPr>
           <a:lstStyle/>
           <a:p>
-            <a:pPr marL="0" indent="0">
-              <a:buNone/>
-            </a:pPr>
-            <a:r>
-              <a:rPr lang="en-US" sz="3200" dirty="0" smtClean="0"/>
-              <a:t>Improved exploit prediction </a:t>
-            </a:r>
-            <a:r>
-              <a:rPr lang="en-US" sz="3200" dirty="0" smtClean="0"/>
-              <a:t>by optimizing</a:t>
-            </a:r>
-            <a:r>
-              <a:rPr lang="en-US" sz="3200" dirty="0" smtClean="0"/>
-              <a:t> </a:t>
-            </a:r>
-            <a:r>
-              <a:rPr lang="en-US" sz="3200" dirty="0" smtClean="0"/>
-              <a:t>equation parameters</a:t>
-            </a:r>
-          </a:p>
-          <a:p>
-            <a:endParaRPr lang="en-CA" sz="3600" dirty="0"/>
+            <a:r>
+              <a:rPr lang="en-US" sz="3600" dirty="0" smtClean="0"/>
+              <a:t>Inability to reflect risk </a:t>
+            </a:r>
+            <a:r>
+              <a:rPr lang="en-US" sz="3600" dirty="0" smtClean="0"/>
+              <a:t>necessitates specific </a:t>
+            </a:r>
+            <a:r>
+              <a:rPr lang="en-US" sz="3600" dirty="0" smtClean="0"/>
+              <a:t>systems </a:t>
+            </a:r>
+            <a:r>
+              <a:rPr lang="en-US" sz="3600" dirty="0" smtClean="0"/>
+              <a:t>[5]</a:t>
+            </a:r>
+            <a:endParaRPr lang="en-US" sz="3600" dirty="0" smtClean="0"/>
+          </a:p>
+          <a:p>
+            <a:r>
+              <a:rPr lang="en-US" sz="3600" dirty="0" smtClean="0"/>
+              <a:t>Specific systems undermine standardization</a:t>
+            </a:r>
           </a:p>
         </p:txBody>
       </p:sp>
     </p:spTree>
     <p:extLst>
       <p:ext uri="{BB962C8B-B14F-4D97-AF65-F5344CB8AC3E}">
-        <p14:creationId xmlns:p14="http://schemas.microsoft.com/office/powerpoint/2010/main" val="3934194822"/>
+        <p14:creationId xmlns:p14="http://schemas.microsoft.com/office/powerpoint/2010/main" val="1787024987"/>
       </p:ext>
     </p:extLst>
   </p:cSld>
@@ -6815,6 +6825,98 @@
           <a:p>
             <a:r>
               <a:rPr lang="en-US" sz="6000" dirty="0" smtClean="0"/>
+              <a:t>Contribution</a:t>
+            </a:r>
+            <a:endParaRPr lang="en-CA" dirty="0"/>
+          </a:p>
+        </p:txBody>
+      </p:sp>
+      <p:sp>
+        <p:nvSpPr>
+          <p:cNvPr id="3" name="Content Placeholder 2"/>
+          <p:cNvSpPr>
+            <a:spLocks noGrp="1"/>
+          </p:cNvSpPr>
+          <p:nvPr>
+            <p:ph idx="1"/>
+          </p:nvPr>
+        </p:nvSpPr>
+        <p:spPr>
+          <a:xfrm>
+            <a:off x="1484308" y="1314994"/>
+            <a:ext cx="10018714" cy="4981303"/>
+          </a:xfrm>
+        </p:spPr>
+        <p:txBody>
+          <a:bodyPr anchor="ctr">
+            <a:normAutofit/>
+          </a:bodyPr>
+          <a:lstStyle/>
+          <a:p>
+            <a:pPr marL="0" indent="0">
+              <a:buNone/>
+            </a:pPr>
+            <a:r>
+              <a:rPr lang="en-US" sz="3600" dirty="0" smtClean="0"/>
+              <a:t>Improved exploit prediction by optimizing CVSS base score equation parameters</a:t>
+            </a:r>
+          </a:p>
+        </p:txBody>
+      </p:sp>
+    </p:spTree>
+    <p:extLst>
+      <p:ext uri="{BB962C8B-B14F-4D97-AF65-F5344CB8AC3E}">
+        <p14:creationId xmlns:p14="http://schemas.microsoft.com/office/powerpoint/2010/main" val="3934194822"/>
+      </p:ext>
+    </p:extLst>
+  </p:cSld>
+  <p:clrMapOvr>
+    <a:masterClrMapping/>
+  </p:clrMapOvr>
+</p:sld>
+</file>
+
+<file path=ppt/slides/slide12.xml><?xml version="1.0" encoding="utf-8"?>
+<p:sld xmlns:a="http://schemas.openxmlformats.org/drawingml/2006/main" xmlns:r="http://schemas.openxmlformats.org/officeDocument/2006/relationships" xmlns:p="http://schemas.openxmlformats.org/presentationml/2006/main">
+  <p:cSld>
+    <p:spTree>
+      <p:nvGrpSpPr>
+        <p:cNvPr id="1" name=""/>
+        <p:cNvGrpSpPr/>
+        <p:nvPr/>
+      </p:nvGrpSpPr>
+      <p:grpSpPr>
+        <a:xfrm>
+          <a:off x="0" y="0"/>
+          <a:ext cx="0" cy="0"/>
+          <a:chOff x="0" y="0"/>
+          <a:chExt cx="0" cy="0"/>
+        </a:xfrm>
+      </p:grpSpPr>
+      <p:sp>
+        <p:nvSpPr>
+          <p:cNvPr id="2" name="Title 1"/>
+          <p:cNvSpPr>
+            <a:spLocks noGrp="1"/>
+          </p:cNvSpPr>
+          <p:nvPr>
+            <p:ph type="title"/>
+          </p:nvPr>
+        </p:nvSpPr>
+        <p:spPr>
+          <a:xfrm>
+            <a:off x="1484309" y="267788"/>
+            <a:ext cx="10018713" cy="1047206"/>
+          </a:xfrm>
+        </p:spPr>
+        <p:txBody>
+          <a:bodyPr>
+            <a:normAutofit/>
+          </a:bodyPr>
+          <a:lstStyle/>
+          <a:p>
+            <a:r>
+              <a:rPr lang="en-US" sz="6000" dirty="0" smtClean="0"/>
               <a:t>Method - Overview</a:t>
             </a:r>
             <a:endParaRPr lang="en-CA" dirty="0"/>
@@ -6829,7 +6931,7 @@
         </p:nvGrpSpPr>
         <p:grpSpPr>
           <a:xfrm>
-            <a:off x="1215237" y="5134868"/>
+            <a:off x="1215237" y="4940907"/>
             <a:ext cx="1232263" cy="1161633"/>
             <a:chOff x="2782389" y="1755583"/>
             <a:chExt cx="1232263" cy="1161633"/>
@@ -6850,7 +6952,7 @@
               <a:avLst/>
             </a:prstGeom>
             <a:solidFill>
-              <a:schemeClr val="bg1"/>
+              <a:srgbClr val="FF8F8F"/>
             </a:solidFill>
             <a:ln w="57150">
               <a:solidFill>
@@ -6923,7 +7025,7 @@
         </p:nvGrpSpPr>
         <p:grpSpPr>
           <a:xfrm>
-            <a:off x="2898732" y="1753789"/>
+            <a:off x="2898732" y="1559828"/>
             <a:ext cx="1232263" cy="1161633"/>
             <a:chOff x="1565931" y="2285308"/>
             <a:chExt cx="1232263" cy="1161633"/>
@@ -6944,7 +7046,7 @@
               <a:avLst/>
             </a:prstGeom>
             <a:solidFill>
-              <a:schemeClr val="bg1"/>
+              <a:srgbClr val="FF8F8F"/>
             </a:solidFill>
             <a:ln w="57150">
               <a:solidFill>
@@ -7017,7 +7119,7 @@
         </p:nvSpPr>
         <p:spPr>
           <a:xfrm>
-            <a:off x="1215237" y="3078001"/>
+            <a:off x="1215237" y="2884040"/>
             <a:ext cx="1232263" cy="740554"/>
           </a:xfrm>
           <a:prstGeom prst="roundRect">
@@ -7065,7 +7167,7 @@
         </p:nvSpPr>
         <p:spPr>
           <a:xfrm>
-            <a:off x="4130995" y="3077746"/>
+            <a:off x="4130995" y="2883785"/>
             <a:ext cx="2019971" cy="740554"/>
           </a:xfrm>
           <a:prstGeom prst="roundRect">
@@ -7113,7 +7215,7 @@
         </p:nvSpPr>
         <p:spPr>
           <a:xfrm>
-            <a:off x="1321917" y="3167134"/>
+            <a:off x="1321917" y="2973173"/>
             <a:ext cx="1018902" cy="584775"/>
           </a:xfrm>
           <a:prstGeom prst="rect">
@@ -7144,7 +7246,7 @@
         </p:nvSpPr>
         <p:spPr>
           <a:xfrm>
-            <a:off x="4126576" y="3145519"/>
+            <a:off x="4126576" y="2951558"/>
             <a:ext cx="1998201" cy="584775"/>
           </a:xfrm>
           <a:prstGeom prst="rect">
@@ -7175,7 +7277,7 @@
         </p:nvGrpSpPr>
         <p:grpSpPr>
           <a:xfrm>
-            <a:off x="869070" y="4200007"/>
+            <a:off x="869070" y="4006046"/>
             <a:ext cx="1924596" cy="722812"/>
             <a:chOff x="1741713" y="4162697"/>
             <a:chExt cx="1924596" cy="722812"/>
@@ -7272,7 +7374,7 @@
         </p:nvCxnSpPr>
         <p:spPr>
           <a:xfrm flipH="1" flipV="1">
-            <a:off x="1831368" y="4922819"/>
+            <a:off x="1831368" y="4728858"/>
             <a:ext cx="1" cy="422589"/>
           </a:xfrm>
           <a:prstGeom prst="straightConnector1">
@@ -7308,7 +7410,7 @@
         </p:nvGrpSpPr>
         <p:grpSpPr>
           <a:xfrm>
-            <a:off x="3538395" y="3987023"/>
+            <a:off x="3538395" y="3793062"/>
             <a:ext cx="2434335" cy="1077218"/>
             <a:chOff x="4065125" y="4065839"/>
             <a:chExt cx="2434335" cy="1077218"/>
@@ -7405,7 +7507,7 @@
         </p:nvCxnSpPr>
         <p:spPr>
           <a:xfrm flipV="1">
-            <a:off x="2793666" y="4554919"/>
+            <a:off x="2793666" y="4360958"/>
             <a:ext cx="831001" cy="6494"/>
           </a:xfrm>
           <a:prstGeom prst="straightConnector1">
@@ -7441,7 +7543,7 @@
         </p:nvGrpSpPr>
         <p:grpSpPr>
           <a:xfrm>
-            <a:off x="6607467" y="5407848"/>
+            <a:off x="6607467" y="5213887"/>
             <a:ext cx="2856412" cy="740554"/>
             <a:chOff x="4145279" y="5511662"/>
             <a:chExt cx="2856412" cy="740554"/>
@@ -7462,7 +7564,7 @@
               <a:avLst/>
             </a:prstGeom>
             <a:solidFill>
-              <a:schemeClr val="bg1"/>
+              <a:srgbClr val="FF8F8F"/>
             </a:solidFill>
             <a:ln w="57150">
               <a:solidFill>
@@ -7535,7 +7637,7 @@
         </p:nvGrpSpPr>
         <p:grpSpPr>
           <a:xfrm>
-            <a:off x="7073375" y="4196786"/>
+            <a:off x="7073375" y="4002825"/>
             <a:ext cx="1924596" cy="722812"/>
             <a:chOff x="1741713" y="4162697"/>
             <a:chExt cx="1924596" cy="722812"/>
@@ -7631,7 +7733,7 @@
         </p:nvCxnSpPr>
         <p:spPr>
           <a:xfrm>
-            <a:off x="5911272" y="4553528"/>
+            <a:off x="5911272" y="4359567"/>
             <a:ext cx="1162103" cy="4664"/>
           </a:xfrm>
           <a:prstGeom prst="straightConnector1">
@@ -7667,7 +7769,7 @@
         </p:nvGrpSpPr>
         <p:grpSpPr>
           <a:xfrm>
-            <a:off x="6610271" y="3077120"/>
+            <a:off x="6610271" y="2883159"/>
             <a:ext cx="2856412" cy="740554"/>
             <a:chOff x="4145279" y="5511662"/>
             <a:chExt cx="2856412" cy="740554"/>
@@ -7764,7 +7866,7 @@
         </p:nvCxnSpPr>
         <p:spPr>
           <a:xfrm flipV="1">
-            <a:off x="8035673" y="3817674"/>
+            <a:off x="8035673" y="3623713"/>
             <a:ext cx="2805" cy="379112"/>
           </a:xfrm>
           <a:prstGeom prst="straightConnector1">
@@ -7800,7 +7902,7 @@
         </p:nvGrpSpPr>
         <p:grpSpPr>
           <a:xfrm>
-            <a:off x="7076179" y="1824296"/>
+            <a:off x="7076179" y="1630335"/>
             <a:ext cx="1924596" cy="722812"/>
             <a:chOff x="1741713" y="4162697"/>
             <a:chExt cx="1924596" cy="722812"/>
@@ -7897,7 +7999,7 @@
         </p:nvCxnSpPr>
         <p:spPr>
           <a:xfrm flipH="1" flipV="1">
-            <a:off x="8038477" y="2547108"/>
+            <a:off x="8038477" y="2353147"/>
             <a:ext cx="1" cy="530012"/>
           </a:xfrm>
           <a:prstGeom prst="straightConnector1">
@@ -7936,7 +8038,7 @@
         </p:nvCxnSpPr>
         <p:spPr>
           <a:xfrm flipH="1">
-            <a:off x="1831368" y="3818555"/>
+            <a:off x="1831368" y="3624594"/>
             <a:ext cx="1" cy="381452"/>
           </a:xfrm>
           <a:prstGeom prst="straightConnector1">
@@ -7974,7 +8076,7 @@
         </p:nvCxnSpPr>
         <p:spPr>
           <a:xfrm rot="5400000">
-            <a:off x="2653623" y="2587036"/>
+            <a:off x="2653623" y="2393075"/>
             <a:ext cx="655119" cy="1067364"/>
           </a:xfrm>
           <a:prstGeom prst="bentConnector2">
@@ -8012,7 +8114,7 @@
         </p:nvCxnSpPr>
         <p:spPr>
           <a:xfrm rot="16200000" flipH="1">
-            <a:off x="3495497" y="2812525"/>
+            <a:off x="3495497" y="2618564"/>
             <a:ext cx="654864" cy="616131"/>
           </a:xfrm>
           <a:prstGeom prst="bentConnector2">
@@ -8048,11 +8150,14 @@
         </p:nvGrpSpPr>
         <p:grpSpPr>
           <a:xfrm>
-            <a:off x="9526343" y="3107424"/>
+            <a:off x="9526343" y="2913463"/>
             <a:ext cx="2434335" cy="740554"/>
             <a:chOff x="4065125" y="4263458"/>
             <a:chExt cx="2434335" cy="740554"/>
           </a:xfrm>
+          <a:solidFill>
+            <a:srgbClr val="7283FE"/>
+          </a:solidFill>
         </p:grpSpPr>
         <p:sp>
           <p:nvSpPr>
@@ -8068,9 +8173,7 @@
             <a:prstGeom prst="roundRect">
               <a:avLst/>
             </a:prstGeom>
-            <a:solidFill>
-              <a:schemeClr val="bg1"/>
-            </a:solidFill>
+            <a:grpFill/>
             <a:ln w="57150">
               <a:solidFill>
                 <a:schemeClr val="tx1"/>
@@ -8142,7 +8245,7 @@
         </p:nvGrpSpPr>
         <p:grpSpPr>
           <a:xfrm>
-            <a:off x="9779722" y="4561412"/>
+            <a:off x="9779722" y="4367451"/>
             <a:ext cx="1924596" cy="722812"/>
             <a:chOff x="1741713" y="4162697"/>
             <a:chExt cx="1924596" cy="722812"/>
@@ -8239,7 +8342,7 @@
         </p:nvCxnSpPr>
         <p:spPr>
           <a:xfrm>
-            <a:off x="10742020" y="3847978"/>
+            <a:off x="10742020" y="3654017"/>
             <a:ext cx="0" cy="713434"/>
           </a:xfrm>
           <a:prstGeom prst="straightConnector1">
@@ -8278,7 +8381,7 @@
         </p:nvCxnSpPr>
         <p:spPr>
           <a:xfrm flipH="1" flipV="1">
-            <a:off x="8035673" y="4919598"/>
+            <a:off x="8035673" y="4725637"/>
             <a:ext cx="1" cy="488250"/>
           </a:xfrm>
           <a:prstGeom prst="straightConnector1">
@@ -8317,7 +8420,7 @@
         </p:nvCxnSpPr>
         <p:spPr>
           <a:xfrm rot="5400000">
-            <a:off x="8956758" y="4363140"/>
+            <a:off x="8956758" y="4169179"/>
             <a:ext cx="864178" cy="2706346"/>
           </a:xfrm>
           <a:prstGeom prst="bentConnector3">
@@ -8358,7 +8461,7 @@
         </p:nvCxnSpPr>
         <p:spPr>
           <a:xfrm flipV="1">
-            <a:off x="9324542" y="4922818"/>
+            <a:off x="9324542" y="4728857"/>
             <a:ext cx="455180" cy="855307"/>
           </a:xfrm>
           <a:prstGeom prst="bentConnector3">
@@ -8399,7 +8502,7 @@
         </p:nvCxnSpPr>
         <p:spPr>
           <a:xfrm flipV="1">
-            <a:off x="6150966" y="2185702"/>
+            <a:off x="6150966" y="1991741"/>
             <a:ext cx="925213" cy="1262321"/>
           </a:xfrm>
           <a:prstGeom prst="bentConnector3">
@@ -8440,7 +8543,7 @@
         </p:nvCxnSpPr>
         <p:spPr>
           <a:xfrm>
-            <a:off x="9000775" y="2185702"/>
+            <a:off x="9000775" y="1991741"/>
             <a:ext cx="1741245" cy="921722"/>
           </a:xfrm>
           <a:prstGeom prst="bentConnector2">
@@ -8481,7 +8584,7 @@
 </p:sld>
 </file>
 
-<file path=ppt/slides/slide12.xml><?xml version="1.0" encoding="utf-8"?>
+<file path=ppt/slides/slide13.xml><?xml version="1.0" encoding="utf-8"?>
 <p:sld xmlns:a="http://schemas.openxmlformats.org/drawingml/2006/main" xmlns:r="http://schemas.openxmlformats.org/officeDocument/2006/relationships" xmlns:p="http://schemas.openxmlformats.org/presentationml/2006/main">
   <p:cSld>
     <p:spTree>
@@ -8551,34 +8654,31 @@
           <a:lstStyle/>
           <a:p>
             <a:r>
-              <a:rPr lang="en-US" sz="3200" dirty="0" smtClean="0"/>
+              <a:rPr lang="en-US" sz="3600" dirty="0" smtClean="0"/>
               <a:t>Range of entries </a:t>
             </a:r>
             <a:r>
-              <a:rPr lang="en-US" sz="3200" dirty="0"/>
+              <a:rPr lang="en-US" sz="3600" dirty="0"/>
               <a:t>from Common Vulnerabilities and Exposures (CVE - http://cve.mitre.org</a:t>
             </a:r>
             <a:r>
-              <a:rPr lang="en-US" sz="3200" dirty="0" smtClean="0"/>
+              <a:rPr lang="en-US" sz="3600" dirty="0" smtClean="0"/>
               <a:t>/)</a:t>
             </a:r>
           </a:p>
           <a:p>
             <a:r>
-              <a:rPr lang="en-US" sz="3200" dirty="0" smtClean="0"/>
+              <a:rPr lang="en-US" sz="3600" dirty="0" smtClean="0"/>
               <a:t>Corresponding entries from National Vulnerability Database </a:t>
             </a:r>
             <a:r>
-              <a:rPr lang="en-US" sz="3200" dirty="0"/>
+              <a:rPr lang="en-US" sz="3600" dirty="0"/>
               <a:t>(NVD - https://nvd.nist.gov</a:t>
             </a:r>
             <a:r>
-              <a:rPr lang="en-US" sz="3200" dirty="0" smtClean="0"/>
+              <a:rPr lang="en-US" sz="3600" dirty="0" smtClean="0"/>
               <a:t>/)</a:t>
             </a:r>
-          </a:p>
-          <a:p>
-            <a:endParaRPr lang="en-CA" sz="3600" dirty="0"/>
           </a:p>
         </p:txBody>
       </p:sp>
@@ -8595,7 +8695,7 @@
 </p:sld>
 </file>
 
-<file path=ppt/slides/slide13.xml><?xml version="1.0" encoding="utf-8"?>
+<file path=ppt/slides/slide14.xml><?xml version="1.0" encoding="utf-8"?>
 <p:sld xmlns:a="http://schemas.openxmlformats.org/drawingml/2006/main" xmlns:r="http://schemas.openxmlformats.org/officeDocument/2006/relationships" xmlns:p="http://schemas.openxmlformats.org/presentationml/2006/main">
   <p:cSld>
     <p:spTree>
@@ -9203,129 +9303,6 @@
 </p:sld>
 </file>
 
-<file path=ppt/slides/slide14.xml><?xml version="1.0" encoding="utf-8"?>
-<p:sld xmlns:a="http://schemas.openxmlformats.org/drawingml/2006/main" xmlns:r="http://schemas.openxmlformats.org/officeDocument/2006/relationships" xmlns:p="http://schemas.openxmlformats.org/presentationml/2006/main">
-  <p:cSld>
-    <p:spTree>
-      <p:nvGrpSpPr>
-        <p:cNvPr id="1" name=""/>
-        <p:cNvGrpSpPr/>
-        <p:nvPr/>
-      </p:nvGrpSpPr>
-      <p:grpSpPr>
-        <a:xfrm>
-          <a:off x="0" y="0"/>
-          <a:ext cx="0" cy="0"/>
-          <a:chOff x="0" y="0"/>
-          <a:chExt cx="0" cy="0"/>
-        </a:xfrm>
-      </p:grpSpPr>
-      <p:sp>
-        <p:nvSpPr>
-          <p:cNvPr id="2" name="Title 1"/>
-          <p:cNvSpPr>
-            <a:spLocks noGrp="1"/>
-          </p:cNvSpPr>
-          <p:nvPr>
-            <p:ph type="title"/>
-          </p:nvPr>
-        </p:nvSpPr>
-        <p:spPr>
-          <a:xfrm>
-            <a:off x="1484309" y="267788"/>
-            <a:ext cx="10018713" cy="1047206"/>
-          </a:xfrm>
-        </p:spPr>
-        <p:txBody>
-          <a:bodyPr>
-            <a:normAutofit/>
-          </a:bodyPr>
-          <a:lstStyle/>
-          <a:p>
-            <a:r>
-              <a:rPr lang="en-US" sz="6000" dirty="0" smtClean="0"/>
-              <a:t>Method - Correlation</a:t>
-            </a:r>
-            <a:endParaRPr lang="en-CA" dirty="0"/>
-          </a:p>
-        </p:txBody>
-      </p:sp>
-      <p:sp>
-        <p:nvSpPr>
-          <p:cNvPr id="3" name="Content Placeholder 2"/>
-          <p:cNvSpPr>
-            <a:spLocks noGrp="1"/>
-          </p:cNvSpPr>
-          <p:nvPr>
-            <p:ph idx="1"/>
-          </p:nvPr>
-        </p:nvSpPr>
-        <p:spPr>
-          <a:xfrm>
-            <a:off x="1484308" y="1733006"/>
-            <a:ext cx="8980492" cy="4563291"/>
-          </a:xfrm>
-        </p:spPr>
-        <p:txBody>
-          <a:bodyPr anchor="ctr">
-            <a:normAutofit/>
-          </a:bodyPr>
-          <a:lstStyle/>
-          <a:p>
-            <a:r>
-              <a:rPr lang="en-US" sz="3200" dirty="0" smtClean="0"/>
-              <a:t>Vulnerabilities classified based on links to Exploit Database (EDB </a:t>
-            </a:r>
-            <a:r>
-              <a:rPr lang="en-US" sz="3200" dirty="0"/>
-              <a:t>- https://</a:t>
-            </a:r>
-            <a:r>
-              <a:rPr lang="en-US" sz="3200" dirty="0" smtClean="0"/>
-              <a:t>www.exploit-db.com</a:t>
-            </a:r>
-            <a:r>
-              <a:rPr lang="en-US" sz="3200" dirty="0" smtClean="0"/>
-              <a:t>/)</a:t>
-            </a:r>
-            <a:endParaRPr lang="en-US" sz="3200" dirty="0" smtClean="0"/>
-          </a:p>
-          <a:p>
-            <a:r>
-              <a:rPr lang="en-US" sz="3200" dirty="0" smtClean="0"/>
-              <a:t>[3] used intra-class correlation coefficient (ICC) to conveys distinctness of </a:t>
-            </a:r>
-            <a:r>
-              <a:rPr lang="en-US" sz="3200" dirty="0" smtClean="0"/>
-              <a:t>predictions</a:t>
-            </a:r>
-            <a:endParaRPr lang="en-US" sz="3200" dirty="0" smtClean="0"/>
-          </a:p>
-          <a:p>
-            <a:endParaRPr lang="en-CA" sz="3600" dirty="0"/>
-          </a:p>
-        </p:txBody>
-      </p:sp>
-    </p:spTree>
-    <p:extLst>
-      <p:ext uri="{BB962C8B-B14F-4D97-AF65-F5344CB8AC3E}">
-        <p14:creationId xmlns:p14="http://schemas.microsoft.com/office/powerpoint/2010/main" val="728799164"/>
-      </p:ext>
-    </p:extLst>
-  </p:cSld>
-  <p:clrMapOvr>
-    <a:masterClrMapping/>
-  </p:clrMapOvr>
-  <p:timing>
-    <p:tnLst>
-      <p:par>
-        <p:cTn id="1" dur="indefinite" restart="never" nodeType="tmRoot"/>
-      </p:par>
-    </p:tnLst>
-  </p:timing>
-</p:sld>
-</file>
-
 <file path=ppt/slides/slide15.xml><?xml version="1.0" encoding="utf-8"?>
 <p:sld xmlns:a="http://schemas.openxmlformats.org/drawingml/2006/main" xmlns:r="http://schemas.openxmlformats.org/officeDocument/2006/relationships" xmlns:p="http://schemas.openxmlformats.org/presentationml/2006/main">
   <p:cSld>
@@ -9373,6 +9350,147 @@
           </a:p>
         </p:txBody>
       </p:sp>
+      <p:sp>
+        <p:nvSpPr>
+          <p:cNvPr id="3" name="Content Placeholder 2"/>
+          <p:cNvSpPr>
+            <a:spLocks noGrp="1"/>
+          </p:cNvSpPr>
+          <p:nvPr>
+            <p:ph idx="1"/>
+          </p:nvPr>
+        </p:nvSpPr>
+        <p:spPr>
+          <a:xfrm>
+            <a:off x="1484308" y="1733006"/>
+            <a:ext cx="8800516" cy="4563291"/>
+          </a:xfrm>
+        </p:spPr>
+        <p:txBody>
+          <a:bodyPr anchor="ctr">
+            <a:normAutofit/>
+          </a:bodyPr>
+          <a:lstStyle/>
+          <a:p>
+            <a:r>
+              <a:rPr lang="en-US" sz="3600" dirty="0" smtClean="0"/>
+              <a:t>Vulnerabilities classified based on links to Exploit Database </a:t>
+            </a:r>
+            <a:r>
+              <a:rPr lang="en-US" sz="3600" dirty="0" smtClean="0"/>
+              <a:t/>
+            </a:r>
+            <a:br>
+              <a:rPr lang="en-US" sz="3600" dirty="0" smtClean="0"/>
+            </a:br>
+            <a:r>
+              <a:rPr lang="en-US" sz="3600" dirty="0" smtClean="0"/>
+              <a:t>(</a:t>
+            </a:r>
+            <a:r>
+              <a:rPr lang="en-US" sz="3600" dirty="0" smtClean="0"/>
+              <a:t>EDB </a:t>
+            </a:r>
+            <a:r>
+              <a:rPr lang="en-US" sz="3600" dirty="0"/>
+              <a:t>- https://</a:t>
+            </a:r>
+            <a:r>
+              <a:rPr lang="en-US" sz="3600" dirty="0" smtClean="0"/>
+              <a:t>www.exploit-db.com/)</a:t>
+            </a:r>
+          </a:p>
+          <a:p>
+            <a:r>
+              <a:rPr lang="en-US" sz="3600" dirty="0" err="1" smtClean="0"/>
+              <a:t>Younis</a:t>
+            </a:r>
+            <a:r>
+              <a:rPr lang="en-US" sz="3600" dirty="0" smtClean="0"/>
+              <a:t> </a:t>
+            </a:r>
+            <a:r>
+              <a:rPr lang="en-US" sz="3600" i="1" dirty="0" smtClean="0"/>
+              <a:t>et al. </a:t>
+            </a:r>
+            <a:r>
+              <a:rPr lang="en-US" sz="3600" dirty="0" smtClean="0"/>
+              <a:t>[6] </a:t>
+            </a:r>
+            <a:r>
+              <a:rPr lang="en-US" sz="3600" dirty="0" smtClean="0"/>
+              <a:t>used intra-class correlation coefficient (ICC) to conveys distinctness of predictions </a:t>
+            </a:r>
+          </a:p>
+        </p:txBody>
+      </p:sp>
+    </p:spTree>
+    <p:extLst>
+      <p:ext uri="{BB962C8B-B14F-4D97-AF65-F5344CB8AC3E}">
+        <p14:creationId xmlns:p14="http://schemas.microsoft.com/office/powerpoint/2010/main" val="728799164"/>
+      </p:ext>
+    </p:extLst>
+  </p:cSld>
+  <p:clrMapOvr>
+    <a:masterClrMapping/>
+  </p:clrMapOvr>
+  <p:timing>
+    <p:tnLst>
+      <p:par>
+        <p:cTn id="1" dur="indefinite" restart="never" nodeType="tmRoot"/>
+      </p:par>
+    </p:tnLst>
+  </p:timing>
+</p:sld>
+</file>
+
+<file path=ppt/slides/slide16.xml><?xml version="1.0" encoding="utf-8"?>
+<p:sld xmlns:a="http://schemas.openxmlformats.org/drawingml/2006/main" xmlns:r="http://schemas.openxmlformats.org/officeDocument/2006/relationships" xmlns:p="http://schemas.openxmlformats.org/presentationml/2006/main">
+  <p:cSld>
+    <p:spTree>
+      <p:nvGrpSpPr>
+        <p:cNvPr id="1" name=""/>
+        <p:cNvGrpSpPr/>
+        <p:nvPr/>
+      </p:nvGrpSpPr>
+      <p:grpSpPr>
+        <a:xfrm>
+          <a:off x="0" y="0"/>
+          <a:ext cx="0" cy="0"/>
+          <a:chOff x="0" y="0"/>
+          <a:chExt cx="0" cy="0"/>
+        </a:xfrm>
+      </p:grpSpPr>
+      <p:sp>
+        <p:nvSpPr>
+          <p:cNvPr id="2" name="Title 1"/>
+          <p:cNvSpPr>
+            <a:spLocks noGrp="1"/>
+          </p:cNvSpPr>
+          <p:nvPr>
+            <p:ph type="title"/>
+          </p:nvPr>
+        </p:nvSpPr>
+        <p:spPr>
+          <a:xfrm>
+            <a:off x="1484309" y="267788"/>
+            <a:ext cx="10018713" cy="1047206"/>
+          </a:xfrm>
+        </p:spPr>
+        <p:txBody>
+          <a:bodyPr>
+            <a:normAutofit/>
+          </a:bodyPr>
+          <a:lstStyle/>
+          <a:p>
+            <a:r>
+              <a:rPr lang="en-US" sz="6000" dirty="0" smtClean="0"/>
+              <a:t>Method - Correlation</a:t>
+            </a:r>
+            <a:endParaRPr lang="en-CA" dirty="0"/>
+          </a:p>
+        </p:txBody>
+      </p:sp>
       <mc:AlternateContent xmlns:mc="http://schemas.openxmlformats.org/markup-compatibility/2006">
         <mc:Choice xmlns:a14="http://schemas.microsoft.com/office/drawing/2010/main" Requires="a14">
           <p:sp>
@@ -9387,8 +9505,8 @@
             </p:nvSpPr>
             <p:spPr>
               <a:xfrm>
-                <a:off x="1484309" y="1314994"/>
-                <a:ext cx="3902903" cy="4981303"/>
+                <a:off x="1689463" y="1314994"/>
+                <a:ext cx="3697749" cy="4981303"/>
               </a:xfrm>
             </p:spPr>
             <p:txBody>
@@ -9397,19 +9515,29 @@
               </a:bodyPr>
               <a:lstStyle/>
               <a:p>
+                <a:pPr marL="0" indent="0">
+                  <a:buNone/>
+                </a:pPr>
                 <a:r>
-                  <a:rPr lang="en-US" sz="3200" dirty="0" smtClean="0"/>
+                  <a:rPr lang="en-US" sz="3600" dirty="0" smtClean="0"/>
                   <a:t>Class distinctness reflects prediction capabilities</a:t>
                 </a:r>
               </a:p>
               <a:p>
-                <a:pPr>
+                <a:pPr marL="0" indent="0">
                   <a:lnSpc>
                     <a:spcPct val="150000"/>
                   </a:lnSpc>
+                  <a:buNone/>
                 </a:pPr>
                 <a14:m>
                   <m:oMath xmlns:m="http://schemas.openxmlformats.org/officeDocument/2006/math">
+                    <m:r>
+                      <a:rPr lang="en-US" sz="3600" b="0" i="1" smtClean="0">
+                        <a:latin typeface="Cambria Math" panose="02040503050406030204" pitchFamily="18" charset="0"/>
+                      </a:rPr>
+                      <m:t>      </m:t>
+                    </m:r>
                     <m:r>
                       <a:rPr lang="en-US" sz="3600" b="0" i="1" smtClean="0">
                         <a:latin typeface="Cambria Math" panose="02040503050406030204" pitchFamily="18" charset="0"/>
@@ -9613,13 +9741,13 @@
             </p:nvSpPr>
             <p:spPr>
               <a:xfrm>
-                <a:off x="1484309" y="1314994"/>
-                <a:ext cx="3902903" cy="4981303"/>
+                <a:off x="1689463" y="1314994"/>
+                <a:ext cx="3697749" cy="4981303"/>
               </a:xfrm>
               <a:blipFill rotWithShape="0">
                 <a:blip r:embed="rId2"/>
                 <a:stretch>
-                  <a:fillRect l="-7176"/>
+                  <a:fillRect l="-4942" r="-4942"/>
                 </a:stretch>
               </a:blipFill>
             </p:spPr>
@@ -9838,7 +9966,7 @@
 </p:sld>
 </file>
 
-<file path=ppt/slides/slide16.xml><?xml version="1.0" encoding="utf-8"?>
+<file path=ppt/slides/slide17.xml><?xml version="1.0" encoding="utf-8"?>
 <p:sld xmlns:a="http://schemas.openxmlformats.org/drawingml/2006/main" xmlns:r="http://schemas.openxmlformats.org/officeDocument/2006/relationships" xmlns:p="http://schemas.openxmlformats.org/presentationml/2006/main">
   <p:cSld>
     <p:spTree>
@@ -9908,33 +10036,16 @@
           <a:lstStyle/>
           <a:p>
             <a:r>
-              <a:rPr lang="en-US" sz="3200" dirty="0" smtClean="0"/>
-              <a:t>18 equation parameters were optimized for </a:t>
-            </a:r>
-            <a:r>
-              <a:rPr lang="en-US" sz="3200" dirty="0" smtClean="0"/>
-              <a:t>ICC</a:t>
-            </a:r>
-            <a:endParaRPr lang="en-US" sz="3200" dirty="0" smtClean="0"/>
-          </a:p>
-          <a:p>
-            <a:r>
-              <a:rPr lang="en-US" sz="3200" dirty="0" smtClean="0"/>
-              <a:t>Base scores </a:t>
-            </a:r>
-            <a:r>
-              <a:rPr lang="en-US" sz="3200" dirty="0" smtClean="0"/>
-              <a:t>were recomputed </a:t>
-            </a:r>
-            <a:r>
-              <a:rPr lang="en-US" sz="3200" dirty="0" smtClean="0"/>
-              <a:t>with optimized </a:t>
-            </a:r>
-            <a:r>
-              <a:rPr lang="en-US" sz="3200" dirty="0" smtClean="0"/>
-              <a:t>equation</a:t>
-            </a:r>
-            <a:endParaRPr lang="en-CA" sz="3200" dirty="0"/>
+              <a:rPr lang="en-US" sz="3600" dirty="0" smtClean="0"/>
+              <a:t>18 equation parameters were optimized for ICC</a:t>
+            </a:r>
+          </a:p>
+          <a:p>
+            <a:r>
+              <a:rPr lang="en-US" sz="3600" dirty="0" smtClean="0"/>
+              <a:t>Base scores were recomputed with optimized equation</a:t>
+            </a:r>
+            <a:endParaRPr lang="en-CA" sz="3600" dirty="0"/>
           </a:p>
         </p:txBody>
       </p:sp>
@@ -10001,7 +10112,7 @@
 </p:sld>
 </file>
 
-<file path=ppt/slides/slide17.xml><?xml version="1.0" encoding="utf-8"?>
+<file path=ppt/slides/slide18.xml><?xml version="1.0" encoding="utf-8"?>
 <p:sld xmlns:a="http://schemas.openxmlformats.org/drawingml/2006/main" xmlns:r="http://schemas.openxmlformats.org/officeDocument/2006/relationships" xmlns:p="http://schemas.openxmlformats.org/presentationml/2006/main">
   <p:cSld>
     <p:spTree>
@@ -10042,11 +10153,7 @@
           <a:p>
             <a:r>
               <a:rPr lang="en-US" sz="6000" dirty="0" smtClean="0"/>
-              <a:t>Method </a:t>
-            </a:r>
-            <a:r>
-              <a:rPr lang="en-US" sz="6000" dirty="0" smtClean="0"/>
-              <a:t>– Assessment Metrics</a:t>
+              <a:t>Method – Assessment Metrics</a:t>
             </a:r>
             <a:endParaRPr lang="en-CA" dirty="0"/>
           </a:p>
@@ -10078,21 +10185,21 @@
               <a:buNone/>
             </a:pPr>
             <a:r>
-              <a:rPr lang="en-US" sz="3200" dirty="0" smtClean="0"/>
+              <a:rPr lang="en-US" sz="3600" dirty="0" smtClean="0"/>
               <a:t/>
             </a:r>
             <a:br>
-              <a:rPr lang="en-US" sz="3200" dirty="0" smtClean="0"/>
+              <a:rPr lang="en-US" sz="3600" dirty="0" smtClean="0"/>
             </a:br>
             <a:r>
-              <a:rPr lang="en-US" sz="3200" dirty="0" smtClean="0"/>
-              <a:t>Binary classification allows sensitivity and precision calculation [3</a:t>
-            </a:r>
-            <a:r>
-              <a:rPr lang="en-US" sz="3200" dirty="0" smtClean="0"/>
-              <a:t>].</a:t>
-            </a:r>
-            <a:endParaRPr lang="en-US" sz="3200" dirty="0" smtClean="0"/>
+              <a:rPr lang="en-US" sz="3600" dirty="0" smtClean="0"/>
+              <a:t>Binary classification allows sensitivity and precision calculation </a:t>
+            </a:r>
+            <a:r>
+              <a:rPr lang="en-US" sz="3600" dirty="0" smtClean="0"/>
+              <a:t>[6].</a:t>
+            </a:r>
+            <a:endParaRPr lang="en-US" sz="3600" dirty="0" smtClean="0"/>
           </a:p>
         </p:txBody>
       </p:sp>
@@ -11083,7 +11190,7 @@
 </p:sld>
 </file>
 
-<file path=ppt/slides/slide18.xml><?xml version="1.0" encoding="utf-8"?>
+<file path=ppt/slides/slide19.xml><?xml version="1.0" encoding="utf-8"?>
 <p:sld xmlns:a="http://schemas.openxmlformats.org/drawingml/2006/main" xmlns:r="http://schemas.openxmlformats.org/officeDocument/2006/relationships" xmlns:p="http://schemas.openxmlformats.org/presentationml/2006/main">
   <p:cSld>
     <p:spTree>
@@ -11143,12 +11250,12 @@
         <p:spPr>
           <a:xfrm>
             <a:off x="1870861" y="1341121"/>
-            <a:ext cx="7354891" cy="1820090"/>
+            <a:ext cx="8039493" cy="1820090"/>
           </a:xfrm>
         </p:spPr>
         <p:txBody>
           <a:bodyPr anchor="t">
-            <a:normAutofit/>
+            <a:noAutofit/>
           </a:bodyPr>
           <a:lstStyle/>
           <a:p>
@@ -11156,21 +11263,17 @@
               <a:buNone/>
             </a:pPr>
             <a:r>
-              <a:rPr lang="en-US" sz="3200" dirty="0" smtClean="0"/>
+              <a:rPr lang="en-US" sz="3600" dirty="0" smtClean="0"/>
               <a:t/>
             </a:r>
             <a:br>
-              <a:rPr lang="en-US" sz="3200" dirty="0" smtClean="0"/>
+              <a:rPr lang="en-US" sz="3600" dirty="0" smtClean="0"/>
             </a:br>
             <a:r>
-              <a:rPr lang="en-US" sz="3200" dirty="0" smtClean="0"/>
-              <a:t>ICC, Sensitivity, and precision were compared before and after </a:t>
-            </a:r>
-            <a:r>
-              <a:rPr lang="en-US" sz="3200" dirty="0" smtClean="0"/>
-              <a:t>optimization.</a:t>
-            </a:r>
-            <a:endParaRPr lang="en-CA" sz="3200" dirty="0"/>
+              <a:rPr lang="en-US" sz="3600" dirty="0" smtClean="0"/>
+              <a:t>ICC, Sensitivity, and precision were compared before and after optimization.</a:t>
+            </a:r>
+            <a:endParaRPr lang="en-CA" sz="3600" dirty="0"/>
           </a:p>
         </p:txBody>
       </p:sp>
@@ -12191,7 +12294,155 @@
 </p:sld>
 </file>
 
-<file path=ppt/slides/slide19.xml><?xml version="1.0" encoding="utf-8"?>
+<file path=ppt/slides/slide2.xml><?xml version="1.0" encoding="utf-8"?>
+<p:sld xmlns:a="http://schemas.openxmlformats.org/drawingml/2006/main" xmlns:r="http://schemas.openxmlformats.org/officeDocument/2006/relationships" xmlns:p="http://schemas.openxmlformats.org/presentationml/2006/main">
+  <p:cSld>
+    <p:spTree>
+      <p:nvGrpSpPr>
+        <p:cNvPr id="1" name=""/>
+        <p:cNvGrpSpPr/>
+        <p:nvPr/>
+      </p:nvGrpSpPr>
+      <p:grpSpPr>
+        <a:xfrm>
+          <a:off x="0" y="0"/>
+          <a:ext cx="0" cy="0"/>
+          <a:chOff x="0" y="0"/>
+          <a:chExt cx="0" cy="0"/>
+        </a:xfrm>
+      </p:grpSpPr>
+      <p:sp>
+        <p:nvSpPr>
+          <p:cNvPr id="2" name="Title 1"/>
+          <p:cNvSpPr>
+            <a:spLocks noGrp="1"/>
+          </p:cNvSpPr>
+          <p:nvPr>
+            <p:ph type="title"/>
+          </p:nvPr>
+        </p:nvSpPr>
+        <p:spPr>
+          <a:xfrm>
+            <a:off x="1484309" y="267788"/>
+            <a:ext cx="10018713" cy="1047206"/>
+          </a:xfrm>
+        </p:spPr>
+        <p:txBody>
+          <a:bodyPr>
+            <a:normAutofit/>
+          </a:bodyPr>
+          <a:lstStyle/>
+          <a:p>
+            <a:r>
+              <a:rPr lang="en-US" sz="6000" dirty="0" smtClean="0"/>
+              <a:t>Outline</a:t>
+            </a:r>
+            <a:endParaRPr lang="en-CA" dirty="0"/>
+          </a:p>
+        </p:txBody>
+      </p:sp>
+      <p:sp>
+        <p:nvSpPr>
+          <p:cNvPr id="3" name="Content Placeholder 2"/>
+          <p:cNvSpPr>
+            <a:spLocks noGrp="1"/>
+          </p:cNvSpPr>
+          <p:nvPr>
+            <p:ph idx="1"/>
+          </p:nvPr>
+        </p:nvSpPr>
+        <p:spPr>
+          <a:xfrm>
+            <a:off x="1484310" y="1314994"/>
+            <a:ext cx="10018713" cy="4981303"/>
+          </a:xfrm>
+        </p:spPr>
+        <p:txBody>
+          <a:bodyPr>
+            <a:normAutofit/>
+          </a:bodyPr>
+          <a:lstStyle/>
+          <a:p>
+            <a:r>
+              <a:rPr lang="en-US" sz="3600" dirty="0" smtClean="0"/>
+              <a:t>CVSS </a:t>
+            </a:r>
+            <a:r>
+              <a:rPr lang="en-US" sz="3600" dirty="0" smtClean="0"/>
+              <a:t>introduction</a:t>
+            </a:r>
+          </a:p>
+          <a:p>
+            <a:pPr lvl="1">
+              <a:spcBef>
+                <a:spcPts val="0"/>
+              </a:spcBef>
+              <a:spcAft>
+                <a:spcPts val="0"/>
+              </a:spcAft>
+              <a:buSzPct val="100000"/>
+              <a:buFont typeface="Wingdings" panose="05000000000000000000" pitchFamily="2" charset="2"/>
+              <a:buChar char="Ø"/>
+            </a:pPr>
+            <a:r>
+              <a:rPr lang="en-US" sz="2400" dirty="0" smtClean="0"/>
+              <a:t>Background &amp; Related work</a:t>
+            </a:r>
+            <a:endParaRPr lang="en-US" sz="2400" dirty="0" smtClean="0"/>
+          </a:p>
+          <a:p>
+            <a:r>
+              <a:rPr lang="en-US" sz="3600" dirty="0" smtClean="0"/>
+              <a:t>Method</a:t>
+            </a:r>
+          </a:p>
+          <a:p>
+            <a:pPr lvl="1">
+              <a:spcBef>
+                <a:spcPts val="0"/>
+              </a:spcBef>
+              <a:spcAft>
+                <a:spcPts val="0"/>
+              </a:spcAft>
+              <a:buSzPct val="100000"/>
+              <a:buFont typeface="Wingdings" panose="05000000000000000000" pitchFamily="2" charset="2"/>
+              <a:buChar char="Ø"/>
+            </a:pPr>
+            <a:r>
+              <a:rPr lang="en-US" sz="2400" smtClean="0"/>
+              <a:t>Optimization</a:t>
+            </a:r>
+            <a:endParaRPr lang="en-US" sz="2400" dirty="0" smtClean="0"/>
+          </a:p>
+          <a:p>
+            <a:r>
+              <a:rPr lang="en-US" sz="3600" dirty="0" smtClean="0"/>
+              <a:t>Results</a:t>
+            </a:r>
+          </a:p>
+          <a:p>
+            <a:r>
+              <a:rPr lang="en-US" sz="3600" dirty="0" smtClean="0"/>
+              <a:t>Discussion and conclusions</a:t>
+            </a:r>
+            <a:endParaRPr lang="en-CA" sz="3600" dirty="0"/>
+          </a:p>
+        </p:txBody>
+      </p:sp>
+    </p:spTree>
+    <p:extLst>
+      <p:ext uri="{BB962C8B-B14F-4D97-AF65-F5344CB8AC3E}">
+        <p14:creationId xmlns:p14="http://schemas.microsoft.com/office/powerpoint/2010/main" val="2380731580"/>
+      </p:ext>
+    </p:extLst>
+  </p:cSld>
+  <p:clrMapOvr>
+    <a:masterClrMapping/>
+  </p:clrMapOvr>
+</p:sld>
+</file>
+
+<file path=ppt/slides/slide20.xml><?xml version="1.0" encoding="utf-8"?>
 <p:sld xmlns:a="http://schemas.openxmlformats.org/drawingml/2006/main" xmlns:r="http://schemas.openxmlformats.org/officeDocument/2006/relationships" xmlns:p="http://schemas.openxmlformats.org/presentationml/2006/main">
   <p:cSld>
     <p:spTree>
@@ -13678,8 +13929,8 @@
           </a:p>
         </p:txBody>
       </p:sp>
-      <mc:AlternateContent xmlns:mc="http://schemas.openxmlformats.org/markup-compatibility/2006">
-        <mc:Choice xmlns:a14="http://schemas.microsoft.com/office/drawing/2010/main" Requires="a14">
+      <mc:AlternateContent xmlns:mc="http://schemas.openxmlformats.org/markup-compatibility/2006" xmlns:a14="http://schemas.microsoft.com/office/drawing/2010/main">
+        <mc:Choice Requires="a14">
           <p:sp>
             <p:nvSpPr>
               <p:cNvPr id="9" name="TextBox 8"/>
@@ -13766,7 +14017,7 @@
             </p:txBody>
           </p:sp>
         </mc:Choice>
-        <mc:Fallback>
+        <mc:Fallback xmlns="">
           <p:sp>
             <p:nvSpPr>
               <p:cNvPr id="9" name="TextBox 8"/>
@@ -13805,8 +14056,8 @@
           </p:sp>
         </mc:Fallback>
       </mc:AlternateContent>
-      <mc:AlternateContent xmlns:mc="http://schemas.openxmlformats.org/markup-compatibility/2006">
-        <mc:Choice xmlns:a14="http://schemas.microsoft.com/office/drawing/2010/main" Requires="a14">
+      <mc:AlternateContent xmlns:mc="http://schemas.openxmlformats.org/markup-compatibility/2006" xmlns:a14="http://schemas.microsoft.com/office/drawing/2010/main">
+        <mc:Choice Requires="a14">
           <p:sp>
             <p:nvSpPr>
               <p:cNvPr id="10" name="TextBox 9"/>
@@ -13893,7 +14144,7 @@
             </p:txBody>
           </p:sp>
         </mc:Choice>
-        <mc:Fallback>
+        <mc:Fallback xmlns="">
           <p:sp>
             <p:nvSpPr>
               <p:cNvPr id="10" name="TextBox 9"/>
@@ -13952,115 +14203,7 @@
 </p:sld>
 </file>
 
-<file path=ppt/slides/slide2.xml><?xml version="1.0" encoding="utf-8"?>
-<p:sld xmlns:a="http://schemas.openxmlformats.org/drawingml/2006/main" xmlns:r="http://schemas.openxmlformats.org/officeDocument/2006/relationships" xmlns:p="http://schemas.openxmlformats.org/presentationml/2006/main">
-  <p:cSld>
-    <p:spTree>
-      <p:nvGrpSpPr>
-        <p:cNvPr id="1" name=""/>
-        <p:cNvGrpSpPr/>
-        <p:nvPr/>
-      </p:nvGrpSpPr>
-      <p:grpSpPr>
-        <a:xfrm>
-          <a:off x="0" y="0"/>
-          <a:ext cx="0" cy="0"/>
-          <a:chOff x="0" y="0"/>
-          <a:chExt cx="0" cy="0"/>
-        </a:xfrm>
-      </p:grpSpPr>
-      <p:sp>
-        <p:nvSpPr>
-          <p:cNvPr id="2" name="Title 1"/>
-          <p:cNvSpPr>
-            <a:spLocks noGrp="1"/>
-          </p:cNvSpPr>
-          <p:nvPr>
-            <p:ph type="title"/>
-          </p:nvPr>
-        </p:nvSpPr>
-        <p:spPr>
-          <a:xfrm>
-            <a:off x="1484309" y="267788"/>
-            <a:ext cx="10018713" cy="1047206"/>
-          </a:xfrm>
-        </p:spPr>
-        <p:txBody>
-          <a:bodyPr>
-            <a:normAutofit/>
-          </a:bodyPr>
-          <a:lstStyle/>
-          <a:p>
-            <a:r>
-              <a:rPr lang="en-US" sz="6000" dirty="0" smtClean="0"/>
-              <a:t>Outline</a:t>
-            </a:r>
-            <a:endParaRPr lang="en-CA" dirty="0"/>
-          </a:p>
-        </p:txBody>
-      </p:sp>
-      <p:sp>
-        <p:nvSpPr>
-          <p:cNvPr id="3" name="Content Placeholder 2"/>
-          <p:cNvSpPr>
-            <a:spLocks noGrp="1"/>
-          </p:cNvSpPr>
-          <p:nvPr>
-            <p:ph idx="1"/>
-          </p:nvPr>
-        </p:nvSpPr>
-        <p:spPr>
-          <a:xfrm>
-            <a:off x="1484310" y="1314994"/>
-            <a:ext cx="10018713" cy="4981303"/>
-          </a:xfrm>
-        </p:spPr>
-        <p:txBody>
-          <a:bodyPr>
-            <a:normAutofit/>
-          </a:bodyPr>
-          <a:lstStyle/>
-          <a:p>
-            <a:r>
-              <a:rPr lang="en-US" sz="3600" dirty="0" smtClean="0"/>
-              <a:t>CVSS introduction</a:t>
-            </a:r>
-          </a:p>
-          <a:p>
-            <a:r>
-              <a:rPr lang="en-US" sz="3600" dirty="0" smtClean="0"/>
-              <a:t>Method</a:t>
-            </a:r>
-          </a:p>
-          <a:p>
-            <a:r>
-              <a:rPr lang="en-US" sz="3600" dirty="0" smtClean="0"/>
-              <a:t>Results</a:t>
-            </a:r>
-          </a:p>
-          <a:p>
-            <a:r>
-              <a:rPr lang="en-US" sz="3600" dirty="0" smtClean="0"/>
-              <a:t>Discussion and conclusions</a:t>
-            </a:r>
-            <a:endParaRPr lang="en-CA" sz="3600" dirty="0"/>
-          </a:p>
-        </p:txBody>
-      </p:sp>
-    </p:spTree>
-    <p:extLst>
-      <p:ext uri="{BB962C8B-B14F-4D97-AF65-F5344CB8AC3E}">
-        <p14:creationId xmlns:p14="http://schemas.microsoft.com/office/powerpoint/2010/main" val="2380731580"/>
-      </p:ext>
-    </p:extLst>
-  </p:cSld>
-  <p:clrMapOvr>
-    <a:masterClrMapping/>
-  </p:clrMapOvr>
-</p:sld>
-</file>
-
-<file path=ppt/slides/slide20.xml><?xml version="1.0" encoding="utf-8"?>
+<file path=ppt/slides/slide21.xml><?xml version="1.0" encoding="utf-8"?>
 <p:sld xmlns:a="http://schemas.openxmlformats.org/drawingml/2006/main" xmlns:r="http://schemas.openxmlformats.org/officeDocument/2006/relationships" xmlns:p="http://schemas.openxmlformats.org/presentationml/2006/main">
   <p:cSld>
     <p:spTree>
@@ -14361,17 +14504,17 @@
               <a:buNone/>
             </a:pPr>
             <a:r>
-              <a:rPr lang="en-US" sz="3200" dirty="0" smtClean="0"/>
+              <a:rPr lang="en-US" sz="3600" dirty="0" smtClean="0"/>
               <a:t/>
             </a:r>
             <a:br>
-              <a:rPr lang="en-US" sz="3200" dirty="0" smtClean="0"/>
+              <a:rPr lang="en-US" sz="3600" dirty="0" smtClean="0"/>
             </a:br>
             <a:r>
-              <a:rPr lang="en-US" sz="3200" dirty="0" smtClean="0"/>
+              <a:rPr lang="en-US" sz="3600" dirty="0" smtClean="0"/>
               <a:t>Optimized base score equation improved all assessment metrics.</a:t>
             </a:r>
-            <a:endParaRPr lang="en-CA" sz="3200" dirty="0"/>
+            <a:endParaRPr lang="en-CA" sz="3600" dirty="0"/>
           </a:p>
         </p:txBody>
       </p:sp>
@@ -15138,7 +15281,7 @@
 </p:sld>
 </file>
 
-<file path=ppt/slides/slide21.xml><?xml version="1.0" encoding="utf-8"?>
+<file path=ppt/slides/slide22.xml><?xml version="1.0" encoding="utf-8"?>
 <p:sld xmlns:a="http://schemas.openxmlformats.org/drawingml/2006/main" xmlns:r="http://schemas.openxmlformats.org/officeDocument/2006/relationships" xmlns:p="http://schemas.openxmlformats.org/presentationml/2006/main">
   <p:cSld>
     <p:spTree>
@@ -16578,7 +16721,7 @@
 </p:sld>
 </file>
 
-<file path=ppt/slides/slide22.xml><?xml version="1.0" encoding="utf-8"?>
+<file path=ppt/slides/slide23.xml><?xml version="1.0" encoding="utf-8"?>
 <p:sld xmlns:a="http://schemas.openxmlformats.org/drawingml/2006/main" xmlns:r="http://schemas.openxmlformats.org/officeDocument/2006/relationships" xmlns:p="http://schemas.openxmlformats.org/presentationml/2006/main">
   <p:cSld>
     <p:spTree>
@@ -16681,7 +16824,7 @@
         <p:spPr>
           <a:xfrm>
             <a:off x="1323703" y="1314994"/>
-            <a:ext cx="4187822" cy="4981303"/>
+            <a:ext cx="4119154" cy="4981303"/>
           </a:xfrm>
         </p:spPr>
         <p:txBody>
@@ -16691,16 +16834,15 @@
           <a:lstStyle/>
           <a:p>
             <a:r>
-              <a:rPr lang="en-US" sz="3200" dirty="0" smtClean="0"/>
+              <a:rPr lang="en-US" sz="3600" dirty="0" smtClean="0"/>
               <a:t>ICC optimization destroys intra-class variability</a:t>
             </a:r>
           </a:p>
           <a:p>
             <a:r>
-              <a:rPr lang="en-US" sz="3200" dirty="0" smtClean="0"/>
+              <a:rPr lang="en-US" sz="3600" dirty="0" smtClean="0"/>
               <a:t>Over-prediction of exploitation becomes a problem</a:t>
             </a:r>
-            <a:endParaRPr lang="en-US" sz="3200" dirty="0" smtClean="0"/>
           </a:p>
         </p:txBody>
       </p:sp>
@@ -16708,109 +16850,6 @@
     <p:extLst>
       <p:ext uri="{BB962C8B-B14F-4D97-AF65-F5344CB8AC3E}">
         <p14:creationId xmlns:p14="http://schemas.microsoft.com/office/powerpoint/2010/main" val="3744602217"/>
-      </p:ext>
-    </p:extLst>
-  </p:cSld>
-  <p:clrMapOvr>
-    <a:masterClrMapping/>
-  </p:clrMapOvr>
-  <p:timing>
-    <p:tnLst>
-      <p:par>
-        <p:cTn id="1" dur="indefinite" restart="never" nodeType="tmRoot"/>
-      </p:par>
-    </p:tnLst>
-  </p:timing>
-</p:sld>
-</file>
-
-<file path=ppt/slides/slide23.xml><?xml version="1.0" encoding="utf-8"?>
-<p:sld xmlns:a="http://schemas.openxmlformats.org/drawingml/2006/main" xmlns:r="http://schemas.openxmlformats.org/officeDocument/2006/relationships" xmlns:p="http://schemas.openxmlformats.org/presentationml/2006/main">
-  <p:cSld>
-    <p:spTree>
-      <p:nvGrpSpPr>
-        <p:cNvPr id="1" name=""/>
-        <p:cNvGrpSpPr/>
-        <p:nvPr/>
-      </p:nvGrpSpPr>
-      <p:grpSpPr>
-        <a:xfrm>
-          <a:off x="0" y="0"/>
-          <a:ext cx="0" cy="0"/>
-          <a:chOff x="0" y="0"/>
-          <a:chExt cx="0" cy="0"/>
-        </a:xfrm>
-      </p:grpSpPr>
-      <p:sp>
-        <p:nvSpPr>
-          <p:cNvPr id="2" name="Title 1"/>
-          <p:cNvSpPr>
-            <a:spLocks noGrp="1"/>
-          </p:cNvSpPr>
-          <p:nvPr>
-            <p:ph type="title"/>
-          </p:nvPr>
-        </p:nvSpPr>
-        <p:spPr>
-          <a:xfrm>
-            <a:off x="1484309" y="267788"/>
-            <a:ext cx="10018713" cy="1047206"/>
-          </a:xfrm>
-        </p:spPr>
-        <p:txBody>
-          <a:bodyPr>
-            <a:normAutofit/>
-          </a:bodyPr>
-          <a:lstStyle/>
-          <a:p>
-            <a:r>
-              <a:rPr lang="en-US" sz="6000" dirty="0" smtClean="0"/>
-              <a:t>Discussion – Ongoing Work</a:t>
-            </a:r>
-            <a:endParaRPr lang="en-CA" dirty="0"/>
-          </a:p>
-        </p:txBody>
-      </p:sp>
-      <p:sp>
-        <p:nvSpPr>
-          <p:cNvPr id="12" name="Content Placeholder 2"/>
-          <p:cNvSpPr>
-            <a:spLocks noGrp="1"/>
-          </p:cNvSpPr>
-          <p:nvPr>
-            <p:ph idx="1"/>
-          </p:nvPr>
-        </p:nvSpPr>
-        <p:spPr>
-          <a:xfrm>
-            <a:off x="1323703" y="1314994"/>
-            <a:ext cx="5381897" cy="4981303"/>
-          </a:xfrm>
-        </p:spPr>
-        <p:txBody>
-          <a:bodyPr anchor="ctr">
-            <a:normAutofit/>
-          </a:bodyPr>
-          <a:lstStyle/>
-          <a:p>
-            <a:r>
-              <a:rPr lang="en-US" sz="3200" dirty="0" smtClean="0"/>
-              <a:t>Optimize on other performance metrics</a:t>
-            </a:r>
-          </a:p>
-          <a:p>
-            <a:r>
-              <a:rPr lang="en-US" sz="3200" dirty="0" smtClean="0"/>
-              <a:t>Assess optimized equation on multiple vulnerability sets</a:t>
-            </a:r>
-            <a:endParaRPr lang="en-US" sz="3200" dirty="0" smtClean="0"/>
-          </a:p>
-        </p:txBody>
-      </p:sp>
-    </p:spTree>
-    <p:extLst>
-      <p:ext uri="{BB962C8B-B14F-4D97-AF65-F5344CB8AC3E}">
-        <p14:creationId xmlns:p14="http://schemas.microsoft.com/office/powerpoint/2010/main" val="2675148060"/>
       </p:ext>
     </p:extLst>
   </p:cSld>
@@ -16868,7 +16907,7 @@
           <a:p>
             <a:r>
               <a:rPr lang="en-US" sz="6000" dirty="0" smtClean="0"/>
-              <a:t>Conclusions</a:t>
+              <a:t>Discussion – Ongoing Work</a:t>
             </a:r>
             <a:endParaRPr lang="en-CA" dirty="0"/>
           </a:p>
@@ -16887,7 +16926,7 @@
         <p:spPr>
           <a:xfrm>
             <a:off x="1323703" y="1314994"/>
-            <a:ext cx="9658333" cy="4981303"/>
+            <a:ext cx="9509760" cy="4981303"/>
           </a:xfrm>
         </p:spPr>
         <p:txBody>
@@ -16897,33 +16936,22 @@
           <a:lstStyle/>
           <a:p>
             <a:r>
-              <a:rPr lang="en-US" sz="3200" dirty="0" smtClean="0"/>
-              <a:t>Optimizing on ICC does not necessarily improve CVSS</a:t>
-            </a:r>
-          </a:p>
-          <a:p>
-            <a:r>
-              <a:rPr lang="en-US" sz="3200" dirty="0" smtClean="0"/>
-              <a:t>Other metrics should be investigated</a:t>
-            </a:r>
-          </a:p>
-          <a:p>
-            <a:r>
-              <a:rPr lang="en-US" sz="3200" dirty="0" smtClean="0"/>
-              <a:t>Statistical validation shoul</a:t>
-            </a:r>
-            <a:r>
-              <a:rPr lang="en-US" sz="3200" dirty="0" smtClean="0"/>
-              <a:t>d be performed</a:t>
-            </a:r>
-            <a:endParaRPr lang="en-US" sz="3200" dirty="0" smtClean="0"/>
+              <a:rPr lang="en-US" sz="3600" dirty="0" smtClean="0"/>
+              <a:t>Optimize on other performance metrics</a:t>
+            </a:r>
+          </a:p>
+          <a:p>
+            <a:r>
+              <a:rPr lang="en-US" sz="3600" dirty="0" smtClean="0"/>
+              <a:t>Assess optimized equation on multiple vulnerability sets</a:t>
+            </a:r>
           </a:p>
         </p:txBody>
       </p:sp>
     </p:spTree>
     <p:extLst>
       <p:ext uri="{BB962C8B-B14F-4D97-AF65-F5344CB8AC3E}">
-        <p14:creationId xmlns:p14="http://schemas.microsoft.com/office/powerpoint/2010/main" val="4095538184"/>
+        <p14:creationId xmlns:p14="http://schemas.microsoft.com/office/powerpoint/2010/main" val="2675148060"/>
       </p:ext>
     </p:extLst>
   </p:cSld>
@@ -16969,6 +16997,119 @@
         </p:nvSpPr>
         <p:spPr>
           <a:xfrm>
+            <a:off x="1484309" y="267788"/>
+            <a:ext cx="10018713" cy="1047206"/>
+          </a:xfrm>
+        </p:spPr>
+        <p:txBody>
+          <a:bodyPr>
+            <a:normAutofit/>
+          </a:bodyPr>
+          <a:lstStyle/>
+          <a:p>
+            <a:r>
+              <a:rPr lang="en-US" sz="6000" dirty="0" smtClean="0"/>
+              <a:t>Conclusions</a:t>
+            </a:r>
+            <a:endParaRPr lang="en-CA" dirty="0"/>
+          </a:p>
+        </p:txBody>
+      </p:sp>
+      <p:sp>
+        <p:nvSpPr>
+          <p:cNvPr id="12" name="Content Placeholder 2"/>
+          <p:cNvSpPr>
+            <a:spLocks noGrp="1"/>
+          </p:cNvSpPr>
+          <p:nvPr>
+            <p:ph idx="1"/>
+          </p:nvPr>
+        </p:nvSpPr>
+        <p:spPr>
+          <a:xfrm>
+            <a:off x="1323703" y="1314994"/>
+            <a:ext cx="9658333" cy="4981303"/>
+          </a:xfrm>
+        </p:spPr>
+        <p:txBody>
+          <a:bodyPr anchor="ctr">
+            <a:normAutofit/>
+          </a:bodyPr>
+          <a:lstStyle/>
+          <a:p>
+            <a:r>
+              <a:rPr lang="en-US" sz="3600" dirty="0" smtClean="0"/>
+              <a:t>Optimizing on ICC does not necessarily improve </a:t>
+            </a:r>
+            <a:r>
+              <a:rPr lang="en-US" sz="3600" dirty="0" smtClean="0"/>
+              <a:t>CVSS utility</a:t>
+            </a:r>
+            <a:endParaRPr lang="en-US" sz="3600" dirty="0" smtClean="0"/>
+          </a:p>
+          <a:p>
+            <a:r>
+              <a:rPr lang="en-US" sz="3600" dirty="0" smtClean="0"/>
+              <a:t>Other metrics should be investigated</a:t>
+            </a:r>
+          </a:p>
+          <a:p>
+            <a:r>
+              <a:rPr lang="en-US" sz="3600" dirty="0" smtClean="0"/>
+              <a:t>Statistical validation should be performed</a:t>
+            </a:r>
+          </a:p>
+        </p:txBody>
+      </p:sp>
+    </p:spTree>
+    <p:extLst>
+      <p:ext uri="{BB962C8B-B14F-4D97-AF65-F5344CB8AC3E}">
+        <p14:creationId xmlns:p14="http://schemas.microsoft.com/office/powerpoint/2010/main" val="4095538184"/>
+      </p:ext>
+    </p:extLst>
+  </p:cSld>
+  <p:clrMapOvr>
+    <a:masterClrMapping/>
+  </p:clrMapOvr>
+  <p:timing>
+    <p:tnLst>
+      <p:par>
+        <p:cTn id="1" dur="indefinite" restart="never" nodeType="tmRoot"/>
+      </p:par>
+    </p:tnLst>
+  </p:timing>
+</p:sld>
+</file>
+
+<file path=ppt/slides/slide26.xml><?xml version="1.0" encoding="utf-8"?>
+<p:sld xmlns:a="http://schemas.openxmlformats.org/drawingml/2006/main" xmlns:r="http://schemas.openxmlformats.org/officeDocument/2006/relationships" xmlns:p="http://schemas.openxmlformats.org/presentationml/2006/main">
+  <p:cSld>
+    <p:spTree>
+      <p:nvGrpSpPr>
+        <p:cNvPr id="1" name=""/>
+        <p:cNvGrpSpPr/>
+        <p:nvPr/>
+      </p:nvGrpSpPr>
+      <p:grpSpPr>
+        <a:xfrm>
+          <a:off x="0" y="0"/>
+          <a:ext cx="0" cy="0"/>
+          <a:chOff x="0" y="0"/>
+          <a:chExt cx="0" cy="0"/>
+        </a:xfrm>
+      </p:grpSpPr>
+      <p:sp>
+        <p:nvSpPr>
+          <p:cNvPr id="2" name="Title 1"/>
+          <p:cNvSpPr>
+            <a:spLocks noGrp="1"/>
+          </p:cNvSpPr>
+          <p:nvPr>
+            <p:ph type="title"/>
+          </p:nvPr>
+        </p:nvSpPr>
+        <p:spPr>
+          <a:xfrm>
             <a:off x="1630627" y="2373809"/>
             <a:ext cx="8930747" cy="2110382"/>
           </a:xfrm>
@@ -17008,7 +17149,7 @@
 </p:sld>
 </file>
 
-<file path=ppt/slides/slide26.xml><?xml version="1.0" encoding="utf-8"?>
+<file path=ppt/slides/slide27.xml><?xml version="1.0" encoding="utf-8"?>
 <p:sld xmlns:a="http://schemas.openxmlformats.org/drawingml/2006/main" xmlns:r="http://schemas.openxmlformats.org/officeDocument/2006/relationships" xmlns:p="http://schemas.openxmlformats.org/presentationml/2006/main">
   <p:cSld>
     <p:spTree>
@@ -17068,7 +17209,7 @@
         <p:spPr>
           <a:xfrm>
             <a:off x="1484309" y="1314994"/>
-            <a:ext cx="10018713" cy="4981303"/>
+            <a:ext cx="10237428" cy="4981303"/>
           </a:xfrm>
         </p:spPr>
         <p:txBody>
@@ -17082,40 +17223,36 @@
               <a:buAutoNum type="arabicPeriod"/>
             </a:pPr>
             <a:r>
+              <a:rPr lang="en-CA" sz="1800" dirty="0" err="1"/>
+              <a:t>Bozorgi</a:t>
+            </a:r>
+            <a:r>
               <a:rPr lang="en-CA" sz="1800" dirty="0"/>
-              <a:t>Mell P, </a:t>
+              <a:t> M. Lawrence KS, Savage S, and </a:t>
             </a:r>
             <a:r>
               <a:rPr lang="en-CA" sz="1800" dirty="0" err="1"/>
-              <a:t>Scarfone</a:t>
+              <a:t>Voelker</a:t>
             </a:r>
             <a:r>
               <a:rPr lang="en-CA" sz="1800" dirty="0"/>
-              <a:t> K, and </a:t>
-            </a:r>
-            <a:r>
-              <a:rPr lang="en-CA" sz="1800" dirty="0" err="1"/>
-              <a:t>Romanosky</a:t>
+              <a:t> GM. 2010 “Beyond Heuristics: </a:t>
+            </a:r>
+            <a:r>
+              <a:rPr lang="en-CA" sz="1800" dirty="0" smtClean="0"/>
+              <a:t>Learning </a:t>
             </a:r>
             <a:r>
               <a:rPr lang="en-CA" sz="1800" dirty="0"/>
-              <a:t> S. “A complete guide to the common vulnerability </a:t>
+              <a:t>to Classify Vulnerabilities and Predict Exploits” Proceedings of the 16th ACM </a:t>
             </a:r>
             <a:r>
               <a:rPr lang="en-CA" sz="1800" dirty="0" smtClean="0"/>
-              <a:t>scoring </a:t>
+              <a:t>SIGKDD </a:t>
             </a:r>
             <a:r>
               <a:rPr lang="en-CA" sz="1800" dirty="0"/>
-              <a:t>system version 2.0” Published by FIRST-Forum of Incident Response and </a:t>
-            </a:r>
-            <a:r>
-              <a:rPr lang="en-CA" sz="1800" dirty="0" smtClean="0"/>
-              <a:t>Security </a:t>
-            </a:r>
-            <a:r>
-              <a:rPr lang="en-CA" sz="1800" dirty="0"/>
-              <a:t>Teams. 2007.</a:t>
+              <a:t>international conference on Knowledge discovery and data mining. 2010; 105-	114.</a:t>
             </a:r>
             <a:endParaRPr lang="en-CA" sz="1800" dirty="0" smtClean="0"/>
           </a:p>
@@ -17125,37 +17262,46 @@
               <a:buAutoNum type="arabicPeriod"/>
             </a:pPr>
             <a:r>
-              <a:rPr lang="en-CA" sz="1800" dirty="0" err="1" smtClean="0"/>
-              <a:t>Allodi</a:t>
-            </a:r>
-            <a:r>
               <a:rPr lang="en-CA" sz="1800" dirty="0" smtClean="0"/>
-              <a:t> </a:t>
+              <a:t>Mell </a:t>
             </a:r>
             <a:r>
               <a:rPr lang="en-CA" sz="1800" dirty="0"/>
-              <a:t>L, and </a:t>
+              <a:t>P, </a:t>
             </a:r>
             <a:r>
               <a:rPr lang="en-CA" sz="1800" dirty="0" err="1"/>
-              <a:t>Massacci</a:t>
+              <a:t>Scarfone</a:t>
             </a:r>
             <a:r>
               <a:rPr lang="en-CA" sz="1800" dirty="0"/>
-              <a:t> F. “Comparing Vulnerability Severity and Exploits Using </a:t>
+              <a:t> K, and </a:t>
+            </a:r>
+            <a:r>
+              <a:rPr lang="en-CA" sz="1800" dirty="0" err="1"/>
+              <a:t>Romanosky</a:t>
+            </a:r>
+            <a:r>
+              <a:rPr lang="en-CA" sz="1800" dirty="0"/>
+              <a:t> S. “A complete guide to the common vulnerability </a:t>
             </a:r>
             <a:r>
               <a:rPr lang="en-CA" sz="1800" dirty="0" smtClean="0"/>
-              <a:t>Case-Control </a:t>
+              <a:t>scoring </a:t>
             </a:r>
             <a:r>
               <a:rPr lang="en-CA" sz="1800" dirty="0"/>
-              <a:t>Studies” ACM Transactions on Information and System Security. 2014; 17(1):</a:t>
+              <a:t>system version 2.0” Published by FIRST-Forum of Incident Response and </a:t>
             </a:r>
             <a:r>
               <a:rPr lang="en-CA" sz="1800" dirty="0" smtClean="0"/>
-              <a:t>1-20.</a:t>
-            </a:r>
+              <a:t>Security </a:t>
+            </a:r>
+            <a:r>
+              <a:rPr lang="en-CA" sz="1800" dirty="0"/>
+              <a:t>Teams. 2007.</a:t>
+            </a:r>
+            <a:endParaRPr lang="en-CA" sz="1800" dirty="0" smtClean="0"/>
           </a:p>
           <a:p>
             <a:pPr marL="742950" indent="-742950">
@@ -17164,11 +17310,131 @@
             </a:pPr>
             <a:r>
               <a:rPr lang="en-CA" sz="1800" dirty="0" err="1"/>
+              <a:t>Khazeai</a:t>
+            </a:r>
+            <a:r>
+              <a:rPr lang="en-CA" sz="1800" dirty="0"/>
+              <a:t> A, </a:t>
+            </a:r>
+            <a:r>
+              <a:rPr lang="en-CA" sz="1800" dirty="0" err="1"/>
+              <a:t>Ghasemzadeh</a:t>
+            </a:r>
+            <a:r>
+              <a:rPr lang="en-CA" sz="1800" dirty="0"/>
+              <a:t> M, and </a:t>
+            </a:r>
+            <a:r>
+              <a:rPr lang="en-CA" sz="1800" dirty="0" err="1"/>
+              <a:t>Derhami</a:t>
+            </a:r>
+            <a:r>
+              <a:rPr lang="en-CA" sz="1800" dirty="0"/>
+              <a:t> V. “An automatic method for CVSS </a:t>
+            </a:r>
+            <a:r>
+              <a:rPr lang="en-CA" sz="1800" dirty="0" smtClean="0"/>
+              <a:t>score prediction </a:t>
+            </a:r>
+            <a:r>
+              <a:rPr lang="en-CA" sz="1800" dirty="0"/>
+              <a:t>using vulnerabilities description” Journal of Intelligent &amp; Fuzzy Systems. </a:t>
+            </a:r>
+            <a:r>
+              <a:rPr lang="en-CA" sz="1800" dirty="0" smtClean="0"/>
+              <a:t>2016</a:t>
+            </a:r>
+            <a:r>
+              <a:rPr lang="en-CA" sz="1800" dirty="0"/>
+              <a:t>; 30:89-96.</a:t>
+            </a:r>
+            <a:endParaRPr lang="en-CA" sz="1800" dirty="0" smtClean="0"/>
+          </a:p>
+          <a:p>
+            <a:pPr marL="742950" indent="-742950">
+              <a:buFont typeface="+mj-lt"/>
+              <a:buAutoNum type="arabicPeriod"/>
+            </a:pPr>
+            <a:r>
+              <a:rPr lang="en-CA" sz="1800" dirty="0" err="1" smtClean="0"/>
+              <a:t>Allodi</a:t>
+            </a:r>
+            <a:r>
+              <a:rPr lang="en-CA" sz="1800" dirty="0" smtClean="0"/>
+              <a:t> </a:t>
+            </a:r>
+            <a:r>
+              <a:rPr lang="en-CA" sz="1800" dirty="0"/>
+              <a:t>L, and </a:t>
+            </a:r>
+            <a:r>
+              <a:rPr lang="en-CA" sz="1800" dirty="0" err="1"/>
+              <a:t>Massacci</a:t>
+            </a:r>
+            <a:r>
+              <a:rPr lang="en-CA" sz="1800" dirty="0"/>
+              <a:t> F. “Comparing Vulnerability Severity and Exploits Using </a:t>
+            </a:r>
+            <a:r>
+              <a:rPr lang="en-CA" sz="1800" dirty="0" smtClean="0"/>
+              <a:t>Case-Control </a:t>
+            </a:r>
+            <a:r>
+              <a:rPr lang="en-CA" sz="1800" dirty="0"/>
+              <a:t>Studies” ACM Transactions on Information and System Security. 2014; 17(1):</a:t>
+            </a:r>
+            <a:r>
+              <a:rPr lang="en-CA" sz="1800" dirty="0" smtClean="0"/>
+              <a:t>1-20.</a:t>
+            </a:r>
+          </a:p>
+          <a:p>
+            <a:pPr marL="742950" indent="-742950">
+              <a:buFont typeface="+mj-lt"/>
+              <a:buAutoNum type="arabicPeriod"/>
+            </a:pPr>
+            <a:r>
+              <a:rPr lang="en-CA" sz="1800" dirty="0" err="1"/>
               <a:t>Younis</a:t>
             </a:r>
             <a:r>
               <a:rPr lang="en-CA" sz="1800" dirty="0"/>
-              <a:t> AA, </a:t>
+              <a:t> AA, and </a:t>
+            </a:r>
+            <a:r>
+              <a:rPr lang="en-CA" sz="1800" dirty="0" err="1"/>
+              <a:t>Malaiya</a:t>
+            </a:r>
+            <a:r>
+              <a:rPr lang="en-CA" sz="1800" dirty="0"/>
+              <a:t> YK. “Comparing and Evaluating CVSS Base Metrics and 	Microsoft Rating System” IEEE International Conference on Software Quality, </a:t>
+            </a:r>
+            <a:r>
+              <a:rPr lang="en-CA" sz="1800" dirty="0" smtClean="0"/>
+              <a:t>Reliability </a:t>
+            </a:r>
+            <a:r>
+              <a:rPr lang="en-CA" sz="1800" dirty="0"/>
+              <a:t>and Security. 2015; 252-261.</a:t>
+            </a:r>
+            <a:endParaRPr lang="en-CA" sz="1800" dirty="0" smtClean="0"/>
+          </a:p>
+          <a:p>
+            <a:pPr marL="742950" indent="-742950">
+              <a:buFont typeface="+mj-lt"/>
+              <a:buAutoNum type="arabicPeriod"/>
+            </a:pPr>
+            <a:r>
+              <a:rPr lang="en-CA" sz="1800" dirty="0" err="1" smtClean="0"/>
+              <a:t>Younis</a:t>
+            </a:r>
+            <a:r>
+              <a:rPr lang="en-CA" sz="1800" dirty="0" smtClean="0"/>
+              <a:t> </a:t>
+            </a:r>
+            <a:r>
+              <a:rPr lang="en-CA" sz="1800" dirty="0"/>
+              <a:t>AA, </a:t>
             </a:r>
             <a:r>
               <a:rPr lang="en-CA" sz="1800" dirty="0" err="1"/>
@@ -17414,7 +17680,7 @@
         <p:spPr>
           <a:xfrm>
             <a:off x="1484310" y="1314994"/>
-            <a:ext cx="5160330" cy="4981303"/>
+            <a:ext cx="7807736" cy="4981303"/>
           </a:xfrm>
         </p:spPr>
         <p:txBody>
@@ -17425,22 +17691,13 @@
           <a:p>
             <a:r>
               <a:rPr lang="en-US" sz="3600" dirty="0" smtClean="0"/>
-              <a:t>Limited resources necessitate vulnerability </a:t>
-            </a:r>
+              <a:t>Limited resources necessitate vulnerability prioritization [1]</a:t>
+            </a:r>
+          </a:p>
+          <a:p>
             <a:r>
               <a:rPr lang="en-US" sz="3600" dirty="0" smtClean="0"/>
-              <a:t>prioritization</a:t>
-            </a:r>
-            <a:endParaRPr lang="en-US" sz="3600" dirty="0" smtClean="0"/>
-          </a:p>
-          <a:p>
-            <a:r>
-              <a:rPr lang="en-US" sz="3600" dirty="0" smtClean="0"/>
-              <a:t>Prioritization seeks to minimize </a:t>
-            </a:r>
-            <a:r>
-              <a:rPr lang="en-US" sz="3600" dirty="0" smtClean="0"/>
-              <a:t>risk</a:t>
+              <a:t>Prioritization seeks to minimize risk</a:t>
             </a:r>
             <a:endParaRPr lang="en-CA" sz="3600" dirty="0"/>
           </a:p>
@@ -17519,7 +17776,7 @@
         <p:spPr>
           <a:xfrm>
             <a:off x="1484309" y="1314994"/>
-            <a:ext cx="5238707" cy="4981303"/>
+            <a:ext cx="7598731" cy="4981303"/>
           </a:xfrm>
         </p:spPr>
         <p:txBody>
@@ -17530,24 +17787,14 @@
           <a:p>
             <a:r>
               <a:rPr lang="en-US" sz="3600" dirty="0" smtClean="0"/>
-              <a:t>Common Vulnerability Scoring System measures risk [1</a:t>
-            </a:r>
+              <a:t>Common Vulnerability Scoring System measures risk [2]</a:t>
+            </a:r>
+          </a:p>
+          <a:p>
             <a:r>
               <a:rPr lang="en-US" sz="3600" dirty="0" smtClean="0"/>
-              <a:t>]</a:t>
-            </a:r>
-            <a:endParaRPr lang="en-US" sz="3600" dirty="0" smtClean="0"/>
-          </a:p>
-          <a:p>
-            <a:r>
-              <a:rPr lang="en-US" sz="3600" dirty="0" smtClean="0"/>
-              <a:t>Scores in range 0-10 convey likelihood and severity of </a:t>
-            </a:r>
-            <a:r>
-              <a:rPr lang="en-US" sz="3600" dirty="0" smtClean="0"/>
-              <a:t>exploitation</a:t>
-            </a:r>
-            <a:endParaRPr lang="en-US" sz="3600" dirty="0" smtClean="0"/>
+              <a:t>Scores in range 0-10 convey likelihood and severity of exploitation</a:t>
+            </a:r>
           </a:p>
         </p:txBody>
       </p:sp>
@@ -17656,12 +17903,13 @@
           <a:p>
             <a:r>
               <a:rPr lang="en-US" sz="2800" dirty="0" smtClean="0"/>
-              <a:t>Environmental score</a:t>
+              <a:t>Environmental </a:t>
+            </a:r>
+            <a:r>
+              <a:rPr lang="en-US" sz="2800" dirty="0" smtClean="0"/>
+              <a:t>score</a:t>
             </a:r>
             <a:endParaRPr lang="en-US" sz="3200" dirty="0" smtClean="0"/>
-          </a:p>
-          <a:p>
-            <a:endParaRPr lang="en-CA" sz="3600" dirty="0"/>
           </a:p>
         </p:txBody>
       </p:sp>
@@ -17737,8 +17985,8 @@
         </p:nvSpPr>
         <p:spPr>
           <a:xfrm>
-            <a:off x="1484310" y="1314994"/>
-            <a:ext cx="4772456" cy="4981303"/>
+            <a:off x="1481348" y="1604994"/>
+            <a:ext cx="4772456" cy="3640183"/>
           </a:xfrm>
         </p:spPr>
         <p:txBody>
@@ -17749,15 +17997,7 @@
           <a:p>
             <a:r>
               <a:rPr lang="en-US" sz="3600" dirty="0" smtClean="0"/>
-              <a:t>Base </a:t>
-            </a:r>
-            <a:r>
-              <a:rPr lang="en-US" sz="3600" dirty="0" smtClean="0"/>
-              <a:t>score </a:t>
-            </a:r>
-            <a:r>
-              <a:rPr lang="en-US" sz="3600" dirty="0" smtClean="0"/>
-              <a:t>computed from six metrics</a:t>
+              <a:t>Base score computed from six metrics</a:t>
             </a:r>
           </a:p>
           <a:p>
@@ -17771,16 +18011,16 @@
       </p:sp>
       <p:grpSp>
         <p:nvGrpSpPr>
-          <p:cNvPr id="4" name="Group 3"/>
+          <p:cNvPr id="29" name="Group 28"/>
           <p:cNvGrpSpPr/>
           <p:nvPr/>
         </p:nvGrpSpPr>
         <p:grpSpPr>
           <a:xfrm>
-            <a:off x="6493665" y="2124890"/>
-            <a:ext cx="4911634" cy="3361509"/>
-            <a:chOff x="809897" y="2743200"/>
-            <a:chExt cx="4911634" cy="3361509"/>
+            <a:off x="6591388" y="1657377"/>
+            <a:ext cx="4911634" cy="3535418"/>
+            <a:chOff x="6591388" y="1489164"/>
+            <a:chExt cx="4911634" cy="3535418"/>
           </a:xfrm>
         </p:grpSpPr>
         <p:grpSp>
@@ -17791,8 +18031,8 @@
           </p:nvGrpSpPr>
           <p:grpSpPr>
             <a:xfrm>
-              <a:off x="809897" y="2743200"/>
-              <a:ext cx="4911634" cy="3361509"/>
+              <a:off x="6591388" y="1489164"/>
+              <a:ext cx="4911634" cy="3535418"/>
               <a:chOff x="809898" y="2743200"/>
               <a:chExt cx="3675017" cy="3361509"/>
             </a:xfrm>
@@ -17896,7 +18136,7 @@
           </p:nvGrpSpPr>
           <p:grpSpPr>
             <a:xfrm>
-              <a:off x="970543" y="3285363"/>
+              <a:off x="6752034" y="2031327"/>
               <a:ext cx="2167128" cy="655783"/>
               <a:chOff x="1119052" y="3289684"/>
               <a:chExt cx="1271451" cy="655783"/>
@@ -18001,7 +18241,7 @@
           </p:nvGrpSpPr>
           <p:grpSpPr>
             <a:xfrm>
-              <a:off x="3374571" y="3273796"/>
+              <a:off x="9156062" y="2019760"/>
               <a:ext cx="2164080" cy="707886"/>
               <a:chOff x="1119052" y="3264766"/>
               <a:chExt cx="1271451" cy="707886"/>
@@ -18106,7 +18346,7 @@
           </p:nvGrpSpPr>
           <p:grpSpPr>
             <a:xfrm>
-              <a:off x="970543" y="4123006"/>
+              <a:off x="6752034" y="2868970"/>
               <a:ext cx="2167128" cy="655783"/>
               <a:chOff x="1119052" y="3289684"/>
               <a:chExt cx="1271451" cy="655783"/>
@@ -18211,7 +18451,7 @@
           </p:nvGrpSpPr>
           <p:grpSpPr>
             <a:xfrm>
-              <a:off x="3374571" y="4136357"/>
+              <a:off x="9156062" y="2882321"/>
               <a:ext cx="2164080" cy="655783"/>
               <a:chOff x="1119052" y="3289684"/>
               <a:chExt cx="1271451" cy="655783"/>
@@ -18316,7 +18556,7 @@
           </p:nvGrpSpPr>
           <p:grpSpPr>
             <a:xfrm>
-              <a:off x="970543" y="5010485"/>
+              <a:off x="6752034" y="3756449"/>
               <a:ext cx="2167128" cy="655783"/>
               <a:chOff x="1119052" y="3289684"/>
               <a:chExt cx="1271451" cy="655783"/>
@@ -18421,7 +18661,7 @@
           </p:nvGrpSpPr>
           <p:grpSpPr>
             <a:xfrm>
-              <a:off x="3374571" y="4998918"/>
+              <a:off x="9156062" y="3744882"/>
               <a:ext cx="2164080" cy="707886"/>
               <a:chOff x="1119052" y="3264766"/>
               <a:chExt cx="1271451" cy="707886"/>
@@ -18518,17 +18758,79 @@
             </p:txBody>
           </p:sp>
         </p:grpSp>
+        <p:sp>
+          <p:nvSpPr>
+            <p:cNvPr id="26" name="TextBox 25"/>
+            <p:cNvSpPr txBox="1"/>
+            <p:nvPr/>
+          </p:nvSpPr>
+          <p:spPr>
+            <a:xfrm>
+              <a:off x="6782997" y="4436287"/>
+              <a:ext cx="2092525" cy="523220"/>
+            </a:xfrm>
+            <a:prstGeom prst="rect">
+              <a:avLst/>
+            </a:prstGeom>
+            <a:noFill/>
+          </p:spPr>
+          <p:txBody>
+            <a:bodyPr wrap="square" rtlCol="0">
+              <a:spAutoFit/>
+            </a:bodyPr>
+            <a:lstStyle/>
+            <a:p>
+              <a:pPr algn="ctr"/>
+              <a:r>
+                <a:rPr lang="en-US" sz="2800" dirty="0" smtClean="0"/>
+                <a:t>Likelihood</a:t>
+              </a:r>
+              <a:endParaRPr lang="en-CA" sz="2800" dirty="0"/>
+            </a:p>
+          </p:txBody>
+        </p:sp>
+        <p:sp>
+          <p:nvSpPr>
+            <p:cNvPr id="27" name="TextBox 26"/>
+            <p:cNvSpPr txBox="1"/>
+            <p:nvPr/>
+          </p:nvSpPr>
+          <p:spPr>
+            <a:xfrm>
+              <a:off x="9138681" y="4436287"/>
+              <a:ext cx="2092525" cy="523220"/>
+            </a:xfrm>
+            <a:prstGeom prst="rect">
+              <a:avLst/>
+            </a:prstGeom>
+            <a:noFill/>
+          </p:spPr>
+          <p:txBody>
+            <a:bodyPr wrap="square" rtlCol="0">
+              <a:spAutoFit/>
+            </a:bodyPr>
+            <a:lstStyle/>
+            <a:p>
+              <a:pPr algn="ctr"/>
+              <a:r>
+                <a:rPr lang="en-US" sz="2800" dirty="0" smtClean="0"/>
+                <a:t>Severity</a:t>
+              </a:r>
+              <a:endParaRPr lang="en-CA" sz="2800" dirty="0"/>
+            </a:p>
+          </p:txBody>
+        </p:sp>
       </p:grpSp>
       <p:sp>
         <p:nvSpPr>
-          <p:cNvPr id="26" name="TextBox 25"/>
+          <p:cNvPr id="28" name="TextBox 27"/>
           <p:cNvSpPr txBox="1"/>
           <p:nvPr/>
         </p:nvSpPr>
         <p:spPr>
           <a:xfrm>
-            <a:off x="6691612" y="5514659"/>
-            <a:ext cx="2092525" cy="523220"/>
+            <a:off x="3590710" y="5399573"/>
+            <a:ext cx="6146073" cy="1354217"/>
           </a:xfrm>
           <a:prstGeom prst="rect">
             <a:avLst/>
@@ -18541,43 +18843,29 @@
           </a:bodyPr>
           <a:lstStyle/>
           <a:p>
-            <a:pPr algn="ctr"/>
-            <a:r>
-              <a:rPr lang="en-US" sz="2800" dirty="0" smtClean="0"/>
-              <a:t>Likelihood</a:t>
-            </a:r>
-            <a:endParaRPr lang="en-CA" sz="2800" dirty="0"/>
-          </a:p>
-        </p:txBody>
-      </p:sp>
-      <p:sp>
-        <p:nvSpPr>
-          <p:cNvPr id="27" name="TextBox 26"/>
-          <p:cNvSpPr txBox="1"/>
-          <p:nvPr/>
-        </p:nvSpPr>
-        <p:spPr>
-          <a:xfrm>
-            <a:off x="9094114" y="5506834"/>
-            <a:ext cx="2092525" cy="523220"/>
-          </a:xfrm>
-          <a:prstGeom prst="rect">
-            <a:avLst/>
-          </a:prstGeom>
-          <a:noFill/>
-        </p:spPr>
-        <p:txBody>
-          <a:bodyPr wrap="square" rtlCol="0">
-            <a:spAutoFit/>
-          </a:bodyPr>
-          <a:lstStyle/>
-          <a:p>
-            <a:pPr algn="ctr"/>
-            <a:r>
-              <a:rPr lang="en-US" sz="2800" dirty="0" smtClean="0"/>
-              <a:t>Severity</a:t>
-            </a:r>
-            <a:endParaRPr lang="en-CA" sz="2800" dirty="0"/>
+            <a:r>
+              <a:rPr lang="en-US" sz="3200" dirty="0" smtClean="0"/>
+              <a:t>Example base vector to base score: </a:t>
+            </a:r>
+            <a:br>
+              <a:rPr lang="en-US" sz="3200" dirty="0" smtClean="0"/>
+            </a:br>
+            <a:r>
+              <a:rPr lang="en-US" sz="3200" dirty="0" smtClean="0"/>
+              <a:t>AV:N/AC:L/</a:t>
+            </a:r>
+            <a:r>
+              <a:rPr lang="en-US" sz="3200" dirty="0" err="1" smtClean="0"/>
+              <a:t>Au:N</a:t>
+            </a:r>
+            <a:r>
+              <a:rPr lang="en-US" sz="3200" dirty="0" smtClean="0"/>
+              <a:t>/C:C/I:C/A:C = 10.0</a:t>
+            </a:r>
+            <a:endParaRPr lang="en-CA" sz="3200" dirty="0" smtClean="0"/>
+          </a:p>
+          <a:p>
+            <a:endParaRPr lang="en-CA" dirty="0"/>
           </a:p>
         </p:txBody>
       </p:sp>
@@ -18635,7 +18923,11 @@
           <a:p>
             <a:r>
               <a:rPr lang="en-US" sz="6000" dirty="0" smtClean="0"/>
-              <a:t>Intro – CVSS Issues</a:t>
+              <a:t>Intro – CVSS </a:t>
+            </a:r>
+            <a:r>
+              <a:rPr lang="en-US" sz="6000" dirty="0" smtClean="0"/>
+              <a:t>Score Prediction</a:t>
             </a:r>
             <a:endParaRPr lang="en-CA" dirty="0"/>
           </a:p>
@@ -18653,8 +18945,8 @@
         </p:nvSpPr>
         <p:spPr>
           <a:xfrm>
-            <a:off x="1484310" y="1314994"/>
-            <a:ext cx="3826599" cy="4981303"/>
+            <a:off x="1484309" y="1314994"/>
+            <a:ext cx="8408628" cy="4981303"/>
           </a:xfrm>
         </p:spPr>
         <p:txBody>
@@ -18664,670 +18956,35 @@
           <a:lstStyle/>
           <a:p>
             <a:r>
+              <a:rPr lang="en-US" sz="3600" dirty="0" err="1" smtClean="0"/>
+              <a:t>Khazaei</a:t>
+            </a:r>
+            <a:r>
               <a:rPr lang="en-US" sz="3600" dirty="0" smtClean="0"/>
-              <a:t>Base </a:t>
+              <a:t> </a:t>
+            </a:r>
+            <a:r>
+              <a:rPr lang="en-US" sz="3600" i="1" dirty="0" smtClean="0"/>
+              <a:t>et al.</a:t>
             </a:r>
             <a:r>
               <a:rPr lang="en-US" sz="3600" dirty="0" smtClean="0"/>
-              <a:t>scores not </a:t>
-            </a:r>
+              <a:t> [3] predicted base scores from descriptions</a:t>
+            </a:r>
+          </a:p>
+          <a:p>
             <a:r>
               <a:rPr lang="en-US" sz="3600" dirty="0" smtClean="0"/>
-              <a:t>correlated with exploits [2</a:t>
-            </a:r>
-            <a:r>
-              <a:rPr lang="en-US" sz="3600" dirty="0" smtClean="0"/>
-              <a:t>]</a:t>
-            </a:r>
-            <a:endParaRPr lang="en-US" sz="3600" dirty="0" smtClean="0"/>
-          </a:p>
-          <a:p>
-            <a:r>
-              <a:rPr lang="en-US" sz="3600" dirty="0" smtClean="0"/>
-              <a:t>Subjectivity in prediction from equation </a:t>
-            </a:r>
-            <a:r>
-              <a:rPr lang="en-US" sz="3600" dirty="0" smtClean="0"/>
-              <a:t>parameters</a:t>
+              <a:t>This presupposes base score utility</a:t>
             </a:r>
             <a:endParaRPr lang="en-US" sz="3200" dirty="0" smtClean="0"/>
-          </a:p>
-          <a:p>
-            <a:endParaRPr lang="en-CA" sz="3600" dirty="0"/>
-          </a:p>
-        </p:txBody>
-      </p:sp>
-      <p:sp>
-        <p:nvSpPr>
-          <p:cNvPr id="4" name="Rectangle 3"/>
-          <p:cNvSpPr/>
-          <p:nvPr/>
-        </p:nvSpPr>
-        <p:spPr>
-          <a:xfrm>
-            <a:off x="5068390" y="1477985"/>
-            <a:ext cx="6757852" cy="4883003"/>
-          </a:xfrm>
-          <a:prstGeom prst="rect">
-            <a:avLst/>
-          </a:prstGeom>
-        </p:spPr>
-        <p:txBody>
-          <a:bodyPr wrap="square">
-            <a:spAutoFit/>
-          </a:bodyPr>
-          <a:lstStyle/>
-          <a:p>
-            <a:pPr>
-              <a:lnSpc>
-                <a:spcPct val="115000"/>
-              </a:lnSpc>
-            </a:pPr>
-            <a:r>
-              <a:rPr lang="en-CA" sz="1600" dirty="0" err="1">
-                <a:latin typeface="Times New Roman" panose="02020603050405020304" pitchFamily="18" charset="0"/>
-                <a:cs typeface="Times New Roman" panose="02020603050405020304" pitchFamily="18" charset="0"/>
-              </a:rPr>
-              <a:t>BaseScore</a:t>
-            </a:r>
-            <a:r>
-              <a:rPr lang="en-CA" sz="1600" dirty="0">
-                <a:latin typeface="Times New Roman" panose="02020603050405020304" pitchFamily="18" charset="0"/>
-                <a:cs typeface="Times New Roman" panose="02020603050405020304" pitchFamily="18" charset="0"/>
-              </a:rPr>
-              <a:t> = round_to_1_decimal(((0.6*Impact)+(0.4*Exploitability)–1.5)*f(Impact))</a:t>
-            </a:r>
-          </a:p>
-          <a:p>
-            <a:pPr>
-              <a:lnSpc>
-                <a:spcPct val="115000"/>
-              </a:lnSpc>
-            </a:pPr>
-            <a:r>
-              <a:rPr lang="en-CA" sz="1600" dirty="0">
-                <a:latin typeface="Times New Roman" panose="02020603050405020304" pitchFamily="18" charset="0"/>
-                <a:cs typeface="Times New Roman" panose="02020603050405020304" pitchFamily="18" charset="0"/>
-              </a:rPr>
-              <a:t>Impact = 10.41*(1-(1-ConfImpact)*(1-IntegImpact)*(1-AvailImpact))</a:t>
-            </a:r>
-          </a:p>
-          <a:p>
-            <a:pPr>
-              <a:lnSpc>
-                <a:spcPct val="115000"/>
-              </a:lnSpc>
-            </a:pPr>
-            <a:r>
-              <a:rPr lang="en-CA" sz="1600" dirty="0">
-                <a:latin typeface="Times New Roman" panose="02020603050405020304" pitchFamily="18" charset="0"/>
-                <a:cs typeface="Times New Roman" panose="02020603050405020304" pitchFamily="18" charset="0"/>
-              </a:rPr>
-              <a:t>Exploitability = 20* </a:t>
-            </a:r>
-            <a:r>
-              <a:rPr lang="en-CA" sz="1600" dirty="0" err="1">
-                <a:latin typeface="Times New Roman" panose="02020603050405020304" pitchFamily="18" charset="0"/>
-                <a:cs typeface="Times New Roman" panose="02020603050405020304" pitchFamily="18" charset="0"/>
-              </a:rPr>
-              <a:t>AccessVector</a:t>
-            </a:r>
-            <a:r>
-              <a:rPr lang="en-CA" sz="1600" dirty="0">
-                <a:latin typeface="Times New Roman" panose="02020603050405020304" pitchFamily="18" charset="0"/>
-                <a:cs typeface="Times New Roman" panose="02020603050405020304" pitchFamily="18" charset="0"/>
-              </a:rPr>
-              <a:t>*</a:t>
-            </a:r>
-            <a:r>
-              <a:rPr lang="en-CA" sz="1600" dirty="0" err="1">
-                <a:latin typeface="Times New Roman" panose="02020603050405020304" pitchFamily="18" charset="0"/>
-                <a:cs typeface="Times New Roman" panose="02020603050405020304" pitchFamily="18" charset="0"/>
-              </a:rPr>
-              <a:t>AccessComplexity</a:t>
-            </a:r>
-            <a:r>
-              <a:rPr lang="en-CA" sz="1600" dirty="0">
-                <a:latin typeface="Times New Roman" panose="02020603050405020304" pitchFamily="18" charset="0"/>
-                <a:cs typeface="Times New Roman" panose="02020603050405020304" pitchFamily="18" charset="0"/>
-              </a:rPr>
-              <a:t>*Authentication</a:t>
-            </a:r>
-          </a:p>
-          <a:p>
-            <a:pPr>
-              <a:lnSpc>
-                <a:spcPct val="115000"/>
-              </a:lnSpc>
-            </a:pPr>
-            <a:r>
-              <a:rPr lang="en-CA" sz="1600" dirty="0">
-                <a:latin typeface="Times New Roman" panose="02020603050405020304" pitchFamily="18" charset="0"/>
-                <a:cs typeface="Times New Roman" panose="02020603050405020304" pitchFamily="18" charset="0"/>
-              </a:rPr>
-              <a:t>f(impact)= 0 if Impact=0, 1.176 otherwise</a:t>
-            </a:r>
-          </a:p>
-          <a:p>
-            <a:pPr>
-              <a:lnSpc>
-                <a:spcPct val="115000"/>
-              </a:lnSpc>
-            </a:pPr>
-            <a:r>
-              <a:rPr lang="en-CA" sz="1600" dirty="0" err="1">
-                <a:solidFill>
-                  <a:srgbClr val="000000"/>
-                </a:solidFill>
-                <a:latin typeface="Times New Roman" panose="02020603050405020304" pitchFamily="18" charset="0"/>
-                <a:ea typeface="Times New Roman" panose="02020603050405020304" pitchFamily="18" charset="0"/>
-              </a:rPr>
-              <a:t>AccessVector</a:t>
-            </a:r>
-            <a:r>
-              <a:rPr lang="en-CA" sz="1600" dirty="0">
-                <a:solidFill>
-                  <a:srgbClr val="000000"/>
-                </a:solidFill>
-                <a:latin typeface="Times New Roman" panose="02020603050405020304" pitchFamily="18" charset="0"/>
-                <a:ea typeface="Times New Roman" panose="02020603050405020304" pitchFamily="18" charset="0"/>
-              </a:rPr>
-              <a:t> = case </a:t>
-            </a:r>
-            <a:r>
-              <a:rPr lang="en-CA" sz="1600" dirty="0" err="1">
-                <a:solidFill>
-                  <a:srgbClr val="000000"/>
-                </a:solidFill>
-                <a:latin typeface="Times New Roman" panose="02020603050405020304" pitchFamily="18" charset="0"/>
-                <a:ea typeface="Times New Roman" panose="02020603050405020304" pitchFamily="18" charset="0"/>
-              </a:rPr>
-              <a:t>AccessVector</a:t>
-            </a:r>
-            <a:r>
-              <a:rPr lang="en-CA" sz="1600" dirty="0">
-                <a:solidFill>
-                  <a:srgbClr val="000000"/>
-                </a:solidFill>
-                <a:latin typeface="Times New Roman" panose="02020603050405020304" pitchFamily="18" charset="0"/>
-                <a:ea typeface="Times New Roman" panose="02020603050405020304" pitchFamily="18" charset="0"/>
-              </a:rPr>
-              <a:t> of</a:t>
-            </a:r>
-            <a:endParaRPr lang="en-CA" sz="1600" dirty="0">
-              <a:solidFill>
-                <a:srgbClr val="000000"/>
-              </a:solidFill>
-              <a:latin typeface="Arial" panose="020B0604020202020204" pitchFamily="34" charset="0"/>
-              <a:ea typeface="Arial" panose="020B0604020202020204" pitchFamily="34" charset="0"/>
-            </a:endParaRPr>
-          </a:p>
-          <a:p>
-            <a:pPr indent="457200">
-              <a:lnSpc>
-                <a:spcPct val="115000"/>
-              </a:lnSpc>
-            </a:pPr>
-            <a:r>
-              <a:rPr lang="en-CA" sz="1600" dirty="0">
-                <a:solidFill>
-                  <a:srgbClr val="000000"/>
-                </a:solidFill>
-                <a:latin typeface="Times New Roman" panose="02020603050405020304" pitchFamily="18" charset="0"/>
-                <a:ea typeface="Times New Roman" panose="02020603050405020304" pitchFamily="18" charset="0"/>
-              </a:rPr>
-              <a:t> requires local access: </a:t>
-            </a:r>
-            <a:r>
-              <a:rPr lang="en-CA" sz="1600" dirty="0">
-                <a:solidFill>
-                  <a:srgbClr val="000000"/>
-                </a:solidFill>
-                <a:highlight>
-                  <a:srgbClr val="FFFF00"/>
-                </a:highlight>
-                <a:latin typeface="Times New Roman" panose="02020603050405020304" pitchFamily="18" charset="0"/>
-                <a:ea typeface="Times New Roman" panose="02020603050405020304" pitchFamily="18" charset="0"/>
-              </a:rPr>
-              <a:t>0.395</a:t>
-            </a:r>
-            <a:endParaRPr lang="en-CA" sz="1600" dirty="0">
-              <a:solidFill>
-                <a:srgbClr val="000000"/>
-              </a:solidFill>
-              <a:latin typeface="Arial" panose="020B0604020202020204" pitchFamily="34" charset="0"/>
-              <a:ea typeface="Arial" panose="020B0604020202020204" pitchFamily="34" charset="0"/>
-            </a:endParaRPr>
-          </a:p>
-          <a:p>
-            <a:pPr indent="457200">
-              <a:lnSpc>
-                <a:spcPct val="115000"/>
-              </a:lnSpc>
-            </a:pPr>
-            <a:r>
-              <a:rPr lang="en-CA" sz="1600" dirty="0">
-                <a:solidFill>
-                  <a:srgbClr val="000000"/>
-                </a:solidFill>
-                <a:latin typeface="Times New Roman" panose="02020603050405020304" pitchFamily="18" charset="0"/>
-                <a:ea typeface="Times New Roman" panose="02020603050405020304" pitchFamily="18" charset="0"/>
-              </a:rPr>
-              <a:t> adjacent network accessible: </a:t>
-            </a:r>
-            <a:r>
-              <a:rPr lang="en-CA" sz="1600" dirty="0">
-                <a:solidFill>
-                  <a:srgbClr val="000000"/>
-                </a:solidFill>
-                <a:highlight>
-                  <a:srgbClr val="FFFF00"/>
-                </a:highlight>
-                <a:latin typeface="Times New Roman" panose="02020603050405020304" pitchFamily="18" charset="0"/>
-                <a:ea typeface="Times New Roman" panose="02020603050405020304" pitchFamily="18" charset="0"/>
-              </a:rPr>
-              <a:t>0.646</a:t>
-            </a:r>
-            <a:endParaRPr lang="en-CA" sz="1600" dirty="0">
-              <a:solidFill>
-                <a:srgbClr val="000000"/>
-              </a:solidFill>
-              <a:latin typeface="Arial" panose="020B0604020202020204" pitchFamily="34" charset="0"/>
-              <a:ea typeface="Arial" panose="020B0604020202020204" pitchFamily="34" charset="0"/>
-            </a:endParaRPr>
-          </a:p>
-          <a:p>
-            <a:pPr indent="457200">
-              <a:lnSpc>
-                <a:spcPct val="115000"/>
-              </a:lnSpc>
-            </a:pPr>
-            <a:r>
-              <a:rPr lang="en-CA" sz="1600" dirty="0">
-                <a:solidFill>
-                  <a:srgbClr val="000000"/>
-                </a:solidFill>
-                <a:latin typeface="Times New Roman" panose="02020603050405020304" pitchFamily="18" charset="0"/>
-                <a:ea typeface="Times New Roman" panose="02020603050405020304" pitchFamily="18" charset="0"/>
-              </a:rPr>
-              <a:t> network accessible: </a:t>
-            </a:r>
-            <a:r>
-              <a:rPr lang="en-CA" sz="1600" dirty="0">
-                <a:solidFill>
-                  <a:srgbClr val="000000"/>
-                </a:solidFill>
-                <a:highlight>
-                  <a:srgbClr val="FFFF00"/>
-                </a:highlight>
-                <a:latin typeface="Times New Roman" panose="02020603050405020304" pitchFamily="18" charset="0"/>
-                <a:ea typeface="Times New Roman" panose="02020603050405020304" pitchFamily="18" charset="0"/>
-              </a:rPr>
-              <a:t>1.0</a:t>
-            </a:r>
-            <a:endParaRPr lang="en-CA" sz="1600" dirty="0">
-              <a:solidFill>
-                <a:srgbClr val="000000"/>
-              </a:solidFill>
-              <a:latin typeface="Arial" panose="020B0604020202020204" pitchFamily="34" charset="0"/>
-              <a:ea typeface="Arial" panose="020B0604020202020204" pitchFamily="34" charset="0"/>
-            </a:endParaRPr>
-          </a:p>
-          <a:p>
-            <a:pPr>
-              <a:lnSpc>
-                <a:spcPct val="115000"/>
-              </a:lnSpc>
-            </a:pPr>
-            <a:r>
-              <a:rPr lang="en-CA" sz="1600" dirty="0" err="1">
-                <a:solidFill>
-                  <a:srgbClr val="000000"/>
-                </a:solidFill>
-                <a:latin typeface="Times New Roman" panose="02020603050405020304" pitchFamily="18" charset="0"/>
-                <a:ea typeface="Times New Roman" panose="02020603050405020304" pitchFamily="18" charset="0"/>
-              </a:rPr>
-              <a:t>AccessComplexity</a:t>
-            </a:r>
-            <a:r>
-              <a:rPr lang="en-CA" sz="1600" dirty="0">
-                <a:solidFill>
-                  <a:srgbClr val="000000"/>
-                </a:solidFill>
-                <a:latin typeface="Times New Roman" panose="02020603050405020304" pitchFamily="18" charset="0"/>
-                <a:ea typeface="Times New Roman" panose="02020603050405020304" pitchFamily="18" charset="0"/>
-              </a:rPr>
-              <a:t> = case </a:t>
-            </a:r>
-            <a:r>
-              <a:rPr lang="en-CA" sz="1600" dirty="0" err="1">
-                <a:solidFill>
-                  <a:srgbClr val="000000"/>
-                </a:solidFill>
-                <a:latin typeface="Times New Roman" panose="02020603050405020304" pitchFamily="18" charset="0"/>
-                <a:ea typeface="Times New Roman" panose="02020603050405020304" pitchFamily="18" charset="0"/>
-              </a:rPr>
-              <a:t>AccessComplexity</a:t>
-            </a:r>
-            <a:r>
-              <a:rPr lang="en-CA" sz="1600" dirty="0">
-                <a:solidFill>
-                  <a:srgbClr val="000000"/>
-                </a:solidFill>
-                <a:latin typeface="Times New Roman" panose="02020603050405020304" pitchFamily="18" charset="0"/>
-                <a:ea typeface="Times New Roman" panose="02020603050405020304" pitchFamily="18" charset="0"/>
-              </a:rPr>
-              <a:t> of</a:t>
-            </a:r>
-            <a:endParaRPr lang="en-CA" sz="1600" dirty="0">
-              <a:solidFill>
-                <a:srgbClr val="000000"/>
-              </a:solidFill>
-              <a:latin typeface="Arial" panose="020B0604020202020204" pitchFamily="34" charset="0"/>
-              <a:ea typeface="Arial" panose="020B0604020202020204" pitchFamily="34" charset="0"/>
-            </a:endParaRPr>
-          </a:p>
-          <a:p>
-            <a:pPr indent="457200">
-              <a:lnSpc>
-                <a:spcPct val="115000"/>
-              </a:lnSpc>
-            </a:pPr>
-            <a:r>
-              <a:rPr lang="en-CA" sz="1600" dirty="0">
-                <a:solidFill>
-                  <a:srgbClr val="000000"/>
-                </a:solidFill>
-                <a:latin typeface="Times New Roman" panose="02020603050405020304" pitchFamily="18" charset="0"/>
-                <a:ea typeface="Times New Roman" panose="02020603050405020304" pitchFamily="18" charset="0"/>
-              </a:rPr>
-              <a:t> high: </a:t>
-            </a:r>
-            <a:r>
-              <a:rPr lang="en-CA" sz="1600" dirty="0">
-                <a:solidFill>
-                  <a:srgbClr val="000000"/>
-                </a:solidFill>
-                <a:highlight>
-                  <a:srgbClr val="FFFF00"/>
-                </a:highlight>
-                <a:latin typeface="Times New Roman" panose="02020603050405020304" pitchFamily="18" charset="0"/>
-                <a:ea typeface="Times New Roman" panose="02020603050405020304" pitchFamily="18" charset="0"/>
-              </a:rPr>
-              <a:t>0.35</a:t>
-            </a:r>
-            <a:endParaRPr lang="en-CA" sz="1600" dirty="0">
-              <a:solidFill>
-                <a:srgbClr val="000000"/>
-              </a:solidFill>
-              <a:latin typeface="Arial" panose="020B0604020202020204" pitchFamily="34" charset="0"/>
-              <a:ea typeface="Arial" panose="020B0604020202020204" pitchFamily="34" charset="0"/>
-            </a:endParaRPr>
-          </a:p>
-          <a:p>
-            <a:pPr indent="457200">
-              <a:lnSpc>
-                <a:spcPct val="115000"/>
-              </a:lnSpc>
-            </a:pPr>
-            <a:r>
-              <a:rPr lang="en-CA" sz="1600" dirty="0">
-                <a:solidFill>
-                  <a:srgbClr val="000000"/>
-                </a:solidFill>
-                <a:latin typeface="Times New Roman" panose="02020603050405020304" pitchFamily="18" charset="0"/>
-                <a:ea typeface="Times New Roman" panose="02020603050405020304" pitchFamily="18" charset="0"/>
-              </a:rPr>
-              <a:t> medium: </a:t>
-            </a:r>
-            <a:r>
-              <a:rPr lang="en-CA" sz="1600" dirty="0">
-                <a:solidFill>
-                  <a:srgbClr val="000000"/>
-                </a:solidFill>
-                <a:highlight>
-                  <a:srgbClr val="FFFF00"/>
-                </a:highlight>
-                <a:latin typeface="Times New Roman" panose="02020603050405020304" pitchFamily="18" charset="0"/>
-                <a:ea typeface="Times New Roman" panose="02020603050405020304" pitchFamily="18" charset="0"/>
-              </a:rPr>
-              <a:t>0.61</a:t>
-            </a:r>
-            <a:endParaRPr lang="en-CA" sz="1600" dirty="0">
-              <a:solidFill>
-                <a:srgbClr val="000000"/>
-              </a:solidFill>
-              <a:latin typeface="Arial" panose="020B0604020202020204" pitchFamily="34" charset="0"/>
-              <a:ea typeface="Arial" panose="020B0604020202020204" pitchFamily="34" charset="0"/>
-            </a:endParaRPr>
-          </a:p>
-          <a:p>
-            <a:pPr indent="457200">
-              <a:lnSpc>
-                <a:spcPct val="115000"/>
-              </a:lnSpc>
-            </a:pPr>
-            <a:r>
-              <a:rPr lang="en-CA" sz="1600" dirty="0">
-                <a:solidFill>
-                  <a:srgbClr val="000000"/>
-                </a:solidFill>
-                <a:latin typeface="Times New Roman" panose="02020603050405020304" pitchFamily="18" charset="0"/>
-                <a:ea typeface="Times New Roman" panose="02020603050405020304" pitchFamily="18" charset="0"/>
-              </a:rPr>
-              <a:t> </a:t>
-            </a:r>
-            <a:r>
-              <a:rPr lang="en-CA" sz="1600" dirty="0" smtClean="0">
-                <a:solidFill>
-                  <a:srgbClr val="000000"/>
-                </a:solidFill>
-                <a:latin typeface="Times New Roman" panose="02020603050405020304" pitchFamily="18" charset="0"/>
-                <a:ea typeface="Times New Roman" panose="02020603050405020304" pitchFamily="18" charset="0"/>
-              </a:rPr>
-              <a:t>low: </a:t>
-            </a:r>
-            <a:r>
-              <a:rPr lang="en-CA" sz="1600" dirty="0" smtClean="0">
-                <a:solidFill>
-                  <a:srgbClr val="000000"/>
-                </a:solidFill>
-                <a:highlight>
-                  <a:srgbClr val="FFFF00"/>
-                </a:highlight>
-                <a:latin typeface="Times New Roman" panose="02020603050405020304" pitchFamily="18" charset="0"/>
-                <a:ea typeface="Times New Roman" panose="02020603050405020304" pitchFamily="18" charset="0"/>
-              </a:rPr>
-              <a:t>0.71</a:t>
-            </a:r>
-            <a:br>
-              <a:rPr lang="en-CA" sz="1600" dirty="0" smtClean="0">
-                <a:solidFill>
-                  <a:srgbClr val="000000"/>
-                </a:solidFill>
-                <a:highlight>
-                  <a:srgbClr val="FFFF00"/>
-                </a:highlight>
-                <a:latin typeface="Times New Roman" panose="02020603050405020304" pitchFamily="18" charset="0"/>
-                <a:ea typeface="Times New Roman" panose="02020603050405020304" pitchFamily="18" charset="0"/>
-              </a:rPr>
-            </a:br>
-            <a:r>
-              <a:rPr lang="en-CA" sz="1600" dirty="0" err="1" smtClean="0">
-                <a:solidFill>
-                  <a:srgbClr val="000000"/>
-                </a:solidFill>
-                <a:latin typeface="Times New Roman" panose="02020603050405020304" pitchFamily="18" charset="0"/>
-                <a:ea typeface="Arial" panose="020B0604020202020204" pitchFamily="34" charset="0"/>
-                <a:cs typeface="Times New Roman" panose="02020603050405020304" pitchFamily="18" charset="0"/>
-              </a:rPr>
-              <a:t>ConfImpact</a:t>
-            </a:r>
-            <a:r>
-              <a:rPr lang="en-CA" sz="1600" dirty="0" smtClean="0">
-                <a:solidFill>
-                  <a:srgbClr val="000000"/>
-                </a:solidFill>
-                <a:latin typeface="Times New Roman" panose="02020603050405020304" pitchFamily="18" charset="0"/>
-                <a:ea typeface="Arial" panose="020B0604020202020204" pitchFamily="34" charset="0"/>
-                <a:cs typeface="Times New Roman" panose="02020603050405020304" pitchFamily="18" charset="0"/>
-              </a:rPr>
-              <a:t> = case </a:t>
-            </a:r>
-            <a:r>
-              <a:rPr lang="en-CA" sz="1600" dirty="0" err="1" smtClean="0">
-                <a:solidFill>
-                  <a:srgbClr val="000000"/>
-                </a:solidFill>
-                <a:latin typeface="Times New Roman" panose="02020603050405020304" pitchFamily="18" charset="0"/>
-                <a:ea typeface="Arial" panose="020B0604020202020204" pitchFamily="34" charset="0"/>
-                <a:cs typeface="Times New Roman" panose="02020603050405020304" pitchFamily="18" charset="0"/>
-              </a:rPr>
-              <a:t>ConfidentialityImpact</a:t>
-            </a:r>
-            <a:r>
-              <a:rPr lang="en-CA" sz="1600" dirty="0" smtClean="0">
-                <a:solidFill>
-                  <a:srgbClr val="000000"/>
-                </a:solidFill>
-                <a:latin typeface="Times New Roman" panose="02020603050405020304" pitchFamily="18" charset="0"/>
-                <a:ea typeface="Arial" panose="020B0604020202020204" pitchFamily="34" charset="0"/>
-                <a:cs typeface="Times New Roman" panose="02020603050405020304" pitchFamily="18" charset="0"/>
-              </a:rPr>
-              <a:t> of</a:t>
-            </a:r>
-          </a:p>
-          <a:p>
-            <a:pPr indent="457200">
-              <a:lnSpc>
-                <a:spcPct val="115000"/>
-              </a:lnSpc>
-            </a:pPr>
-            <a:r>
-              <a:rPr lang="en-CA" sz="1600" dirty="0" smtClean="0">
-                <a:solidFill>
-                  <a:srgbClr val="000000"/>
-                </a:solidFill>
-                <a:latin typeface="Times New Roman" panose="02020603050405020304" pitchFamily="18" charset="0"/>
-                <a:ea typeface="Arial" panose="020B0604020202020204" pitchFamily="34" charset="0"/>
-                <a:cs typeface="Times New Roman" panose="02020603050405020304" pitchFamily="18" charset="0"/>
-              </a:rPr>
-              <a:t> none</a:t>
-            </a:r>
-            <a:r>
-              <a:rPr lang="en-CA" sz="1600" dirty="0">
-                <a:solidFill>
-                  <a:srgbClr val="000000"/>
-                </a:solidFill>
-                <a:latin typeface="Times New Roman" panose="02020603050405020304" pitchFamily="18" charset="0"/>
-                <a:ea typeface="Arial" panose="020B0604020202020204" pitchFamily="34" charset="0"/>
-                <a:cs typeface="Times New Roman" panose="02020603050405020304" pitchFamily="18" charset="0"/>
-              </a:rPr>
-              <a:t>: </a:t>
-            </a:r>
-            <a:r>
-              <a:rPr lang="en-CA" sz="1600" dirty="0">
-                <a:highlight>
-                  <a:srgbClr val="FFFF00"/>
-                </a:highlight>
-                <a:latin typeface="Times New Roman" panose="02020603050405020304" pitchFamily="18" charset="0"/>
-                <a:ea typeface="Times New Roman" panose="02020603050405020304" pitchFamily="18" charset="0"/>
-              </a:rPr>
-              <a:t>0.0</a:t>
-            </a:r>
-            <a:r>
-              <a:rPr lang="en-CA" sz="1600" dirty="0" smtClean="0">
-                <a:solidFill>
-                  <a:srgbClr val="000000"/>
-                </a:solidFill>
-                <a:latin typeface="Times New Roman" panose="02020603050405020304" pitchFamily="18" charset="0"/>
-                <a:ea typeface="Arial" panose="020B0604020202020204" pitchFamily="34" charset="0"/>
-                <a:cs typeface="Times New Roman" panose="02020603050405020304" pitchFamily="18" charset="0"/>
-              </a:rPr>
-              <a:t> </a:t>
-            </a:r>
-          </a:p>
-          <a:p>
-            <a:pPr indent="457200">
-              <a:lnSpc>
-                <a:spcPct val="115000"/>
-              </a:lnSpc>
-            </a:pPr>
-            <a:r>
-              <a:rPr lang="en-CA" sz="1600" dirty="0">
-                <a:solidFill>
-                  <a:srgbClr val="000000"/>
-                </a:solidFill>
-                <a:latin typeface="Times New Roman" panose="02020603050405020304" pitchFamily="18" charset="0"/>
-                <a:ea typeface="Arial" panose="020B0604020202020204" pitchFamily="34" charset="0"/>
-                <a:cs typeface="Times New Roman" panose="02020603050405020304" pitchFamily="18" charset="0"/>
-              </a:rPr>
-              <a:t> </a:t>
-            </a:r>
-            <a:r>
-              <a:rPr lang="en-CA" sz="1600" dirty="0" smtClean="0">
-                <a:solidFill>
-                  <a:srgbClr val="000000"/>
-                </a:solidFill>
-                <a:latin typeface="Times New Roman" panose="02020603050405020304" pitchFamily="18" charset="0"/>
-                <a:ea typeface="Arial" panose="020B0604020202020204" pitchFamily="34" charset="0"/>
-                <a:cs typeface="Times New Roman" panose="02020603050405020304" pitchFamily="18" charset="0"/>
-              </a:rPr>
-              <a:t>partial: </a:t>
-            </a:r>
-            <a:r>
-              <a:rPr lang="en-CA" sz="1600" dirty="0" smtClean="0">
-                <a:highlight>
-                  <a:srgbClr val="FFFF00"/>
-                </a:highlight>
-                <a:latin typeface="Times New Roman" panose="02020603050405020304" pitchFamily="18" charset="0"/>
-                <a:ea typeface="Times New Roman" panose="02020603050405020304" pitchFamily="18" charset="0"/>
-              </a:rPr>
-              <a:t>0.275</a:t>
-            </a:r>
-          </a:p>
-          <a:p>
-            <a:pPr indent="457200">
-              <a:lnSpc>
-                <a:spcPct val="115000"/>
-              </a:lnSpc>
-            </a:pPr>
-            <a:r>
-              <a:rPr lang="en-CA" sz="1600" dirty="0" smtClean="0">
-                <a:solidFill>
-                  <a:srgbClr val="000000"/>
-                </a:solidFill>
-                <a:latin typeface="Times New Roman" panose="02020603050405020304" pitchFamily="18" charset="0"/>
-                <a:ea typeface="Arial" panose="020B0604020202020204" pitchFamily="34" charset="0"/>
-                <a:cs typeface="Times New Roman" panose="02020603050405020304" pitchFamily="18" charset="0"/>
-              </a:rPr>
-              <a:t> complete: </a:t>
-            </a:r>
-            <a:r>
-              <a:rPr lang="en-CA" sz="1600" dirty="0">
-                <a:highlight>
-                  <a:srgbClr val="FFFF00"/>
-                </a:highlight>
-                <a:latin typeface="Times New Roman" panose="02020603050405020304" pitchFamily="18" charset="0"/>
-                <a:ea typeface="Times New Roman" panose="02020603050405020304" pitchFamily="18" charset="0"/>
-              </a:rPr>
-              <a:t>0.660</a:t>
-            </a:r>
-            <a:endParaRPr lang="en-CA" sz="1600" dirty="0">
-              <a:solidFill>
-                <a:srgbClr val="000000"/>
-              </a:solidFill>
-              <a:effectLst/>
-              <a:latin typeface="Arial" panose="020B0604020202020204" pitchFamily="34" charset="0"/>
-              <a:ea typeface="Arial" panose="020B0604020202020204" pitchFamily="34" charset="0"/>
-            </a:endParaRPr>
           </a:p>
         </p:txBody>
       </p:sp>
     </p:spTree>
     <p:extLst>
       <p:ext uri="{BB962C8B-B14F-4D97-AF65-F5344CB8AC3E}">
-        <p14:creationId xmlns:p14="http://schemas.microsoft.com/office/powerpoint/2010/main" val="2824598343"/>
+        <p14:creationId xmlns:p14="http://schemas.microsoft.com/office/powerpoint/2010/main" val="2937567715"/>
       </p:ext>
     </p:extLst>
   </p:cSld>
@@ -19396,8 +19053,8 @@
         </p:nvSpPr>
         <p:spPr>
           <a:xfrm>
-            <a:off x="1484308" y="1314994"/>
-            <a:ext cx="5683109" cy="4981303"/>
+            <a:off x="1484310" y="1314994"/>
+            <a:ext cx="3826599" cy="4981303"/>
           </a:xfrm>
         </p:spPr>
         <p:txBody>
@@ -19407,32 +19064,655 @@
           <a:lstStyle/>
           <a:p>
             <a:r>
-              <a:rPr lang="en-US" sz="3200" dirty="0" smtClean="0"/>
-              <a:t>Inability to reflect risk promotes specific systems [3</a:t>
-            </a:r>
-            <a:r>
-              <a:rPr lang="en-US" sz="3200" dirty="0" smtClean="0"/>
-              <a:t>]</a:t>
+              <a:rPr lang="en-US" sz="3600" dirty="0" smtClean="0"/>
+              <a:t>Base scores not correlated with exploits </a:t>
+            </a:r>
+            <a:r>
+              <a:rPr lang="en-US" sz="3600" dirty="0" smtClean="0"/>
+              <a:t>[4,5]</a:t>
+            </a:r>
+            <a:endParaRPr lang="en-US" sz="3600" dirty="0" smtClean="0"/>
+          </a:p>
+          <a:p>
+            <a:r>
+              <a:rPr lang="en-US" sz="3600" dirty="0" smtClean="0"/>
+              <a:t>Subjectivity in prediction from equation parameters</a:t>
             </a:r>
             <a:endParaRPr lang="en-US" sz="3200" dirty="0" smtClean="0"/>
           </a:p>
-          <a:p>
-            <a:r>
-              <a:rPr lang="en-US" sz="3200" dirty="0" smtClean="0"/>
-              <a:t>Specific systems undermine </a:t>
-            </a:r>
-            <a:r>
-              <a:rPr lang="en-US" sz="3200" dirty="0" smtClean="0"/>
-              <a:t>standardization</a:t>
-            </a:r>
-            <a:endParaRPr lang="en-US" sz="3200" dirty="0" smtClean="0"/>
+        </p:txBody>
+      </p:sp>
+      <p:sp>
+        <p:nvSpPr>
+          <p:cNvPr id="4" name="Rectangle 3"/>
+          <p:cNvSpPr/>
+          <p:nvPr/>
+        </p:nvSpPr>
+        <p:spPr>
+          <a:xfrm>
+            <a:off x="5068390" y="1477985"/>
+            <a:ext cx="6757852" cy="4883003"/>
+          </a:xfrm>
+          <a:prstGeom prst="rect">
+            <a:avLst/>
+          </a:prstGeom>
+        </p:spPr>
+        <p:txBody>
+          <a:bodyPr wrap="square">
+            <a:spAutoFit/>
+          </a:bodyPr>
+          <a:lstStyle/>
+          <a:p>
+            <a:pPr>
+              <a:lnSpc>
+                <a:spcPct val="115000"/>
+              </a:lnSpc>
+            </a:pPr>
+            <a:r>
+              <a:rPr lang="en-CA" sz="1600" dirty="0" err="1">
+                <a:latin typeface="Times New Roman" panose="02020603050405020304" pitchFamily="18" charset="0"/>
+                <a:cs typeface="Times New Roman" panose="02020603050405020304" pitchFamily="18" charset="0"/>
+              </a:rPr>
+              <a:t>BaseScore</a:t>
+            </a:r>
+            <a:r>
+              <a:rPr lang="en-CA" sz="1600" dirty="0">
+                <a:latin typeface="Times New Roman" panose="02020603050405020304" pitchFamily="18" charset="0"/>
+                <a:cs typeface="Times New Roman" panose="02020603050405020304" pitchFamily="18" charset="0"/>
+              </a:rPr>
+              <a:t> = round_to_1_decimal(((0.6*Impact)+(0.4*Exploitability)–1.5)*f(Impact))</a:t>
+            </a:r>
+          </a:p>
+          <a:p>
+            <a:pPr>
+              <a:lnSpc>
+                <a:spcPct val="115000"/>
+              </a:lnSpc>
+            </a:pPr>
+            <a:r>
+              <a:rPr lang="en-CA" sz="1600" dirty="0">
+                <a:latin typeface="Times New Roman" panose="02020603050405020304" pitchFamily="18" charset="0"/>
+                <a:cs typeface="Times New Roman" panose="02020603050405020304" pitchFamily="18" charset="0"/>
+              </a:rPr>
+              <a:t>Impact = 10.41*(1-(1-ConfImpact)*(1-IntegImpact)*(1-AvailImpact))</a:t>
+            </a:r>
+          </a:p>
+          <a:p>
+            <a:pPr>
+              <a:lnSpc>
+                <a:spcPct val="115000"/>
+              </a:lnSpc>
+            </a:pPr>
+            <a:r>
+              <a:rPr lang="en-CA" sz="1600" dirty="0">
+                <a:latin typeface="Times New Roman" panose="02020603050405020304" pitchFamily="18" charset="0"/>
+                <a:cs typeface="Times New Roman" panose="02020603050405020304" pitchFamily="18" charset="0"/>
+              </a:rPr>
+              <a:t>Exploitability = 20* </a:t>
+            </a:r>
+            <a:r>
+              <a:rPr lang="en-CA" sz="1600" dirty="0" err="1">
+                <a:latin typeface="Times New Roman" panose="02020603050405020304" pitchFamily="18" charset="0"/>
+                <a:cs typeface="Times New Roman" panose="02020603050405020304" pitchFamily="18" charset="0"/>
+              </a:rPr>
+              <a:t>AccessVector</a:t>
+            </a:r>
+            <a:r>
+              <a:rPr lang="en-CA" sz="1600" dirty="0">
+                <a:latin typeface="Times New Roman" panose="02020603050405020304" pitchFamily="18" charset="0"/>
+                <a:cs typeface="Times New Roman" panose="02020603050405020304" pitchFamily="18" charset="0"/>
+              </a:rPr>
+              <a:t>*</a:t>
+            </a:r>
+            <a:r>
+              <a:rPr lang="en-CA" sz="1600" dirty="0" err="1">
+                <a:latin typeface="Times New Roman" panose="02020603050405020304" pitchFamily="18" charset="0"/>
+                <a:cs typeface="Times New Roman" panose="02020603050405020304" pitchFamily="18" charset="0"/>
+              </a:rPr>
+              <a:t>AccessComplexity</a:t>
+            </a:r>
+            <a:r>
+              <a:rPr lang="en-CA" sz="1600" dirty="0">
+                <a:latin typeface="Times New Roman" panose="02020603050405020304" pitchFamily="18" charset="0"/>
+                <a:cs typeface="Times New Roman" panose="02020603050405020304" pitchFamily="18" charset="0"/>
+              </a:rPr>
+              <a:t>*Authentication</a:t>
+            </a:r>
+          </a:p>
+          <a:p>
+            <a:pPr>
+              <a:lnSpc>
+                <a:spcPct val="115000"/>
+              </a:lnSpc>
+            </a:pPr>
+            <a:r>
+              <a:rPr lang="en-CA" sz="1600" dirty="0">
+                <a:latin typeface="Times New Roman" panose="02020603050405020304" pitchFamily="18" charset="0"/>
+                <a:cs typeface="Times New Roman" panose="02020603050405020304" pitchFamily="18" charset="0"/>
+              </a:rPr>
+              <a:t>f(impact)= 0 if Impact=0, 1.176 otherwise</a:t>
+            </a:r>
+          </a:p>
+          <a:p>
+            <a:pPr>
+              <a:lnSpc>
+                <a:spcPct val="115000"/>
+              </a:lnSpc>
+            </a:pPr>
+            <a:r>
+              <a:rPr lang="en-CA" sz="1600" dirty="0" err="1">
+                <a:solidFill>
+                  <a:srgbClr val="000000"/>
+                </a:solidFill>
+                <a:latin typeface="Times New Roman" panose="02020603050405020304" pitchFamily="18" charset="0"/>
+                <a:ea typeface="Times New Roman" panose="02020603050405020304" pitchFamily="18" charset="0"/>
+              </a:rPr>
+              <a:t>AccessVector</a:t>
+            </a:r>
+            <a:r>
+              <a:rPr lang="en-CA" sz="1600" dirty="0">
+                <a:solidFill>
+                  <a:srgbClr val="000000"/>
+                </a:solidFill>
+                <a:latin typeface="Times New Roman" panose="02020603050405020304" pitchFamily="18" charset="0"/>
+                <a:ea typeface="Times New Roman" panose="02020603050405020304" pitchFamily="18" charset="0"/>
+              </a:rPr>
+              <a:t> = case </a:t>
+            </a:r>
+            <a:r>
+              <a:rPr lang="en-CA" sz="1600" dirty="0" err="1">
+                <a:solidFill>
+                  <a:srgbClr val="000000"/>
+                </a:solidFill>
+                <a:latin typeface="Times New Roman" panose="02020603050405020304" pitchFamily="18" charset="0"/>
+                <a:ea typeface="Times New Roman" panose="02020603050405020304" pitchFamily="18" charset="0"/>
+              </a:rPr>
+              <a:t>AccessVector</a:t>
+            </a:r>
+            <a:r>
+              <a:rPr lang="en-CA" sz="1600" dirty="0">
+                <a:solidFill>
+                  <a:srgbClr val="000000"/>
+                </a:solidFill>
+                <a:latin typeface="Times New Roman" panose="02020603050405020304" pitchFamily="18" charset="0"/>
+                <a:ea typeface="Times New Roman" panose="02020603050405020304" pitchFamily="18" charset="0"/>
+              </a:rPr>
+              <a:t> of</a:t>
+            </a:r>
+            <a:endParaRPr lang="en-CA" sz="1600" dirty="0">
+              <a:solidFill>
+                <a:srgbClr val="000000"/>
+              </a:solidFill>
+              <a:latin typeface="Arial" panose="020B0604020202020204" pitchFamily="34" charset="0"/>
+              <a:ea typeface="Arial" panose="020B0604020202020204" pitchFamily="34" charset="0"/>
+            </a:endParaRPr>
+          </a:p>
+          <a:p>
+            <a:pPr indent="457200">
+              <a:lnSpc>
+                <a:spcPct val="115000"/>
+              </a:lnSpc>
+            </a:pPr>
+            <a:r>
+              <a:rPr lang="en-CA" sz="1600" dirty="0">
+                <a:solidFill>
+                  <a:srgbClr val="000000"/>
+                </a:solidFill>
+                <a:latin typeface="Times New Roman" panose="02020603050405020304" pitchFamily="18" charset="0"/>
+                <a:ea typeface="Times New Roman" panose="02020603050405020304" pitchFamily="18" charset="0"/>
+              </a:rPr>
+              <a:t> requires local access: </a:t>
+            </a:r>
+            <a:r>
+              <a:rPr lang="en-CA" sz="1600" dirty="0">
+                <a:solidFill>
+                  <a:srgbClr val="000000"/>
+                </a:solidFill>
+                <a:highlight>
+                  <a:srgbClr val="FFFF00"/>
+                </a:highlight>
+                <a:latin typeface="Times New Roman" panose="02020603050405020304" pitchFamily="18" charset="0"/>
+                <a:ea typeface="Times New Roman" panose="02020603050405020304" pitchFamily="18" charset="0"/>
+              </a:rPr>
+              <a:t>0.395</a:t>
+            </a:r>
+            <a:endParaRPr lang="en-CA" sz="1600" dirty="0">
+              <a:solidFill>
+                <a:srgbClr val="000000"/>
+              </a:solidFill>
+              <a:latin typeface="Arial" panose="020B0604020202020204" pitchFamily="34" charset="0"/>
+              <a:ea typeface="Arial" panose="020B0604020202020204" pitchFamily="34" charset="0"/>
+            </a:endParaRPr>
+          </a:p>
+          <a:p>
+            <a:pPr indent="457200">
+              <a:lnSpc>
+                <a:spcPct val="115000"/>
+              </a:lnSpc>
+            </a:pPr>
+            <a:r>
+              <a:rPr lang="en-CA" sz="1600" dirty="0">
+                <a:solidFill>
+                  <a:srgbClr val="000000"/>
+                </a:solidFill>
+                <a:latin typeface="Times New Roman" panose="02020603050405020304" pitchFamily="18" charset="0"/>
+                <a:ea typeface="Times New Roman" panose="02020603050405020304" pitchFamily="18" charset="0"/>
+              </a:rPr>
+              <a:t> adjacent network accessible: </a:t>
+            </a:r>
+            <a:r>
+              <a:rPr lang="en-CA" sz="1600" dirty="0">
+                <a:solidFill>
+                  <a:srgbClr val="000000"/>
+                </a:solidFill>
+                <a:highlight>
+                  <a:srgbClr val="FFFF00"/>
+                </a:highlight>
+                <a:latin typeface="Times New Roman" panose="02020603050405020304" pitchFamily="18" charset="0"/>
+                <a:ea typeface="Times New Roman" panose="02020603050405020304" pitchFamily="18" charset="0"/>
+              </a:rPr>
+              <a:t>0.646</a:t>
+            </a:r>
+            <a:endParaRPr lang="en-CA" sz="1600" dirty="0">
+              <a:solidFill>
+                <a:srgbClr val="000000"/>
+              </a:solidFill>
+              <a:latin typeface="Arial" panose="020B0604020202020204" pitchFamily="34" charset="0"/>
+              <a:ea typeface="Arial" panose="020B0604020202020204" pitchFamily="34" charset="0"/>
+            </a:endParaRPr>
+          </a:p>
+          <a:p>
+            <a:pPr indent="457200">
+              <a:lnSpc>
+                <a:spcPct val="115000"/>
+              </a:lnSpc>
+            </a:pPr>
+            <a:r>
+              <a:rPr lang="en-CA" sz="1600" dirty="0">
+                <a:solidFill>
+                  <a:srgbClr val="000000"/>
+                </a:solidFill>
+                <a:latin typeface="Times New Roman" panose="02020603050405020304" pitchFamily="18" charset="0"/>
+                <a:ea typeface="Times New Roman" panose="02020603050405020304" pitchFamily="18" charset="0"/>
+              </a:rPr>
+              <a:t> network accessible: </a:t>
+            </a:r>
+            <a:r>
+              <a:rPr lang="en-CA" sz="1600" dirty="0">
+                <a:solidFill>
+                  <a:srgbClr val="000000"/>
+                </a:solidFill>
+                <a:highlight>
+                  <a:srgbClr val="FFFF00"/>
+                </a:highlight>
+                <a:latin typeface="Times New Roman" panose="02020603050405020304" pitchFamily="18" charset="0"/>
+                <a:ea typeface="Times New Roman" panose="02020603050405020304" pitchFamily="18" charset="0"/>
+              </a:rPr>
+              <a:t>1.0</a:t>
+            </a:r>
+            <a:endParaRPr lang="en-CA" sz="1600" dirty="0">
+              <a:solidFill>
+                <a:srgbClr val="000000"/>
+              </a:solidFill>
+              <a:latin typeface="Arial" panose="020B0604020202020204" pitchFamily="34" charset="0"/>
+              <a:ea typeface="Arial" panose="020B0604020202020204" pitchFamily="34" charset="0"/>
+            </a:endParaRPr>
+          </a:p>
+          <a:p>
+            <a:pPr>
+              <a:lnSpc>
+                <a:spcPct val="115000"/>
+              </a:lnSpc>
+            </a:pPr>
+            <a:r>
+              <a:rPr lang="en-CA" sz="1600" dirty="0" err="1">
+                <a:solidFill>
+                  <a:srgbClr val="000000"/>
+                </a:solidFill>
+                <a:latin typeface="Times New Roman" panose="02020603050405020304" pitchFamily="18" charset="0"/>
+                <a:ea typeface="Times New Roman" panose="02020603050405020304" pitchFamily="18" charset="0"/>
+              </a:rPr>
+              <a:t>AccessComplexity</a:t>
+            </a:r>
+            <a:r>
+              <a:rPr lang="en-CA" sz="1600" dirty="0">
+                <a:solidFill>
+                  <a:srgbClr val="000000"/>
+                </a:solidFill>
+                <a:latin typeface="Times New Roman" panose="02020603050405020304" pitchFamily="18" charset="0"/>
+                <a:ea typeface="Times New Roman" panose="02020603050405020304" pitchFamily="18" charset="0"/>
+              </a:rPr>
+              <a:t> = case </a:t>
+            </a:r>
+            <a:r>
+              <a:rPr lang="en-CA" sz="1600" dirty="0" err="1">
+                <a:solidFill>
+                  <a:srgbClr val="000000"/>
+                </a:solidFill>
+                <a:latin typeface="Times New Roman" panose="02020603050405020304" pitchFamily="18" charset="0"/>
+                <a:ea typeface="Times New Roman" panose="02020603050405020304" pitchFamily="18" charset="0"/>
+              </a:rPr>
+              <a:t>AccessComplexity</a:t>
+            </a:r>
+            <a:r>
+              <a:rPr lang="en-CA" sz="1600" dirty="0">
+                <a:solidFill>
+                  <a:srgbClr val="000000"/>
+                </a:solidFill>
+                <a:latin typeface="Times New Roman" panose="02020603050405020304" pitchFamily="18" charset="0"/>
+                <a:ea typeface="Times New Roman" panose="02020603050405020304" pitchFamily="18" charset="0"/>
+              </a:rPr>
+              <a:t> of</a:t>
+            </a:r>
+            <a:endParaRPr lang="en-CA" sz="1600" dirty="0">
+              <a:solidFill>
+                <a:srgbClr val="000000"/>
+              </a:solidFill>
+              <a:latin typeface="Arial" panose="020B0604020202020204" pitchFamily="34" charset="0"/>
+              <a:ea typeface="Arial" panose="020B0604020202020204" pitchFamily="34" charset="0"/>
+            </a:endParaRPr>
+          </a:p>
+          <a:p>
+            <a:pPr indent="457200">
+              <a:lnSpc>
+                <a:spcPct val="115000"/>
+              </a:lnSpc>
+            </a:pPr>
+            <a:r>
+              <a:rPr lang="en-CA" sz="1600" dirty="0">
+                <a:solidFill>
+                  <a:srgbClr val="000000"/>
+                </a:solidFill>
+                <a:latin typeface="Times New Roman" panose="02020603050405020304" pitchFamily="18" charset="0"/>
+                <a:ea typeface="Times New Roman" panose="02020603050405020304" pitchFamily="18" charset="0"/>
+              </a:rPr>
+              <a:t> high: </a:t>
+            </a:r>
+            <a:r>
+              <a:rPr lang="en-CA" sz="1600" dirty="0">
+                <a:solidFill>
+                  <a:srgbClr val="000000"/>
+                </a:solidFill>
+                <a:highlight>
+                  <a:srgbClr val="FFFF00"/>
+                </a:highlight>
+                <a:latin typeface="Times New Roman" panose="02020603050405020304" pitchFamily="18" charset="0"/>
+                <a:ea typeface="Times New Roman" panose="02020603050405020304" pitchFamily="18" charset="0"/>
+              </a:rPr>
+              <a:t>0.35</a:t>
+            </a:r>
+            <a:endParaRPr lang="en-CA" sz="1600" dirty="0">
+              <a:solidFill>
+                <a:srgbClr val="000000"/>
+              </a:solidFill>
+              <a:latin typeface="Arial" panose="020B0604020202020204" pitchFamily="34" charset="0"/>
+              <a:ea typeface="Arial" panose="020B0604020202020204" pitchFamily="34" charset="0"/>
+            </a:endParaRPr>
+          </a:p>
+          <a:p>
+            <a:pPr indent="457200">
+              <a:lnSpc>
+                <a:spcPct val="115000"/>
+              </a:lnSpc>
+            </a:pPr>
+            <a:r>
+              <a:rPr lang="en-CA" sz="1600" dirty="0">
+                <a:solidFill>
+                  <a:srgbClr val="000000"/>
+                </a:solidFill>
+                <a:latin typeface="Times New Roman" panose="02020603050405020304" pitchFamily="18" charset="0"/>
+                <a:ea typeface="Times New Roman" panose="02020603050405020304" pitchFamily="18" charset="0"/>
+              </a:rPr>
+              <a:t> medium: </a:t>
+            </a:r>
+            <a:r>
+              <a:rPr lang="en-CA" sz="1600" dirty="0">
+                <a:solidFill>
+                  <a:srgbClr val="000000"/>
+                </a:solidFill>
+                <a:highlight>
+                  <a:srgbClr val="FFFF00"/>
+                </a:highlight>
+                <a:latin typeface="Times New Roman" panose="02020603050405020304" pitchFamily="18" charset="0"/>
+                <a:ea typeface="Times New Roman" panose="02020603050405020304" pitchFamily="18" charset="0"/>
+              </a:rPr>
+              <a:t>0.61</a:t>
+            </a:r>
+            <a:endParaRPr lang="en-CA" sz="1600" dirty="0">
+              <a:solidFill>
+                <a:srgbClr val="000000"/>
+              </a:solidFill>
+              <a:latin typeface="Arial" panose="020B0604020202020204" pitchFamily="34" charset="0"/>
+              <a:ea typeface="Arial" panose="020B0604020202020204" pitchFamily="34" charset="0"/>
+            </a:endParaRPr>
+          </a:p>
+          <a:p>
+            <a:pPr indent="457200">
+              <a:lnSpc>
+                <a:spcPct val="115000"/>
+              </a:lnSpc>
+            </a:pPr>
+            <a:r>
+              <a:rPr lang="en-CA" sz="1600" dirty="0">
+                <a:solidFill>
+                  <a:srgbClr val="000000"/>
+                </a:solidFill>
+                <a:latin typeface="Times New Roman" panose="02020603050405020304" pitchFamily="18" charset="0"/>
+                <a:ea typeface="Times New Roman" panose="02020603050405020304" pitchFamily="18" charset="0"/>
+              </a:rPr>
+              <a:t> </a:t>
+            </a:r>
+            <a:r>
+              <a:rPr lang="en-CA" sz="1600" dirty="0" smtClean="0">
+                <a:solidFill>
+                  <a:srgbClr val="000000"/>
+                </a:solidFill>
+                <a:latin typeface="Times New Roman" panose="02020603050405020304" pitchFamily="18" charset="0"/>
+                <a:ea typeface="Times New Roman" panose="02020603050405020304" pitchFamily="18" charset="0"/>
+              </a:rPr>
+              <a:t>low: </a:t>
+            </a:r>
+            <a:r>
+              <a:rPr lang="en-CA" sz="1600" dirty="0" smtClean="0">
+                <a:solidFill>
+                  <a:srgbClr val="000000"/>
+                </a:solidFill>
+                <a:highlight>
+                  <a:srgbClr val="FFFF00"/>
+                </a:highlight>
+                <a:latin typeface="Times New Roman" panose="02020603050405020304" pitchFamily="18" charset="0"/>
+                <a:ea typeface="Times New Roman" panose="02020603050405020304" pitchFamily="18" charset="0"/>
+              </a:rPr>
+              <a:t>0.71</a:t>
+            </a:r>
+            <a:br>
+              <a:rPr lang="en-CA" sz="1600" dirty="0" smtClean="0">
+                <a:solidFill>
+                  <a:srgbClr val="000000"/>
+                </a:solidFill>
+                <a:highlight>
+                  <a:srgbClr val="FFFF00"/>
+                </a:highlight>
+                <a:latin typeface="Times New Roman" panose="02020603050405020304" pitchFamily="18" charset="0"/>
+                <a:ea typeface="Times New Roman" panose="02020603050405020304" pitchFamily="18" charset="0"/>
+              </a:rPr>
+            </a:br>
+            <a:r>
+              <a:rPr lang="en-CA" sz="1600" dirty="0" err="1" smtClean="0">
+                <a:solidFill>
+                  <a:srgbClr val="000000"/>
+                </a:solidFill>
+                <a:latin typeface="Times New Roman" panose="02020603050405020304" pitchFamily="18" charset="0"/>
+                <a:ea typeface="Arial" panose="020B0604020202020204" pitchFamily="34" charset="0"/>
+                <a:cs typeface="Times New Roman" panose="02020603050405020304" pitchFamily="18" charset="0"/>
+              </a:rPr>
+              <a:t>ConfImpact</a:t>
+            </a:r>
+            <a:r>
+              <a:rPr lang="en-CA" sz="1600" dirty="0" smtClean="0">
+                <a:solidFill>
+                  <a:srgbClr val="000000"/>
+                </a:solidFill>
+                <a:latin typeface="Times New Roman" panose="02020603050405020304" pitchFamily="18" charset="0"/>
+                <a:ea typeface="Arial" panose="020B0604020202020204" pitchFamily="34" charset="0"/>
+                <a:cs typeface="Times New Roman" panose="02020603050405020304" pitchFamily="18" charset="0"/>
+              </a:rPr>
+              <a:t> = case </a:t>
+            </a:r>
+            <a:r>
+              <a:rPr lang="en-CA" sz="1600" dirty="0" err="1" smtClean="0">
+                <a:solidFill>
+                  <a:srgbClr val="000000"/>
+                </a:solidFill>
+                <a:latin typeface="Times New Roman" panose="02020603050405020304" pitchFamily="18" charset="0"/>
+                <a:ea typeface="Arial" panose="020B0604020202020204" pitchFamily="34" charset="0"/>
+                <a:cs typeface="Times New Roman" panose="02020603050405020304" pitchFamily="18" charset="0"/>
+              </a:rPr>
+              <a:t>ConfidentialityImpact</a:t>
+            </a:r>
+            <a:r>
+              <a:rPr lang="en-CA" sz="1600" dirty="0" smtClean="0">
+                <a:solidFill>
+                  <a:srgbClr val="000000"/>
+                </a:solidFill>
+                <a:latin typeface="Times New Roman" panose="02020603050405020304" pitchFamily="18" charset="0"/>
+                <a:ea typeface="Arial" panose="020B0604020202020204" pitchFamily="34" charset="0"/>
+                <a:cs typeface="Times New Roman" panose="02020603050405020304" pitchFamily="18" charset="0"/>
+              </a:rPr>
+              <a:t> of</a:t>
+            </a:r>
+          </a:p>
+          <a:p>
+            <a:pPr indent="457200">
+              <a:lnSpc>
+                <a:spcPct val="115000"/>
+              </a:lnSpc>
+            </a:pPr>
+            <a:r>
+              <a:rPr lang="en-CA" sz="1600" dirty="0" smtClean="0">
+                <a:solidFill>
+                  <a:srgbClr val="000000"/>
+                </a:solidFill>
+                <a:latin typeface="Times New Roman" panose="02020603050405020304" pitchFamily="18" charset="0"/>
+                <a:ea typeface="Arial" panose="020B0604020202020204" pitchFamily="34" charset="0"/>
+                <a:cs typeface="Times New Roman" panose="02020603050405020304" pitchFamily="18" charset="0"/>
+              </a:rPr>
+              <a:t> none</a:t>
+            </a:r>
+            <a:r>
+              <a:rPr lang="en-CA" sz="1600" dirty="0">
+                <a:solidFill>
+                  <a:srgbClr val="000000"/>
+                </a:solidFill>
+                <a:latin typeface="Times New Roman" panose="02020603050405020304" pitchFamily="18" charset="0"/>
+                <a:ea typeface="Arial" panose="020B0604020202020204" pitchFamily="34" charset="0"/>
+                <a:cs typeface="Times New Roman" panose="02020603050405020304" pitchFamily="18" charset="0"/>
+              </a:rPr>
+              <a:t>: </a:t>
+            </a:r>
+            <a:r>
+              <a:rPr lang="en-CA" sz="1600" dirty="0">
+                <a:highlight>
+                  <a:srgbClr val="FFFF00"/>
+                </a:highlight>
+                <a:latin typeface="Times New Roman" panose="02020603050405020304" pitchFamily="18" charset="0"/>
+                <a:ea typeface="Times New Roman" panose="02020603050405020304" pitchFamily="18" charset="0"/>
+              </a:rPr>
+              <a:t>0.0</a:t>
+            </a:r>
+            <a:r>
+              <a:rPr lang="en-CA" sz="1600" dirty="0" smtClean="0">
+                <a:solidFill>
+                  <a:srgbClr val="000000"/>
+                </a:solidFill>
+                <a:latin typeface="Times New Roman" panose="02020603050405020304" pitchFamily="18" charset="0"/>
+                <a:ea typeface="Arial" panose="020B0604020202020204" pitchFamily="34" charset="0"/>
+                <a:cs typeface="Times New Roman" panose="02020603050405020304" pitchFamily="18" charset="0"/>
+              </a:rPr>
+              <a:t> </a:t>
+            </a:r>
+          </a:p>
+          <a:p>
+            <a:pPr indent="457200">
+              <a:lnSpc>
+                <a:spcPct val="115000"/>
+              </a:lnSpc>
+            </a:pPr>
+            <a:r>
+              <a:rPr lang="en-CA" sz="1600" dirty="0">
+                <a:solidFill>
+                  <a:srgbClr val="000000"/>
+                </a:solidFill>
+                <a:latin typeface="Times New Roman" panose="02020603050405020304" pitchFamily="18" charset="0"/>
+                <a:ea typeface="Arial" panose="020B0604020202020204" pitchFamily="34" charset="0"/>
+                <a:cs typeface="Times New Roman" panose="02020603050405020304" pitchFamily="18" charset="0"/>
+              </a:rPr>
+              <a:t> </a:t>
+            </a:r>
+            <a:r>
+              <a:rPr lang="en-CA" sz="1600" dirty="0" smtClean="0">
+                <a:solidFill>
+                  <a:srgbClr val="000000"/>
+                </a:solidFill>
+                <a:latin typeface="Times New Roman" panose="02020603050405020304" pitchFamily="18" charset="0"/>
+                <a:ea typeface="Arial" panose="020B0604020202020204" pitchFamily="34" charset="0"/>
+                <a:cs typeface="Times New Roman" panose="02020603050405020304" pitchFamily="18" charset="0"/>
+              </a:rPr>
+              <a:t>partial: </a:t>
+            </a:r>
+            <a:r>
+              <a:rPr lang="en-CA" sz="1600" dirty="0" smtClean="0">
+                <a:highlight>
+                  <a:srgbClr val="FFFF00"/>
+                </a:highlight>
+                <a:latin typeface="Times New Roman" panose="02020603050405020304" pitchFamily="18" charset="0"/>
+                <a:ea typeface="Times New Roman" panose="02020603050405020304" pitchFamily="18" charset="0"/>
+              </a:rPr>
+              <a:t>0.275</a:t>
+            </a:r>
+          </a:p>
+          <a:p>
+            <a:pPr indent="457200">
+              <a:lnSpc>
+                <a:spcPct val="115000"/>
+              </a:lnSpc>
+            </a:pPr>
+            <a:r>
+              <a:rPr lang="en-CA" sz="1600" dirty="0" smtClean="0">
+                <a:solidFill>
+                  <a:srgbClr val="000000"/>
+                </a:solidFill>
+                <a:latin typeface="Times New Roman" panose="02020603050405020304" pitchFamily="18" charset="0"/>
+                <a:ea typeface="Arial" panose="020B0604020202020204" pitchFamily="34" charset="0"/>
+                <a:cs typeface="Times New Roman" panose="02020603050405020304" pitchFamily="18" charset="0"/>
+              </a:rPr>
+              <a:t> complete: </a:t>
+            </a:r>
+            <a:r>
+              <a:rPr lang="en-CA" sz="1600" dirty="0">
+                <a:highlight>
+                  <a:srgbClr val="FFFF00"/>
+                </a:highlight>
+                <a:latin typeface="Times New Roman" panose="02020603050405020304" pitchFamily="18" charset="0"/>
+                <a:ea typeface="Times New Roman" panose="02020603050405020304" pitchFamily="18" charset="0"/>
+              </a:rPr>
+              <a:t>0.660</a:t>
+            </a:r>
+            <a:endParaRPr lang="en-CA" sz="1600" dirty="0">
+              <a:solidFill>
+                <a:srgbClr val="000000"/>
+              </a:solidFill>
+              <a:effectLst/>
+              <a:latin typeface="Arial" panose="020B0604020202020204" pitchFamily="34" charset="0"/>
+              <a:ea typeface="Arial" panose="020B0604020202020204" pitchFamily="34" charset="0"/>
+            </a:endParaRPr>
           </a:p>
         </p:txBody>
       </p:sp>
     </p:spTree>
     <p:extLst>
       <p:ext uri="{BB962C8B-B14F-4D97-AF65-F5344CB8AC3E}">
-        <p14:creationId xmlns:p14="http://schemas.microsoft.com/office/powerpoint/2010/main" val="1787024987"/>
+        <p14:creationId xmlns:p14="http://schemas.microsoft.com/office/powerpoint/2010/main" val="2824598343"/>
       </p:ext>
     </p:extLst>
   </p:cSld>

--- a/CISC848/Implementation/Presentation/CvssEquationRecasting.pptx
+++ b/CISC848/Implementation/Presentation/CvssEquationRecasting.pptx
@@ -5,7 +5,7 @@
     <p:sldMasterId id="2147483696" r:id="rId1"/>
   </p:sldMasterIdLst>
   <p:notesMasterIdLst>
-    <p:notesMasterId r:id="rId29"/>
+    <p:notesMasterId r:id="rId28"/>
   </p:notesMasterIdLst>
   <p:sldIdLst>
     <p:sldId id="256" r:id="rId2"/>
@@ -17,24 +17,23 @@
     <p:sldId id="263" r:id="rId8"/>
     <p:sldId id="286" r:id="rId9"/>
     <p:sldId id="265" r:id="rId10"/>
-    <p:sldId id="267" r:id="rId11"/>
-    <p:sldId id="269" r:id="rId12"/>
-    <p:sldId id="280" r:id="rId13"/>
-    <p:sldId id="270" r:id="rId14"/>
-    <p:sldId id="271" r:id="rId15"/>
-    <p:sldId id="273" r:id="rId16"/>
-    <p:sldId id="274" r:id="rId17"/>
-    <p:sldId id="275" r:id="rId18"/>
-    <p:sldId id="276" r:id="rId19"/>
-    <p:sldId id="277" r:id="rId20"/>
-    <p:sldId id="278" r:id="rId21"/>
-    <p:sldId id="279" r:id="rId22"/>
-    <p:sldId id="282" r:id="rId23"/>
-    <p:sldId id="281" r:id="rId24"/>
-    <p:sldId id="283" r:id="rId25"/>
-    <p:sldId id="284" r:id="rId26"/>
-    <p:sldId id="285" r:id="rId27"/>
-    <p:sldId id="266" r:id="rId28"/>
+    <p:sldId id="269" r:id="rId11"/>
+    <p:sldId id="280" r:id="rId12"/>
+    <p:sldId id="270" r:id="rId13"/>
+    <p:sldId id="271" r:id="rId14"/>
+    <p:sldId id="273" r:id="rId15"/>
+    <p:sldId id="274" r:id="rId16"/>
+    <p:sldId id="275" r:id="rId17"/>
+    <p:sldId id="276" r:id="rId18"/>
+    <p:sldId id="277" r:id="rId19"/>
+    <p:sldId id="278" r:id="rId20"/>
+    <p:sldId id="279" r:id="rId21"/>
+    <p:sldId id="282" r:id="rId22"/>
+    <p:sldId id="281" r:id="rId23"/>
+    <p:sldId id="283" r:id="rId24"/>
+    <p:sldId id="284" r:id="rId25"/>
+    <p:sldId id="285" r:id="rId26"/>
+    <p:sldId id="266" r:id="rId27"/>
   </p:sldIdLst>
   <p:sldSz cx="12192000" cy="6858000"/>
   <p:notesSz cx="6858000" cy="9144000"/>
@@ -556,7 +555,7 @@
           <a:p>
             <a:fld id="{0AB3370E-83B4-4864-B523-9AC079E4A65D}" type="slidenum">
               <a:rPr lang="en-CA" smtClean="0"/>
-              <a:t>18</a:t>
+              <a:t>17</a:t>
             </a:fld>
             <a:endParaRPr lang="en-CA"/>
           </a:p>
@@ -6624,15 +6623,7 @@
           <a:p>
             <a:r>
               <a:rPr lang="en-US" sz="5800" dirty="0" smtClean="0"/>
-              <a:t>Improved exploit prediction with </a:t>
-            </a:r>
-            <a:r>
-              <a:rPr lang="en-US" sz="5800" dirty="0" smtClean="0"/>
-              <a:t>optimized CVSS </a:t>
-            </a:r>
-            <a:r>
-              <a:rPr lang="en-US" sz="5800" dirty="0" smtClean="0"/>
-              <a:t>equation</a:t>
+              <a:t>Improved exploit prediction with optimized CVSS equation</a:t>
             </a:r>
             <a:endParaRPr lang="en-CA" sz="5800" dirty="0"/>
           </a:p>
@@ -6673,6 +6664,13 @@
   <p:clrMapOvr>
     <a:masterClrMapping/>
   </p:clrMapOvr>
+  <p:timing>
+    <p:tnLst>
+      <p:par>
+        <p:cTn id="1" dur="indefinite" restart="never" nodeType="tmRoot"/>
+      </p:par>
+    </p:tnLst>
+  </p:timing>
 </p:sld>
 </file>
 
@@ -6717,114 +6715,6 @@
           <a:p>
             <a:r>
               <a:rPr lang="en-US" sz="6000" dirty="0" smtClean="0"/>
-              <a:t>Intro – CVSS Issues</a:t>
-            </a:r>
-            <a:endParaRPr lang="en-CA" dirty="0"/>
-          </a:p>
-        </p:txBody>
-      </p:sp>
-      <p:sp>
-        <p:nvSpPr>
-          <p:cNvPr id="3" name="Content Placeholder 2"/>
-          <p:cNvSpPr>
-            <a:spLocks noGrp="1"/>
-          </p:cNvSpPr>
-          <p:nvPr>
-            <p:ph idx="1"/>
-          </p:nvPr>
-        </p:nvSpPr>
-        <p:spPr>
-          <a:xfrm>
-            <a:off x="1484308" y="1314994"/>
-            <a:ext cx="8826641" cy="4981303"/>
-          </a:xfrm>
-        </p:spPr>
-        <p:txBody>
-          <a:bodyPr anchor="ctr">
-            <a:normAutofit/>
-          </a:bodyPr>
-          <a:lstStyle/>
-          <a:p>
-            <a:r>
-              <a:rPr lang="en-US" sz="3600" dirty="0" smtClean="0"/>
-              <a:t>Inability to reflect risk </a:t>
-            </a:r>
-            <a:r>
-              <a:rPr lang="en-US" sz="3600" dirty="0" smtClean="0"/>
-              <a:t>necessitates specific </a:t>
-            </a:r>
-            <a:r>
-              <a:rPr lang="en-US" sz="3600" dirty="0" smtClean="0"/>
-              <a:t>systems </a:t>
-            </a:r>
-            <a:r>
-              <a:rPr lang="en-US" sz="3600" dirty="0" smtClean="0"/>
-              <a:t>[5]</a:t>
-            </a:r>
-            <a:endParaRPr lang="en-US" sz="3600" dirty="0" smtClean="0"/>
-          </a:p>
-          <a:p>
-            <a:r>
-              <a:rPr lang="en-US" sz="3600" dirty="0" smtClean="0"/>
-              <a:t>Specific systems undermine standardization</a:t>
-            </a:r>
-          </a:p>
-        </p:txBody>
-      </p:sp>
-    </p:spTree>
-    <p:extLst>
-      <p:ext uri="{BB962C8B-B14F-4D97-AF65-F5344CB8AC3E}">
-        <p14:creationId xmlns:p14="http://schemas.microsoft.com/office/powerpoint/2010/main" val="1787024987"/>
-      </p:ext>
-    </p:extLst>
-  </p:cSld>
-  <p:clrMapOvr>
-    <a:masterClrMapping/>
-  </p:clrMapOvr>
-</p:sld>
-</file>
-
-<file path=ppt/slides/slide11.xml><?xml version="1.0" encoding="utf-8"?>
-<p:sld xmlns:a="http://schemas.openxmlformats.org/drawingml/2006/main" xmlns:r="http://schemas.openxmlformats.org/officeDocument/2006/relationships" xmlns:p="http://schemas.openxmlformats.org/presentationml/2006/main">
-  <p:cSld>
-    <p:spTree>
-      <p:nvGrpSpPr>
-        <p:cNvPr id="1" name=""/>
-        <p:cNvGrpSpPr/>
-        <p:nvPr/>
-      </p:nvGrpSpPr>
-      <p:grpSpPr>
-        <a:xfrm>
-          <a:off x="0" y="0"/>
-          <a:ext cx="0" cy="0"/>
-          <a:chOff x="0" y="0"/>
-          <a:chExt cx="0" cy="0"/>
-        </a:xfrm>
-      </p:grpSpPr>
-      <p:sp>
-        <p:nvSpPr>
-          <p:cNvPr id="2" name="Title 1"/>
-          <p:cNvSpPr>
-            <a:spLocks noGrp="1"/>
-          </p:cNvSpPr>
-          <p:nvPr>
-            <p:ph type="title"/>
-          </p:nvPr>
-        </p:nvSpPr>
-        <p:spPr>
-          <a:xfrm>
-            <a:off x="1484309" y="267788"/>
-            <a:ext cx="10018713" cy="1047206"/>
-          </a:xfrm>
-        </p:spPr>
-        <p:txBody>
-          <a:bodyPr>
-            <a:normAutofit/>
-          </a:bodyPr>
-          <a:lstStyle/>
-          <a:p>
-            <a:r>
-              <a:rPr lang="en-US" sz="6000" dirty="0" smtClean="0"/>
               <a:t>Contribution</a:t>
             </a:r>
             <a:endParaRPr lang="en-CA" dirty="0"/>
@@ -6873,10 +6763,17 @@
   <p:clrMapOvr>
     <a:masterClrMapping/>
   </p:clrMapOvr>
+  <p:timing>
+    <p:tnLst>
+      <p:par>
+        <p:cTn id="1" dur="indefinite" restart="never" nodeType="tmRoot"/>
+      </p:par>
+    </p:tnLst>
+  </p:timing>
 </p:sld>
 </file>
 
-<file path=ppt/slides/slide12.xml><?xml version="1.0" encoding="utf-8"?>
+<file path=ppt/slides/slide11.xml><?xml version="1.0" encoding="utf-8"?>
 <p:sld xmlns:a="http://schemas.openxmlformats.org/drawingml/2006/main" xmlns:r="http://schemas.openxmlformats.org/officeDocument/2006/relationships" xmlns:p="http://schemas.openxmlformats.org/presentationml/2006/main">
   <p:cSld>
     <p:spTree>
@@ -8581,10 +8478,17 @@
   <p:clrMapOvr>
     <a:masterClrMapping/>
   </p:clrMapOvr>
+  <p:timing>
+    <p:tnLst>
+      <p:par>
+        <p:cTn id="1" dur="indefinite" restart="never" nodeType="tmRoot"/>
+      </p:par>
+    </p:tnLst>
+  </p:timing>
 </p:sld>
 </file>
 
-<file path=ppt/slides/slide13.xml><?xml version="1.0" encoding="utf-8"?>
+<file path=ppt/slides/slide12.xml><?xml version="1.0" encoding="utf-8"?>
 <p:sld xmlns:a="http://schemas.openxmlformats.org/drawingml/2006/main" xmlns:r="http://schemas.openxmlformats.org/officeDocument/2006/relationships" xmlns:p="http://schemas.openxmlformats.org/presentationml/2006/main">
   <p:cSld>
     <p:spTree>
@@ -8671,9 +8575,16 @@
               <a:rPr lang="en-US" sz="3600" dirty="0" smtClean="0"/>
               <a:t>Corresponding entries from National Vulnerability Database </a:t>
             </a:r>
+            <a:br>
+              <a:rPr lang="en-US" sz="3600" dirty="0" smtClean="0"/>
+            </a:br>
+            <a:r>
+              <a:rPr lang="en-US" sz="3600" dirty="0" smtClean="0"/>
+              <a:t>(</a:t>
+            </a:r>
             <a:r>
               <a:rPr lang="en-US" sz="3600" dirty="0"/>
-              <a:t>(NVD - https://nvd.nist.gov</a:t>
+              <a:t>NVD - https://nvd.nist.gov</a:t>
             </a:r>
             <a:r>
               <a:rPr lang="en-US" sz="3600" dirty="0" smtClean="0"/>
@@ -8692,10 +8603,17 @@
   <p:clrMapOvr>
     <a:masterClrMapping/>
   </p:clrMapOvr>
+  <p:timing>
+    <p:tnLst>
+      <p:par>
+        <p:cTn id="1" dur="indefinite" restart="never" nodeType="tmRoot"/>
+      </p:par>
+    </p:tnLst>
+  </p:timing>
 </p:sld>
 </file>
 
-<file path=ppt/slides/slide14.xml><?xml version="1.0" encoding="utf-8"?>
+<file path=ppt/slides/slide13.xml><?xml version="1.0" encoding="utf-8"?>
 <p:sld xmlns:a="http://schemas.openxmlformats.org/drawingml/2006/main" xmlns:r="http://schemas.openxmlformats.org/officeDocument/2006/relationships" xmlns:p="http://schemas.openxmlformats.org/presentationml/2006/main">
   <p:cSld>
     <p:spTree>
@@ -9300,6 +9218,142 @@
   <p:clrMapOvr>
     <a:masterClrMapping/>
   </p:clrMapOvr>
+  <p:timing>
+    <p:tnLst>
+      <p:par>
+        <p:cTn id="1" dur="indefinite" restart="never" nodeType="tmRoot"/>
+      </p:par>
+    </p:tnLst>
+  </p:timing>
+</p:sld>
+</file>
+
+<file path=ppt/slides/slide14.xml><?xml version="1.0" encoding="utf-8"?>
+<p:sld xmlns:a="http://schemas.openxmlformats.org/drawingml/2006/main" xmlns:r="http://schemas.openxmlformats.org/officeDocument/2006/relationships" xmlns:p="http://schemas.openxmlformats.org/presentationml/2006/main">
+  <p:cSld>
+    <p:spTree>
+      <p:nvGrpSpPr>
+        <p:cNvPr id="1" name=""/>
+        <p:cNvGrpSpPr/>
+        <p:nvPr/>
+      </p:nvGrpSpPr>
+      <p:grpSpPr>
+        <a:xfrm>
+          <a:off x="0" y="0"/>
+          <a:ext cx="0" cy="0"/>
+          <a:chOff x="0" y="0"/>
+          <a:chExt cx="0" cy="0"/>
+        </a:xfrm>
+      </p:grpSpPr>
+      <p:sp>
+        <p:nvSpPr>
+          <p:cNvPr id="2" name="Title 1"/>
+          <p:cNvSpPr>
+            <a:spLocks noGrp="1"/>
+          </p:cNvSpPr>
+          <p:nvPr>
+            <p:ph type="title"/>
+          </p:nvPr>
+        </p:nvSpPr>
+        <p:spPr>
+          <a:xfrm>
+            <a:off x="1484309" y="267788"/>
+            <a:ext cx="10018713" cy="1047206"/>
+          </a:xfrm>
+        </p:spPr>
+        <p:txBody>
+          <a:bodyPr>
+            <a:normAutofit/>
+          </a:bodyPr>
+          <a:lstStyle/>
+          <a:p>
+            <a:r>
+              <a:rPr lang="en-US" sz="6000" dirty="0" smtClean="0"/>
+              <a:t>Method - Correlation</a:t>
+            </a:r>
+            <a:endParaRPr lang="en-CA" dirty="0"/>
+          </a:p>
+        </p:txBody>
+      </p:sp>
+      <p:sp>
+        <p:nvSpPr>
+          <p:cNvPr id="3" name="Content Placeholder 2"/>
+          <p:cNvSpPr>
+            <a:spLocks noGrp="1"/>
+          </p:cNvSpPr>
+          <p:nvPr>
+            <p:ph idx="1"/>
+          </p:nvPr>
+        </p:nvSpPr>
+        <p:spPr>
+          <a:xfrm>
+            <a:off x="1484308" y="1733006"/>
+            <a:ext cx="8800516" cy="4563291"/>
+          </a:xfrm>
+        </p:spPr>
+        <p:txBody>
+          <a:bodyPr anchor="ctr">
+            <a:normAutofit/>
+          </a:bodyPr>
+          <a:lstStyle/>
+          <a:p>
+            <a:r>
+              <a:rPr lang="en-US" sz="3600" dirty="0" smtClean="0"/>
+              <a:t>Vulnerabilities classified based on links to Exploit Database </a:t>
+            </a:r>
+            <a:br>
+              <a:rPr lang="en-US" sz="3600" dirty="0" smtClean="0"/>
+            </a:br>
+            <a:r>
+              <a:rPr lang="en-US" sz="3600" dirty="0" smtClean="0"/>
+              <a:t>(EDB </a:t>
+            </a:r>
+            <a:r>
+              <a:rPr lang="en-US" sz="3600" dirty="0"/>
+              <a:t>- https://</a:t>
+            </a:r>
+            <a:r>
+              <a:rPr lang="en-US" sz="3600" dirty="0" smtClean="0"/>
+              <a:t>www.exploit-db.com/)</a:t>
+            </a:r>
+          </a:p>
+          <a:p>
+            <a:r>
+              <a:rPr lang="en-US" sz="3600" dirty="0" err="1" smtClean="0"/>
+              <a:t>Younis</a:t>
+            </a:r>
+            <a:r>
+              <a:rPr lang="en-US" sz="3600" dirty="0" smtClean="0"/>
+              <a:t> </a:t>
+            </a:r>
+            <a:r>
+              <a:rPr lang="en-US" sz="3600" i="1" dirty="0" smtClean="0"/>
+              <a:t>et al. </a:t>
+            </a:r>
+            <a:r>
+              <a:rPr lang="en-US" sz="3600" dirty="0" smtClean="0"/>
+              <a:t>[6] used intra-class correlation coefficient (ICC) to conveys distinctness of base score predictions </a:t>
+            </a:r>
+          </a:p>
+        </p:txBody>
+      </p:sp>
+    </p:spTree>
+    <p:extLst>
+      <p:ext uri="{BB962C8B-B14F-4D97-AF65-F5344CB8AC3E}">
+        <p14:creationId xmlns:p14="http://schemas.microsoft.com/office/powerpoint/2010/main" val="728799164"/>
+      </p:ext>
+    </p:extLst>
+  </p:cSld>
+  <p:clrMapOvr>
+    <a:masterClrMapping/>
+  </p:clrMapOvr>
+  <p:timing>
+    <p:tnLst>
+      <p:par>
+        <p:cTn id="1" dur="indefinite" restart="never" nodeType="tmRoot"/>
+      </p:par>
+    </p:tnLst>
+  </p:timing>
 </p:sld>
 </file>
 
@@ -9350,149 +9404,8 @@
           </a:p>
         </p:txBody>
       </p:sp>
-      <p:sp>
-        <p:nvSpPr>
-          <p:cNvPr id="3" name="Content Placeholder 2"/>
-          <p:cNvSpPr>
-            <a:spLocks noGrp="1"/>
-          </p:cNvSpPr>
-          <p:nvPr>
-            <p:ph idx="1"/>
-          </p:nvPr>
-        </p:nvSpPr>
-        <p:spPr>
-          <a:xfrm>
-            <a:off x="1484308" y="1733006"/>
-            <a:ext cx="8800516" cy="4563291"/>
-          </a:xfrm>
-        </p:spPr>
-        <p:txBody>
-          <a:bodyPr anchor="ctr">
-            <a:normAutofit/>
-          </a:bodyPr>
-          <a:lstStyle/>
-          <a:p>
-            <a:r>
-              <a:rPr lang="en-US" sz="3600" dirty="0" smtClean="0"/>
-              <a:t>Vulnerabilities classified based on links to Exploit Database </a:t>
-            </a:r>
-            <a:r>
-              <a:rPr lang="en-US" sz="3600" dirty="0" smtClean="0"/>
-              <a:t/>
-            </a:r>
-            <a:br>
-              <a:rPr lang="en-US" sz="3600" dirty="0" smtClean="0"/>
-            </a:br>
-            <a:r>
-              <a:rPr lang="en-US" sz="3600" dirty="0" smtClean="0"/>
-              <a:t>(</a:t>
-            </a:r>
-            <a:r>
-              <a:rPr lang="en-US" sz="3600" dirty="0" smtClean="0"/>
-              <a:t>EDB </a:t>
-            </a:r>
-            <a:r>
-              <a:rPr lang="en-US" sz="3600" dirty="0"/>
-              <a:t>- https://</a:t>
-            </a:r>
-            <a:r>
-              <a:rPr lang="en-US" sz="3600" dirty="0" smtClean="0"/>
-              <a:t>www.exploit-db.com/)</a:t>
-            </a:r>
-          </a:p>
-          <a:p>
-            <a:r>
-              <a:rPr lang="en-US" sz="3600" dirty="0" err="1" smtClean="0"/>
-              <a:t>Younis</a:t>
-            </a:r>
-            <a:r>
-              <a:rPr lang="en-US" sz="3600" dirty="0" smtClean="0"/>
-              <a:t> </a:t>
-            </a:r>
-            <a:r>
-              <a:rPr lang="en-US" sz="3600" i="1" dirty="0" smtClean="0"/>
-              <a:t>et al. </a:t>
-            </a:r>
-            <a:r>
-              <a:rPr lang="en-US" sz="3600" dirty="0" smtClean="0"/>
-              <a:t>[6] </a:t>
-            </a:r>
-            <a:r>
-              <a:rPr lang="en-US" sz="3600" dirty="0" smtClean="0"/>
-              <a:t>used intra-class correlation coefficient (ICC) to conveys distinctness of predictions </a:t>
-            </a:r>
-          </a:p>
-        </p:txBody>
-      </p:sp>
-    </p:spTree>
-    <p:extLst>
-      <p:ext uri="{BB962C8B-B14F-4D97-AF65-F5344CB8AC3E}">
-        <p14:creationId xmlns:p14="http://schemas.microsoft.com/office/powerpoint/2010/main" val="728799164"/>
-      </p:ext>
-    </p:extLst>
-  </p:cSld>
-  <p:clrMapOvr>
-    <a:masterClrMapping/>
-  </p:clrMapOvr>
-  <p:timing>
-    <p:tnLst>
-      <p:par>
-        <p:cTn id="1" dur="indefinite" restart="never" nodeType="tmRoot"/>
-      </p:par>
-    </p:tnLst>
-  </p:timing>
-</p:sld>
-</file>
-
-<file path=ppt/slides/slide16.xml><?xml version="1.0" encoding="utf-8"?>
-<p:sld xmlns:a="http://schemas.openxmlformats.org/drawingml/2006/main" xmlns:r="http://schemas.openxmlformats.org/officeDocument/2006/relationships" xmlns:p="http://schemas.openxmlformats.org/presentationml/2006/main">
-  <p:cSld>
-    <p:spTree>
-      <p:nvGrpSpPr>
-        <p:cNvPr id="1" name=""/>
-        <p:cNvGrpSpPr/>
-        <p:nvPr/>
-      </p:nvGrpSpPr>
-      <p:grpSpPr>
-        <a:xfrm>
-          <a:off x="0" y="0"/>
-          <a:ext cx="0" cy="0"/>
-          <a:chOff x="0" y="0"/>
-          <a:chExt cx="0" cy="0"/>
-        </a:xfrm>
-      </p:grpSpPr>
-      <p:sp>
-        <p:nvSpPr>
-          <p:cNvPr id="2" name="Title 1"/>
-          <p:cNvSpPr>
-            <a:spLocks noGrp="1"/>
-          </p:cNvSpPr>
-          <p:nvPr>
-            <p:ph type="title"/>
-          </p:nvPr>
-        </p:nvSpPr>
-        <p:spPr>
-          <a:xfrm>
-            <a:off x="1484309" y="267788"/>
-            <a:ext cx="10018713" cy="1047206"/>
-          </a:xfrm>
-        </p:spPr>
-        <p:txBody>
-          <a:bodyPr>
-            <a:normAutofit/>
-          </a:bodyPr>
-          <a:lstStyle/>
-          <a:p>
-            <a:r>
-              <a:rPr lang="en-US" sz="6000" dirty="0" smtClean="0"/>
-              <a:t>Method - Correlation</a:t>
-            </a:r>
-            <a:endParaRPr lang="en-CA" dirty="0"/>
-          </a:p>
-        </p:txBody>
-      </p:sp>
-      <mc:AlternateContent xmlns:mc="http://schemas.openxmlformats.org/markup-compatibility/2006">
-        <mc:Choice xmlns:a14="http://schemas.microsoft.com/office/drawing/2010/main" Requires="a14">
+      <mc:AlternateContent xmlns:mc="http://schemas.openxmlformats.org/markup-compatibility/2006" xmlns:a14="http://schemas.microsoft.com/office/drawing/2010/main">
+        <mc:Choice Requires="a14">
           <p:sp>
             <p:nvSpPr>
               <p:cNvPr id="3" name="Content Placeholder 2"/>
@@ -9728,7 +9641,7 @@
             </p:txBody>
           </p:sp>
         </mc:Choice>
-        <mc:Fallback>
+        <mc:Fallback xmlns="">
           <p:sp>
             <p:nvSpPr>
               <p:cNvPr id="3" name="Content Placeholder 2"/>
@@ -9966,7 +9879,7 @@
 </p:sld>
 </file>
 
-<file path=ppt/slides/slide17.xml><?xml version="1.0" encoding="utf-8"?>
+<file path=ppt/slides/slide16.xml><?xml version="1.0" encoding="utf-8"?>
 <p:sld xmlns:a="http://schemas.openxmlformats.org/drawingml/2006/main" xmlns:r="http://schemas.openxmlformats.org/officeDocument/2006/relationships" xmlns:p="http://schemas.openxmlformats.org/presentationml/2006/main">
   <p:cSld>
     <p:spTree>
@@ -10112,7 +10025,7 @@
 </p:sld>
 </file>
 
-<file path=ppt/slides/slide18.xml><?xml version="1.0" encoding="utf-8"?>
+<file path=ppt/slides/slide17.xml><?xml version="1.0" encoding="utf-8"?>
 <p:sld xmlns:a="http://schemas.openxmlformats.org/drawingml/2006/main" xmlns:r="http://schemas.openxmlformats.org/officeDocument/2006/relationships" xmlns:p="http://schemas.openxmlformats.org/presentationml/2006/main">
   <p:cSld>
     <p:spTree>
@@ -10193,13 +10106,8 @@
             </a:br>
             <a:r>
               <a:rPr lang="en-US" sz="3600" dirty="0" smtClean="0"/>
-              <a:t>Binary classification allows sensitivity and precision calculation </a:t>
-            </a:r>
-            <a:r>
-              <a:rPr lang="en-US" sz="3600" dirty="0" smtClean="0"/>
-              <a:t>[6].</a:t>
-            </a:r>
-            <a:endParaRPr lang="en-US" sz="3600" dirty="0" smtClean="0"/>
+              <a:t>Binary classification allows sensitivity and precision calculation [6].</a:t>
+            </a:r>
           </a:p>
         </p:txBody>
       </p:sp>
@@ -11190,7 +11098,7 @@
 </p:sld>
 </file>
 
-<file path=ppt/slides/slide19.xml><?xml version="1.0" encoding="utf-8"?>
+<file path=ppt/slides/slide18.xml><?xml version="1.0" encoding="utf-8"?>
 <p:sld xmlns:a="http://schemas.openxmlformats.org/drawingml/2006/main" xmlns:r="http://schemas.openxmlformats.org/officeDocument/2006/relationships" xmlns:p="http://schemas.openxmlformats.org/presentationml/2006/main">
   <p:cSld>
     <p:spTree>
@@ -12294,155 +12202,7 @@
 </p:sld>
 </file>
 
-<file path=ppt/slides/slide2.xml><?xml version="1.0" encoding="utf-8"?>
-<p:sld xmlns:a="http://schemas.openxmlformats.org/drawingml/2006/main" xmlns:r="http://schemas.openxmlformats.org/officeDocument/2006/relationships" xmlns:p="http://schemas.openxmlformats.org/presentationml/2006/main">
-  <p:cSld>
-    <p:spTree>
-      <p:nvGrpSpPr>
-        <p:cNvPr id="1" name=""/>
-        <p:cNvGrpSpPr/>
-        <p:nvPr/>
-      </p:nvGrpSpPr>
-      <p:grpSpPr>
-        <a:xfrm>
-          <a:off x="0" y="0"/>
-          <a:ext cx="0" cy="0"/>
-          <a:chOff x="0" y="0"/>
-          <a:chExt cx="0" cy="0"/>
-        </a:xfrm>
-      </p:grpSpPr>
-      <p:sp>
-        <p:nvSpPr>
-          <p:cNvPr id="2" name="Title 1"/>
-          <p:cNvSpPr>
-            <a:spLocks noGrp="1"/>
-          </p:cNvSpPr>
-          <p:nvPr>
-            <p:ph type="title"/>
-          </p:nvPr>
-        </p:nvSpPr>
-        <p:spPr>
-          <a:xfrm>
-            <a:off x="1484309" y="267788"/>
-            <a:ext cx="10018713" cy="1047206"/>
-          </a:xfrm>
-        </p:spPr>
-        <p:txBody>
-          <a:bodyPr>
-            <a:normAutofit/>
-          </a:bodyPr>
-          <a:lstStyle/>
-          <a:p>
-            <a:r>
-              <a:rPr lang="en-US" sz="6000" dirty="0" smtClean="0"/>
-              <a:t>Outline</a:t>
-            </a:r>
-            <a:endParaRPr lang="en-CA" dirty="0"/>
-          </a:p>
-        </p:txBody>
-      </p:sp>
-      <p:sp>
-        <p:nvSpPr>
-          <p:cNvPr id="3" name="Content Placeholder 2"/>
-          <p:cNvSpPr>
-            <a:spLocks noGrp="1"/>
-          </p:cNvSpPr>
-          <p:nvPr>
-            <p:ph idx="1"/>
-          </p:nvPr>
-        </p:nvSpPr>
-        <p:spPr>
-          <a:xfrm>
-            <a:off x="1484310" y="1314994"/>
-            <a:ext cx="10018713" cy="4981303"/>
-          </a:xfrm>
-        </p:spPr>
-        <p:txBody>
-          <a:bodyPr>
-            <a:normAutofit/>
-          </a:bodyPr>
-          <a:lstStyle/>
-          <a:p>
-            <a:r>
-              <a:rPr lang="en-US" sz="3600" dirty="0" smtClean="0"/>
-              <a:t>CVSS </a:t>
-            </a:r>
-            <a:r>
-              <a:rPr lang="en-US" sz="3600" dirty="0" smtClean="0"/>
-              <a:t>introduction</a:t>
-            </a:r>
-          </a:p>
-          <a:p>
-            <a:pPr lvl="1">
-              <a:spcBef>
-                <a:spcPts val="0"/>
-              </a:spcBef>
-              <a:spcAft>
-                <a:spcPts val="0"/>
-              </a:spcAft>
-              <a:buSzPct val="100000"/>
-              <a:buFont typeface="Wingdings" panose="05000000000000000000" pitchFamily="2" charset="2"/>
-              <a:buChar char="Ø"/>
-            </a:pPr>
-            <a:r>
-              <a:rPr lang="en-US" sz="2400" dirty="0" smtClean="0"/>
-              <a:t>Background &amp; Related work</a:t>
-            </a:r>
-            <a:endParaRPr lang="en-US" sz="2400" dirty="0" smtClean="0"/>
-          </a:p>
-          <a:p>
-            <a:r>
-              <a:rPr lang="en-US" sz="3600" dirty="0" smtClean="0"/>
-              <a:t>Method</a:t>
-            </a:r>
-          </a:p>
-          <a:p>
-            <a:pPr lvl="1">
-              <a:spcBef>
-                <a:spcPts val="0"/>
-              </a:spcBef>
-              <a:spcAft>
-                <a:spcPts val="0"/>
-              </a:spcAft>
-              <a:buSzPct val="100000"/>
-              <a:buFont typeface="Wingdings" panose="05000000000000000000" pitchFamily="2" charset="2"/>
-              <a:buChar char="Ø"/>
-            </a:pPr>
-            <a:r>
-              <a:rPr lang="en-US" sz="2400" smtClean="0"/>
-              <a:t>Optimization</a:t>
-            </a:r>
-            <a:endParaRPr lang="en-US" sz="2400" dirty="0" smtClean="0"/>
-          </a:p>
-          <a:p>
-            <a:r>
-              <a:rPr lang="en-US" sz="3600" dirty="0" smtClean="0"/>
-              <a:t>Results</a:t>
-            </a:r>
-          </a:p>
-          <a:p>
-            <a:r>
-              <a:rPr lang="en-US" sz="3600" dirty="0" smtClean="0"/>
-              <a:t>Discussion and conclusions</a:t>
-            </a:r>
-            <a:endParaRPr lang="en-CA" sz="3600" dirty="0"/>
-          </a:p>
-        </p:txBody>
-      </p:sp>
-    </p:spTree>
-    <p:extLst>
-      <p:ext uri="{BB962C8B-B14F-4D97-AF65-F5344CB8AC3E}">
-        <p14:creationId xmlns:p14="http://schemas.microsoft.com/office/powerpoint/2010/main" val="2380731580"/>
-      </p:ext>
-    </p:extLst>
-  </p:cSld>
-  <p:clrMapOvr>
-    <a:masterClrMapping/>
-  </p:clrMapOvr>
-</p:sld>
-</file>
-
-<file path=ppt/slides/slide20.xml><?xml version="1.0" encoding="utf-8"?>
+<file path=ppt/slides/slide19.xml><?xml version="1.0" encoding="utf-8"?>
 <p:sld xmlns:a="http://schemas.openxmlformats.org/drawingml/2006/main" xmlns:r="http://schemas.openxmlformats.org/officeDocument/2006/relationships" xmlns:p="http://schemas.openxmlformats.org/presentationml/2006/main">
   <p:cSld>
     <p:spTree>
@@ -14203,7 +13963,157 @@
 </p:sld>
 </file>
 
-<file path=ppt/slides/slide21.xml><?xml version="1.0" encoding="utf-8"?>
+<file path=ppt/slides/slide2.xml><?xml version="1.0" encoding="utf-8"?>
+<p:sld xmlns:a="http://schemas.openxmlformats.org/drawingml/2006/main" xmlns:r="http://schemas.openxmlformats.org/officeDocument/2006/relationships" xmlns:p="http://schemas.openxmlformats.org/presentationml/2006/main">
+  <p:cSld>
+    <p:spTree>
+      <p:nvGrpSpPr>
+        <p:cNvPr id="1" name=""/>
+        <p:cNvGrpSpPr/>
+        <p:nvPr/>
+      </p:nvGrpSpPr>
+      <p:grpSpPr>
+        <a:xfrm>
+          <a:off x="0" y="0"/>
+          <a:ext cx="0" cy="0"/>
+          <a:chOff x="0" y="0"/>
+          <a:chExt cx="0" cy="0"/>
+        </a:xfrm>
+      </p:grpSpPr>
+      <p:sp>
+        <p:nvSpPr>
+          <p:cNvPr id="2" name="Title 1"/>
+          <p:cNvSpPr>
+            <a:spLocks noGrp="1"/>
+          </p:cNvSpPr>
+          <p:nvPr>
+            <p:ph type="title"/>
+          </p:nvPr>
+        </p:nvSpPr>
+        <p:spPr>
+          <a:xfrm>
+            <a:off x="1484309" y="267788"/>
+            <a:ext cx="10018713" cy="1047206"/>
+          </a:xfrm>
+        </p:spPr>
+        <p:txBody>
+          <a:bodyPr>
+            <a:normAutofit/>
+          </a:bodyPr>
+          <a:lstStyle/>
+          <a:p>
+            <a:r>
+              <a:rPr lang="en-US" sz="6000" dirty="0" smtClean="0"/>
+              <a:t>Outline</a:t>
+            </a:r>
+            <a:endParaRPr lang="en-CA" dirty="0"/>
+          </a:p>
+        </p:txBody>
+      </p:sp>
+      <p:sp>
+        <p:nvSpPr>
+          <p:cNvPr id="3" name="Content Placeholder 2"/>
+          <p:cNvSpPr>
+            <a:spLocks noGrp="1"/>
+          </p:cNvSpPr>
+          <p:nvPr>
+            <p:ph idx="1"/>
+          </p:nvPr>
+        </p:nvSpPr>
+        <p:spPr>
+          <a:xfrm>
+            <a:off x="1484310" y="1314994"/>
+            <a:ext cx="10018713" cy="4981303"/>
+          </a:xfrm>
+        </p:spPr>
+        <p:txBody>
+          <a:bodyPr>
+            <a:normAutofit/>
+          </a:bodyPr>
+          <a:lstStyle/>
+          <a:p>
+            <a:r>
+              <a:rPr lang="en-US" sz="3600" dirty="0" smtClean="0"/>
+              <a:t>CVSS introduction</a:t>
+            </a:r>
+          </a:p>
+          <a:p>
+            <a:pPr lvl="1">
+              <a:spcBef>
+                <a:spcPts val="0"/>
+              </a:spcBef>
+              <a:spcAft>
+                <a:spcPts val="0"/>
+              </a:spcAft>
+              <a:buSzPct val="100000"/>
+              <a:buFont typeface="Wingdings" panose="05000000000000000000" pitchFamily="2" charset="2"/>
+              <a:buChar char="Ø"/>
+            </a:pPr>
+            <a:r>
+              <a:rPr lang="en-US" sz="2400" dirty="0" smtClean="0"/>
+              <a:t>Background &amp; Related work</a:t>
+            </a:r>
+          </a:p>
+          <a:p>
+            <a:r>
+              <a:rPr lang="en-US" sz="3600" dirty="0" smtClean="0"/>
+              <a:t>Method</a:t>
+            </a:r>
+          </a:p>
+          <a:p>
+            <a:pPr lvl="1">
+              <a:spcBef>
+                <a:spcPts val="0"/>
+              </a:spcBef>
+              <a:spcAft>
+                <a:spcPts val="0"/>
+              </a:spcAft>
+              <a:buSzPct val="100000"/>
+              <a:buFont typeface="Wingdings" panose="05000000000000000000" pitchFamily="2" charset="2"/>
+              <a:buChar char="Ø"/>
+            </a:pPr>
+            <a:r>
+              <a:rPr lang="en-US" sz="2400" smtClean="0"/>
+              <a:t>Optimization</a:t>
+            </a:r>
+            <a:endParaRPr lang="en-US" sz="2400" dirty="0" smtClean="0"/>
+          </a:p>
+          <a:p>
+            <a:r>
+              <a:rPr lang="en-US" sz="3600" dirty="0" smtClean="0"/>
+              <a:t>Results</a:t>
+            </a:r>
+          </a:p>
+          <a:p>
+            <a:r>
+              <a:rPr lang="en-US" sz="3600" dirty="0" smtClean="0"/>
+              <a:t>Discussion and conclusions</a:t>
+            </a:r>
+            <a:endParaRPr lang="en-CA" sz="3600" dirty="0"/>
+          </a:p>
+        </p:txBody>
+      </p:sp>
+    </p:spTree>
+    <p:extLst>
+      <p:ext uri="{BB962C8B-B14F-4D97-AF65-F5344CB8AC3E}">
+        <p14:creationId xmlns:p14="http://schemas.microsoft.com/office/powerpoint/2010/main" val="2380731580"/>
+      </p:ext>
+    </p:extLst>
+  </p:cSld>
+  <p:clrMapOvr>
+    <a:masterClrMapping/>
+  </p:clrMapOvr>
+  <p:timing>
+    <p:tnLst>
+      <p:par>
+        <p:cTn id="1" dur="indefinite" restart="never" nodeType="tmRoot"/>
+      </p:par>
+    </p:tnLst>
+  </p:timing>
+</p:sld>
+</file>
+
+<file path=ppt/slides/slide20.xml><?xml version="1.0" encoding="utf-8"?>
 <p:sld xmlns:a="http://schemas.openxmlformats.org/drawingml/2006/main" xmlns:r="http://schemas.openxmlformats.org/officeDocument/2006/relationships" xmlns:p="http://schemas.openxmlformats.org/presentationml/2006/main">
   <p:cSld>
     <p:spTree>
@@ -15281,7 +15191,7 @@
 </p:sld>
 </file>
 
-<file path=ppt/slides/slide22.xml><?xml version="1.0" encoding="utf-8"?>
+<file path=ppt/slides/slide21.xml><?xml version="1.0" encoding="utf-8"?>
 <p:sld xmlns:a="http://schemas.openxmlformats.org/drawingml/2006/main" xmlns:r="http://schemas.openxmlformats.org/officeDocument/2006/relationships" xmlns:p="http://schemas.openxmlformats.org/presentationml/2006/main">
   <p:cSld>
     <p:spTree>
@@ -16721,7 +16631,7 @@
 </p:sld>
 </file>
 
-<file path=ppt/slides/slide23.xml><?xml version="1.0" encoding="utf-8"?>
+<file path=ppt/slides/slide22.xml><?xml version="1.0" encoding="utf-8"?>
 <p:sld xmlns:a="http://schemas.openxmlformats.org/drawingml/2006/main" xmlns:r="http://schemas.openxmlformats.org/officeDocument/2006/relationships" xmlns:p="http://schemas.openxmlformats.org/presentationml/2006/main">
   <p:cSld>
     <p:spTree>
@@ -16866,6 +16776,108 @@
 </p:sld>
 </file>
 
+<file path=ppt/slides/slide23.xml><?xml version="1.0" encoding="utf-8"?>
+<p:sld xmlns:a="http://schemas.openxmlformats.org/drawingml/2006/main" xmlns:r="http://schemas.openxmlformats.org/officeDocument/2006/relationships" xmlns:p="http://schemas.openxmlformats.org/presentationml/2006/main">
+  <p:cSld>
+    <p:spTree>
+      <p:nvGrpSpPr>
+        <p:cNvPr id="1" name=""/>
+        <p:cNvGrpSpPr/>
+        <p:nvPr/>
+      </p:nvGrpSpPr>
+      <p:grpSpPr>
+        <a:xfrm>
+          <a:off x="0" y="0"/>
+          <a:ext cx="0" cy="0"/>
+          <a:chOff x="0" y="0"/>
+          <a:chExt cx="0" cy="0"/>
+        </a:xfrm>
+      </p:grpSpPr>
+      <p:sp>
+        <p:nvSpPr>
+          <p:cNvPr id="2" name="Title 1"/>
+          <p:cNvSpPr>
+            <a:spLocks noGrp="1"/>
+          </p:cNvSpPr>
+          <p:nvPr>
+            <p:ph type="title"/>
+          </p:nvPr>
+        </p:nvSpPr>
+        <p:spPr>
+          <a:xfrm>
+            <a:off x="1484309" y="267788"/>
+            <a:ext cx="10018713" cy="1047206"/>
+          </a:xfrm>
+        </p:spPr>
+        <p:txBody>
+          <a:bodyPr>
+            <a:normAutofit/>
+          </a:bodyPr>
+          <a:lstStyle/>
+          <a:p>
+            <a:r>
+              <a:rPr lang="en-US" sz="6000" dirty="0" smtClean="0"/>
+              <a:t>Discussion – Ongoing Work</a:t>
+            </a:r>
+            <a:endParaRPr lang="en-CA" dirty="0"/>
+          </a:p>
+        </p:txBody>
+      </p:sp>
+      <p:sp>
+        <p:nvSpPr>
+          <p:cNvPr id="12" name="Content Placeholder 2"/>
+          <p:cNvSpPr>
+            <a:spLocks noGrp="1"/>
+          </p:cNvSpPr>
+          <p:nvPr>
+            <p:ph idx="1"/>
+          </p:nvPr>
+        </p:nvSpPr>
+        <p:spPr>
+          <a:xfrm>
+            <a:off x="1323703" y="1314994"/>
+            <a:ext cx="9509760" cy="4981303"/>
+          </a:xfrm>
+        </p:spPr>
+        <p:txBody>
+          <a:bodyPr anchor="ctr">
+            <a:normAutofit/>
+          </a:bodyPr>
+          <a:lstStyle/>
+          <a:p>
+            <a:r>
+              <a:rPr lang="en-US" sz="3600" dirty="0" smtClean="0"/>
+              <a:t>Optimize on other performance metrics</a:t>
+            </a:r>
+          </a:p>
+          <a:p>
+            <a:r>
+              <a:rPr lang="en-US" sz="3600" dirty="0" smtClean="0"/>
+              <a:t>Assess optimized equation on multiple vulnerability sets</a:t>
+            </a:r>
+          </a:p>
+        </p:txBody>
+      </p:sp>
+    </p:spTree>
+    <p:extLst>
+      <p:ext uri="{BB962C8B-B14F-4D97-AF65-F5344CB8AC3E}">
+        <p14:creationId xmlns:p14="http://schemas.microsoft.com/office/powerpoint/2010/main" val="2675148060"/>
+      </p:ext>
+    </p:extLst>
+  </p:cSld>
+  <p:clrMapOvr>
+    <a:masterClrMapping/>
+  </p:clrMapOvr>
+  <p:timing>
+    <p:tnLst>
+      <p:par>
+        <p:cTn id="1" dur="indefinite" restart="never" nodeType="tmRoot"/>
+      </p:par>
+    </p:tnLst>
+  </p:timing>
+</p:sld>
+</file>
+
 <file path=ppt/slides/slide24.xml><?xml version="1.0" encoding="utf-8"?>
 <p:sld xmlns:a="http://schemas.openxmlformats.org/drawingml/2006/main" xmlns:r="http://schemas.openxmlformats.org/officeDocument/2006/relationships" xmlns:p="http://schemas.openxmlformats.org/presentationml/2006/main">
   <p:cSld>
@@ -16907,7 +16919,7 @@
           <a:p>
             <a:r>
               <a:rPr lang="en-US" sz="6000" dirty="0" smtClean="0"/>
-              <a:t>Discussion – Ongoing Work</a:t>
+              <a:t>Conclusions</a:t>
             </a:r>
             <a:endParaRPr lang="en-CA" dirty="0"/>
           </a:p>
@@ -16926,7 +16938,7 @@
         <p:spPr>
           <a:xfrm>
             <a:off x="1323703" y="1314994"/>
-            <a:ext cx="9509760" cy="4981303"/>
+            <a:ext cx="9658333" cy="4981303"/>
           </a:xfrm>
         </p:spPr>
         <p:txBody>
@@ -16937,13 +16949,19 @@
           <a:p>
             <a:r>
               <a:rPr lang="en-US" sz="3600" dirty="0" smtClean="0"/>
-              <a:t>Optimize on other performance metrics</a:t>
+              <a:t>Optimizing on ICC does not necessarily improve CVSS utility</a:t>
             </a:r>
           </a:p>
           <a:p>
             <a:r>
               <a:rPr lang="en-US" sz="3600" dirty="0" smtClean="0"/>
-              <a:t>Assess optimized equation on multiple vulnerability sets</a:t>
+              <a:t>Other metrics should be investigated</a:t>
+            </a:r>
+          </a:p>
+          <a:p>
+            <a:r>
+              <a:rPr lang="en-US" sz="3600" dirty="0" smtClean="0"/>
+              <a:t>Statistical validation should be performed</a:t>
             </a:r>
           </a:p>
         </p:txBody>
@@ -16951,7 +16969,7 @@
     </p:spTree>
     <p:extLst>
       <p:ext uri="{BB962C8B-B14F-4D97-AF65-F5344CB8AC3E}">
-        <p14:creationId xmlns:p14="http://schemas.microsoft.com/office/powerpoint/2010/main" val="2675148060"/>
+        <p14:creationId xmlns:p14="http://schemas.microsoft.com/office/powerpoint/2010/main" val="4095538184"/>
       </p:ext>
     </p:extLst>
   </p:cSld>
@@ -16997,74 +17015,36 @@
         </p:nvSpPr>
         <p:spPr>
           <a:xfrm>
-            <a:off x="1484309" y="267788"/>
-            <a:ext cx="10018713" cy="1047206"/>
+            <a:off x="1630627" y="2373809"/>
+            <a:ext cx="8930747" cy="2110382"/>
           </a:xfrm>
         </p:spPr>
         <p:txBody>
           <a:bodyPr>
-            <a:normAutofit/>
+            <a:noAutofit/>
           </a:bodyPr>
           <a:lstStyle/>
           <a:p>
-            <a:r>
-              <a:rPr lang="en-US" sz="6000" dirty="0" smtClean="0"/>
-              <a:t>Conclusions</a:t>
-            </a:r>
-            <a:endParaRPr lang="en-CA" dirty="0"/>
-          </a:p>
-        </p:txBody>
-      </p:sp>
-      <p:sp>
-        <p:nvSpPr>
-          <p:cNvPr id="12" name="Content Placeholder 2"/>
-          <p:cNvSpPr>
-            <a:spLocks noGrp="1"/>
-          </p:cNvSpPr>
-          <p:nvPr>
-            <p:ph idx="1"/>
-          </p:nvPr>
-        </p:nvSpPr>
-        <p:spPr>
-          <a:xfrm>
-            <a:off x="1323703" y="1314994"/>
-            <a:ext cx="9658333" cy="4981303"/>
-          </a:xfrm>
-        </p:spPr>
-        <p:txBody>
-          <a:bodyPr anchor="ctr">
-            <a:normAutofit/>
-          </a:bodyPr>
-          <a:lstStyle/>
-          <a:p>
-            <a:r>
-              <a:rPr lang="en-US" sz="3600" dirty="0" smtClean="0"/>
-              <a:t>Optimizing on ICC does not necessarily improve </a:t>
-            </a:r>
-            <a:r>
-              <a:rPr lang="en-US" sz="3600" dirty="0" smtClean="0"/>
-              <a:t>CVSS utility</a:t>
-            </a:r>
-            <a:endParaRPr lang="en-US" sz="3600" dirty="0" smtClean="0"/>
-          </a:p>
-          <a:p>
-            <a:r>
-              <a:rPr lang="en-US" sz="3600" dirty="0" smtClean="0"/>
-              <a:t>Other metrics should be investigated</a:t>
-            </a:r>
-          </a:p>
-          <a:p>
-            <a:r>
-              <a:rPr lang="en-US" sz="3600" dirty="0" smtClean="0"/>
-              <a:t>Statistical validation should be performed</a:t>
-            </a:r>
+            <a:pPr algn="ctr"/>
+            <a:r>
+              <a:rPr lang="en-US" sz="6600" dirty="0" smtClean="0"/>
+              <a:t>Thank you!</a:t>
+            </a:r>
+            <a:br>
+              <a:rPr lang="en-US" sz="6600" dirty="0" smtClean="0"/>
+            </a:br>
+            <a:r>
+              <a:rPr lang="en-US" sz="6600" dirty="0" smtClean="0"/>
+              <a:t>Questions?</a:t>
+            </a:r>
+            <a:endParaRPr lang="en-CA" sz="6600" dirty="0"/>
           </a:p>
         </p:txBody>
       </p:sp>
     </p:spTree>
     <p:extLst>
       <p:ext uri="{BB962C8B-B14F-4D97-AF65-F5344CB8AC3E}">
-        <p14:creationId xmlns:p14="http://schemas.microsoft.com/office/powerpoint/2010/main" val="4095538184"/>
+        <p14:creationId xmlns:p14="http://schemas.microsoft.com/office/powerpoint/2010/main" val="1536031132"/>
       </p:ext>
     </p:extLst>
   </p:cSld>
@@ -17082,74 +17062,6 @@
 </file>
 
 <file path=ppt/slides/slide26.xml><?xml version="1.0" encoding="utf-8"?>
-<p:sld xmlns:a="http://schemas.openxmlformats.org/drawingml/2006/main" xmlns:r="http://schemas.openxmlformats.org/officeDocument/2006/relationships" xmlns:p="http://schemas.openxmlformats.org/presentationml/2006/main">
-  <p:cSld>
-    <p:spTree>
-      <p:nvGrpSpPr>
-        <p:cNvPr id="1" name=""/>
-        <p:cNvGrpSpPr/>
-        <p:nvPr/>
-      </p:nvGrpSpPr>
-      <p:grpSpPr>
-        <a:xfrm>
-          <a:off x="0" y="0"/>
-          <a:ext cx="0" cy="0"/>
-          <a:chOff x="0" y="0"/>
-          <a:chExt cx="0" cy="0"/>
-        </a:xfrm>
-      </p:grpSpPr>
-      <p:sp>
-        <p:nvSpPr>
-          <p:cNvPr id="2" name="Title 1"/>
-          <p:cNvSpPr>
-            <a:spLocks noGrp="1"/>
-          </p:cNvSpPr>
-          <p:nvPr>
-            <p:ph type="title"/>
-          </p:nvPr>
-        </p:nvSpPr>
-        <p:spPr>
-          <a:xfrm>
-            <a:off x="1630627" y="2373809"/>
-            <a:ext cx="8930747" cy="2110382"/>
-          </a:xfrm>
-        </p:spPr>
-        <p:txBody>
-          <a:bodyPr>
-            <a:noAutofit/>
-          </a:bodyPr>
-          <a:lstStyle/>
-          <a:p>
-            <a:pPr algn="ctr"/>
-            <a:r>
-              <a:rPr lang="en-US" sz="6600" dirty="0" smtClean="0"/>
-              <a:t>Thank you!</a:t>
-            </a:r>
-            <a:br>
-              <a:rPr lang="en-US" sz="6600" dirty="0" smtClean="0"/>
-            </a:br>
-            <a:r>
-              <a:rPr lang="en-US" sz="6600" dirty="0" smtClean="0"/>
-              <a:t>Questions?</a:t>
-            </a:r>
-            <a:endParaRPr lang="en-CA" sz="6600" dirty="0"/>
-          </a:p>
-        </p:txBody>
-      </p:sp>
-    </p:spTree>
-    <p:extLst>
-      <p:ext uri="{BB962C8B-B14F-4D97-AF65-F5344CB8AC3E}">
-        <p14:creationId xmlns:p14="http://schemas.microsoft.com/office/powerpoint/2010/main" val="1536031132"/>
-      </p:ext>
-    </p:extLst>
-  </p:cSld>
-  <p:clrMapOvr>
-    <a:masterClrMapping/>
-  </p:clrMapOvr>
-</p:sld>
-</file>
-
-<file path=ppt/slides/slide27.xml><?xml version="1.0" encoding="utf-8"?>
 <p:sld xmlns:a="http://schemas.openxmlformats.org/drawingml/2006/main" xmlns:r="http://schemas.openxmlformats.org/officeDocument/2006/relationships" xmlns:p="http://schemas.openxmlformats.org/presentationml/2006/main">
   <p:cSld>
     <p:spTree>
@@ -17617,6 +17529,13 @@
   <p:clrMapOvr>
     <a:masterClrMapping/>
   </p:clrMapOvr>
+  <p:timing>
+    <p:tnLst>
+      <p:par>
+        <p:cTn id="1" dur="indefinite" restart="never" nodeType="tmRoot"/>
+      </p:par>
+    </p:tnLst>
+  </p:timing>
 </p:sld>
 </file>
 
@@ -17713,6 +17632,13 @@
   <p:clrMapOvr>
     <a:masterClrMapping/>
   </p:clrMapOvr>
+  <p:timing>
+    <p:tnLst>
+      <p:par>
+        <p:cTn id="1" dur="indefinite" restart="never" nodeType="tmRoot"/>
+      </p:par>
+    </p:tnLst>
+  </p:timing>
 </p:sld>
 </file>
 
@@ -17808,6 +17734,13 @@
   <p:clrMapOvr>
     <a:masterClrMapping/>
   </p:clrMapOvr>
+  <p:timing>
+    <p:tnLst>
+      <p:par>
+        <p:cTn id="1" dur="indefinite" restart="never" nodeType="tmRoot"/>
+      </p:par>
+    </p:tnLst>
+  </p:timing>
 </p:sld>
 </file>
 
@@ -17903,11 +17836,7 @@
           <a:p>
             <a:r>
               <a:rPr lang="en-US" sz="2800" dirty="0" smtClean="0"/>
-              <a:t>Environmental </a:t>
-            </a:r>
-            <a:r>
-              <a:rPr lang="en-US" sz="2800" dirty="0" smtClean="0"/>
-              <a:t>score</a:t>
+              <a:t>Environmental score</a:t>
             </a:r>
             <a:endParaRPr lang="en-US" sz="3200" dirty="0" smtClean="0"/>
           </a:p>
@@ -17923,6 +17852,13 @@
   <p:clrMapOvr>
     <a:masterClrMapping/>
   </p:clrMapOvr>
+  <p:timing>
+    <p:tnLst>
+      <p:par>
+        <p:cTn id="1" dur="indefinite" restart="never" nodeType="tmRoot"/>
+      </p:par>
+    </p:tnLst>
+  </p:timing>
 </p:sld>
 </file>
 
@@ -18879,6 +18815,13 @@
   <p:clrMapOvr>
     <a:masterClrMapping/>
   </p:clrMapOvr>
+  <p:timing>
+    <p:tnLst>
+      <p:par>
+        <p:cTn id="1" dur="indefinite" restart="never" nodeType="tmRoot"/>
+      </p:par>
+    </p:tnLst>
+  </p:timing>
 </p:sld>
 </file>
 
@@ -18923,11 +18866,7 @@
           <a:p>
             <a:r>
               <a:rPr lang="en-US" sz="6000" dirty="0" smtClean="0"/>
-              <a:t>Intro – CVSS </a:t>
-            </a:r>
-            <a:r>
-              <a:rPr lang="en-US" sz="6000" dirty="0" smtClean="0"/>
-              <a:t>Score Prediction</a:t>
+              <a:t>Intro – CVSS Score Prediction</a:t>
             </a:r>
             <a:endParaRPr lang="en-CA" dirty="0"/>
           </a:p>
@@ -18991,6 +18930,13 @@
   <p:clrMapOvr>
     <a:masterClrMapping/>
   </p:clrMapOvr>
+  <p:timing>
+    <p:tnLst>
+      <p:par>
+        <p:cTn id="1" dur="indefinite" restart="never" nodeType="tmRoot"/>
+      </p:par>
+    </p:tnLst>
+  </p:timing>
 </p:sld>
 </file>
 
@@ -19065,13 +19011,8 @@
           <a:p>
             <a:r>
               <a:rPr lang="en-US" sz="3600" dirty="0" smtClean="0"/>
-              <a:t>Base scores not correlated with exploits </a:t>
-            </a:r>
-            <a:r>
-              <a:rPr lang="en-US" sz="3600" dirty="0" smtClean="0"/>
-              <a:t>[4,5]</a:t>
-            </a:r>
-            <a:endParaRPr lang="en-US" sz="3600" dirty="0" smtClean="0"/>
+              <a:t>Base scores not correlated with exploits [4,5]</a:t>
+            </a:r>
           </a:p>
           <a:p>
             <a:r>
@@ -19719,6 +19660,13 @@
   <p:clrMapOvr>
     <a:masterClrMapping/>
   </p:clrMapOvr>
+  <p:timing>
+    <p:tnLst>
+      <p:par>
+        <p:cTn id="1" dur="indefinite" restart="never" nodeType="tmRoot"/>
+      </p:par>
+    </p:tnLst>
+  </p:timing>
 </p:sld>
 </file>
 
